--- a/العرض.pptx
+++ b/العرض.pptx
@@ -5,7 +5,7 @@
     <p:sldMasterId id="2147483675" r:id="rId1"/>
   </p:sldMasterIdLst>
   <p:notesMasterIdLst>
-    <p:notesMasterId r:id="rId24"/>
+    <p:notesMasterId r:id="rId35"/>
   </p:notesMasterIdLst>
   <p:sldIdLst>
     <p:sldId id="256" r:id="rId2"/>
@@ -26,10 +26,21 @@
     <p:sldId id="408" r:id="rId17"/>
     <p:sldId id="346" r:id="rId18"/>
     <p:sldId id="378" r:id="rId19"/>
-    <p:sldId id="379" r:id="rId20"/>
-    <p:sldId id="334" r:id="rId21"/>
-    <p:sldId id="382" r:id="rId22"/>
-    <p:sldId id="399" r:id="rId23"/>
+    <p:sldId id="412" r:id="rId20"/>
+    <p:sldId id="410" r:id="rId21"/>
+    <p:sldId id="411" r:id="rId22"/>
+    <p:sldId id="409" r:id="rId23"/>
+    <p:sldId id="413" r:id="rId24"/>
+    <p:sldId id="414" r:id="rId25"/>
+    <p:sldId id="417" r:id="rId26"/>
+    <p:sldId id="416" r:id="rId27"/>
+    <p:sldId id="415" r:id="rId28"/>
+    <p:sldId id="418" r:id="rId29"/>
+    <p:sldId id="419" r:id="rId30"/>
+    <p:sldId id="379" r:id="rId31"/>
+    <p:sldId id="334" r:id="rId32"/>
+    <p:sldId id="382" r:id="rId33"/>
+    <p:sldId id="399" r:id="rId34"/>
   </p:sldIdLst>
   <p:sldSz cx="9144000" cy="5143500" type="screen16x9"/>
   <p:notesSz cx="6858000" cy="9144000"/>
@@ -1885,7 +1896,7 @@
   <p:cSld>
     <p:spTree>
       <p:nvGrpSpPr>
-        <p:cNvPr id="1" name="Shape 218"/>
+        <p:cNvPr id="1" name="Shape 231"/>
         <p:cNvGrpSpPr/>
         <p:nvPr/>
       </p:nvGrpSpPr>
@@ -1899,7 +1910,7 @@
       </p:grpSpPr>
       <p:sp>
         <p:nvSpPr>
-          <p:cNvPr id="219" name="Google Shape;219;ga9469d1f40_0_61:notes"/>
+          <p:cNvPr id="232" name="Google Shape;232;ga9469d1f40_0_86:notes"/>
           <p:cNvSpPr>
             <a:spLocks noGrp="1" noRot="1" noChangeAspect="1"/>
           </p:cNvSpPr>
@@ -1940,7 +1951,7 @@
       </p:sp>
       <p:sp>
         <p:nvSpPr>
-          <p:cNvPr id="220" name="Google Shape;220;ga9469d1f40_0_61:notes"/>
+          <p:cNvPr id="233" name="Google Shape;233;ga9469d1f40_0_86:notes"/>
           <p:cNvSpPr txBox="1">
             <a:spLocks noGrp="1"/>
           </p:cNvSpPr>
@@ -1979,7 +1990,7 @@
     </p:spTree>
     <p:extLst>
       <p:ext uri="{BB962C8B-B14F-4D97-AF65-F5344CB8AC3E}">
-        <p14:creationId xmlns:p14="http://schemas.microsoft.com/office/powerpoint/2010/main" val="1573819051"/>
+        <p14:creationId xmlns:p14="http://schemas.microsoft.com/office/powerpoint/2010/main" val="2005946304"/>
       </p:ext>
     </p:extLst>
   </p:cSld>
@@ -2103,7 +2114,7 @@
   <p:cSld>
     <p:spTree>
       <p:nvGrpSpPr>
-        <p:cNvPr id="1" name="Shape 187"/>
+        <p:cNvPr id="1" name="Shape 231"/>
         <p:cNvGrpSpPr/>
         <p:nvPr/>
       </p:nvGrpSpPr>
@@ -2117,7 +2128,7 @@
       </p:grpSpPr>
       <p:sp>
         <p:nvSpPr>
-          <p:cNvPr id="188" name="Google Shape;188;ga9fa940987_3_203:notes"/>
+          <p:cNvPr id="232" name="Google Shape;232;ga9469d1f40_0_86:notes"/>
           <p:cNvSpPr>
             <a:spLocks noGrp="1" noRot="1" noChangeAspect="1"/>
           </p:cNvSpPr>
@@ -2158,7 +2169,7 @@
       </p:sp>
       <p:sp>
         <p:nvSpPr>
-          <p:cNvPr id="189" name="Google Shape;189;ga9fa940987_3_203:notes"/>
+          <p:cNvPr id="233" name="Google Shape;233;ga9469d1f40_0_86:notes"/>
           <p:cNvSpPr txBox="1">
             <a:spLocks noGrp="1"/>
           </p:cNvSpPr>
@@ -2190,14 +2201,14 @@
               </a:spcAft>
               <a:buNone/>
             </a:pPr>
-            <a:endParaRPr dirty="0"/>
+            <a:endParaRPr/>
           </a:p>
         </p:txBody>
       </p:sp>
     </p:spTree>
     <p:extLst>
       <p:ext uri="{BB962C8B-B14F-4D97-AF65-F5344CB8AC3E}">
-        <p14:creationId xmlns:p14="http://schemas.microsoft.com/office/powerpoint/2010/main" val="861389588"/>
+        <p14:creationId xmlns:p14="http://schemas.microsoft.com/office/powerpoint/2010/main" val="3351402"/>
       </p:ext>
     </p:extLst>
   </p:cSld>
@@ -2212,7 +2223,7 @@
   <p:cSld>
     <p:spTree>
       <p:nvGrpSpPr>
-        <p:cNvPr id="1" name="Shape 187"/>
+        <p:cNvPr id="1" name="Shape 231"/>
         <p:cNvGrpSpPr/>
         <p:nvPr/>
       </p:nvGrpSpPr>
@@ -2226,7 +2237,7 @@
       </p:grpSpPr>
       <p:sp>
         <p:nvSpPr>
-          <p:cNvPr id="188" name="Google Shape;188;ga9fa940987_3_203:notes"/>
+          <p:cNvPr id="232" name="Google Shape;232;ga9469d1f40_0_86:notes"/>
           <p:cNvSpPr>
             <a:spLocks noGrp="1" noRot="1" noChangeAspect="1"/>
           </p:cNvSpPr>
@@ -2267,7 +2278,7 @@
       </p:sp>
       <p:sp>
         <p:nvSpPr>
-          <p:cNvPr id="189" name="Google Shape;189;ga9fa940987_3_203:notes"/>
+          <p:cNvPr id="233" name="Google Shape;233;ga9469d1f40_0_86:notes"/>
           <p:cNvSpPr txBox="1">
             <a:spLocks noGrp="1"/>
           </p:cNvSpPr>
@@ -2299,14 +2310,14 @@
               </a:spcAft>
               <a:buNone/>
             </a:pPr>
-            <a:endParaRPr dirty="0"/>
+            <a:endParaRPr/>
           </a:p>
         </p:txBody>
       </p:sp>
     </p:spTree>
     <p:extLst>
       <p:ext uri="{BB962C8B-B14F-4D97-AF65-F5344CB8AC3E}">
-        <p14:creationId xmlns:p14="http://schemas.microsoft.com/office/powerpoint/2010/main" val="2036825530"/>
+        <p14:creationId xmlns:p14="http://schemas.microsoft.com/office/powerpoint/2010/main" val="1885837454"/>
       </p:ext>
     </p:extLst>
   </p:cSld>
@@ -2321,7 +2332,7 @@
   <p:cSld>
     <p:spTree>
       <p:nvGrpSpPr>
-        <p:cNvPr id="1" name="Shape 187"/>
+        <p:cNvPr id="1" name="Shape 231"/>
         <p:cNvGrpSpPr/>
         <p:nvPr/>
       </p:nvGrpSpPr>
@@ -2335,7 +2346,7 @@
       </p:grpSpPr>
       <p:sp>
         <p:nvSpPr>
-          <p:cNvPr id="188" name="Google Shape;188;ga9fa940987_3_203:notes"/>
+          <p:cNvPr id="232" name="Google Shape;232;ga9469d1f40_0_86:notes"/>
           <p:cNvSpPr>
             <a:spLocks noGrp="1" noRot="1" noChangeAspect="1"/>
           </p:cNvSpPr>
@@ -2376,7 +2387,7 @@
       </p:sp>
       <p:sp>
         <p:nvSpPr>
-          <p:cNvPr id="189" name="Google Shape;189;ga9fa940987_3_203:notes"/>
+          <p:cNvPr id="233" name="Google Shape;233;ga9469d1f40_0_86:notes"/>
           <p:cNvSpPr txBox="1">
             <a:spLocks noGrp="1"/>
           </p:cNvSpPr>
@@ -2408,14 +2419,777 @@
               </a:spcAft>
               <a:buNone/>
             </a:pPr>
-            <a:endParaRPr dirty="0"/>
+            <a:endParaRPr/>
           </a:p>
         </p:txBody>
       </p:sp>
     </p:spTree>
     <p:extLst>
       <p:ext uri="{BB962C8B-B14F-4D97-AF65-F5344CB8AC3E}">
-        <p14:creationId xmlns:p14="http://schemas.microsoft.com/office/powerpoint/2010/main" val="3893482943"/>
+        <p14:creationId xmlns:p14="http://schemas.microsoft.com/office/powerpoint/2010/main" val="218702616"/>
+      </p:ext>
+    </p:extLst>
+  </p:cSld>
+  <p:clrMapOvr>
+    <a:masterClrMapping/>
+  </p:clrMapOvr>
+</p:notes>
+</file>
+
+<file path=ppt/notesSlides/notesSlide23.xml><?xml version="1.0" encoding="utf-8"?>
+<p:notes xmlns:a="http://schemas.openxmlformats.org/drawingml/2006/main" xmlns:r="http://schemas.openxmlformats.org/officeDocument/2006/relationships" xmlns:p="http://schemas.openxmlformats.org/presentationml/2006/main" showMasterSp="0" showMasterPhAnim="0">
+  <p:cSld>
+    <p:spTree>
+      <p:nvGrpSpPr>
+        <p:cNvPr id="1" name="Shape 231"/>
+        <p:cNvGrpSpPr/>
+        <p:nvPr/>
+      </p:nvGrpSpPr>
+      <p:grpSpPr>
+        <a:xfrm>
+          <a:off x="0" y="0"/>
+          <a:ext cx="0" cy="0"/>
+          <a:chOff x="0" y="0"/>
+          <a:chExt cx="0" cy="0"/>
+        </a:xfrm>
+      </p:grpSpPr>
+      <p:sp>
+        <p:nvSpPr>
+          <p:cNvPr id="232" name="Google Shape;232;ga9469d1f40_0_86:notes"/>
+          <p:cNvSpPr>
+            <a:spLocks noGrp="1" noRot="1" noChangeAspect="1"/>
+          </p:cNvSpPr>
+          <p:nvPr>
+            <p:ph type="sldImg" idx="2"/>
+          </p:nvPr>
+        </p:nvSpPr>
+        <p:spPr>
+          <a:xfrm>
+            <a:off x="381000" y="685800"/>
+            <a:ext cx="6096000" cy="3429000"/>
+          </a:xfrm>
+          <a:custGeom>
+            <a:avLst/>
+            <a:gdLst/>
+            <a:ahLst/>
+            <a:cxnLst/>
+            <a:rect l="l" t="t" r="r" b="b"/>
+            <a:pathLst>
+              <a:path w="120000" h="120000" extrusionOk="0">
+                <a:moveTo>
+                  <a:pt x="0" y="0"/>
+                </a:moveTo>
+                <a:lnTo>
+                  <a:pt x="120000" y="0"/>
+                </a:lnTo>
+                <a:lnTo>
+                  <a:pt x="120000" y="120000"/>
+                </a:lnTo>
+                <a:lnTo>
+                  <a:pt x="0" y="120000"/>
+                </a:lnTo>
+                <a:close/>
+              </a:path>
+            </a:pathLst>
+          </a:custGeom>
+        </p:spPr>
+      </p:sp>
+      <p:sp>
+        <p:nvSpPr>
+          <p:cNvPr id="233" name="Google Shape;233;ga9469d1f40_0_86:notes"/>
+          <p:cNvSpPr txBox="1">
+            <a:spLocks noGrp="1"/>
+          </p:cNvSpPr>
+          <p:nvPr>
+            <p:ph type="body" idx="1"/>
+          </p:nvPr>
+        </p:nvSpPr>
+        <p:spPr>
+          <a:xfrm>
+            <a:off x="685800" y="4343400"/>
+            <a:ext cx="5486400" cy="4114800"/>
+          </a:xfrm>
+          <a:prstGeom prst="rect">
+            <a:avLst/>
+          </a:prstGeom>
+        </p:spPr>
+        <p:txBody>
+          <a:bodyPr spcFirstLastPara="1" wrap="square" lIns="91425" tIns="91425" rIns="91425" bIns="91425" anchor="t" anchorCtr="0">
+            <a:noAutofit/>
+          </a:bodyPr>
+          <a:lstStyle/>
+          <a:p>
+            <a:pPr marL="0" lvl="0" indent="0" algn="l" rtl="0">
+              <a:spcBef>
+                <a:spcPts val="0"/>
+              </a:spcBef>
+              <a:spcAft>
+                <a:spcPts val="0"/>
+              </a:spcAft>
+              <a:buNone/>
+            </a:pPr>
+            <a:endParaRPr/>
+          </a:p>
+        </p:txBody>
+      </p:sp>
+    </p:spTree>
+    <p:extLst>
+      <p:ext uri="{BB962C8B-B14F-4D97-AF65-F5344CB8AC3E}">
+        <p14:creationId xmlns:p14="http://schemas.microsoft.com/office/powerpoint/2010/main" val="2276262102"/>
+      </p:ext>
+    </p:extLst>
+  </p:cSld>
+  <p:clrMapOvr>
+    <a:masterClrMapping/>
+  </p:clrMapOvr>
+</p:notes>
+</file>
+
+<file path=ppt/notesSlides/notesSlide24.xml><?xml version="1.0" encoding="utf-8"?>
+<p:notes xmlns:a="http://schemas.openxmlformats.org/drawingml/2006/main" xmlns:r="http://schemas.openxmlformats.org/officeDocument/2006/relationships" xmlns:p="http://schemas.openxmlformats.org/presentationml/2006/main" showMasterSp="0" showMasterPhAnim="0">
+  <p:cSld>
+    <p:spTree>
+      <p:nvGrpSpPr>
+        <p:cNvPr id="1" name="Shape 231"/>
+        <p:cNvGrpSpPr/>
+        <p:nvPr/>
+      </p:nvGrpSpPr>
+      <p:grpSpPr>
+        <a:xfrm>
+          <a:off x="0" y="0"/>
+          <a:ext cx="0" cy="0"/>
+          <a:chOff x="0" y="0"/>
+          <a:chExt cx="0" cy="0"/>
+        </a:xfrm>
+      </p:grpSpPr>
+      <p:sp>
+        <p:nvSpPr>
+          <p:cNvPr id="232" name="Google Shape;232;ga9469d1f40_0_86:notes"/>
+          <p:cNvSpPr>
+            <a:spLocks noGrp="1" noRot="1" noChangeAspect="1"/>
+          </p:cNvSpPr>
+          <p:nvPr>
+            <p:ph type="sldImg" idx="2"/>
+          </p:nvPr>
+        </p:nvSpPr>
+        <p:spPr>
+          <a:xfrm>
+            <a:off x="381000" y="685800"/>
+            <a:ext cx="6096000" cy="3429000"/>
+          </a:xfrm>
+          <a:custGeom>
+            <a:avLst/>
+            <a:gdLst/>
+            <a:ahLst/>
+            <a:cxnLst/>
+            <a:rect l="l" t="t" r="r" b="b"/>
+            <a:pathLst>
+              <a:path w="120000" h="120000" extrusionOk="0">
+                <a:moveTo>
+                  <a:pt x="0" y="0"/>
+                </a:moveTo>
+                <a:lnTo>
+                  <a:pt x="120000" y="0"/>
+                </a:lnTo>
+                <a:lnTo>
+                  <a:pt x="120000" y="120000"/>
+                </a:lnTo>
+                <a:lnTo>
+                  <a:pt x="0" y="120000"/>
+                </a:lnTo>
+                <a:close/>
+              </a:path>
+            </a:pathLst>
+          </a:custGeom>
+        </p:spPr>
+      </p:sp>
+      <p:sp>
+        <p:nvSpPr>
+          <p:cNvPr id="233" name="Google Shape;233;ga9469d1f40_0_86:notes"/>
+          <p:cNvSpPr txBox="1">
+            <a:spLocks noGrp="1"/>
+          </p:cNvSpPr>
+          <p:nvPr>
+            <p:ph type="body" idx="1"/>
+          </p:nvPr>
+        </p:nvSpPr>
+        <p:spPr>
+          <a:xfrm>
+            <a:off x="685800" y="4343400"/>
+            <a:ext cx="5486400" cy="4114800"/>
+          </a:xfrm>
+          <a:prstGeom prst="rect">
+            <a:avLst/>
+          </a:prstGeom>
+        </p:spPr>
+        <p:txBody>
+          <a:bodyPr spcFirstLastPara="1" wrap="square" lIns="91425" tIns="91425" rIns="91425" bIns="91425" anchor="t" anchorCtr="0">
+            <a:noAutofit/>
+          </a:bodyPr>
+          <a:lstStyle/>
+          <a:p>
+            <a:pPr marL="0" lvl="0" indent="0" algn="l" rtl="0">
+              <a:spcBef>
+                <a:spcPts val="0"/>
+              </a:spcBef>
+              <a:spcAft>
+                <a:spcPts val="0"/>
+              </a:spcAft>
+              <a:buNone/>
+            </a:pPr>
+            <a:endParaRPr/>
+          </a:p>
+        </p:txBody>
+      </p:sp>
+    </p:spTree>
+    <p:extLst>
+      <p:ext uri="{BB962C8B-B14F-4D97-AF65-F5344CB8AC3E}">
+        <p14:creationId xmlns:p14="http://schemas.microsoft.com/office/powerpoint/2010/main" val="2699840554"/>
+      </p:ext>
+    </p:extLst>
+  </p:cSld>
+  <p:clrMapOvr>
+    <a:masterClrMapping/>
+  </p:clrMapOvr>
+</p:notes>
+</file>
+
+<file path=ppt/notesSlides/notesSlide25.xml><?xml version="1.0" encoding="utf-8"?>
+<p:notes xmlns:a="http://schemas.openxmlformats.org/drawingml/2006/main" xmlns:r="http://schemas.openxmlformats.org/officeDocument/2006/relationships" xmlns:p="http://schemas.openxmlformats.org/presentationml/2006/main" showMasterSp="0" showMasterPhAnim="0">
+  <p:cSld>
+    <p:spTree>
+      <p:nvGrpSpPr>
+        <p:cNvPr id="1" name="Shape 231"/>
+        <p:cNvGrpSpPr/>
+        <p:nvPr/>
+      </p:nvGrpSpPr>
+      <p:grpSpPr>
+        <a:xfrm>
+          <a:off x="0" y="0"/>
+          <a:ext cx="0" cy="0"/>
+          <a:chOff x="0" y="0"/>
+          <a:chExt cx="0" cy="0"/>
+        </a:xfrm>
+      </p:grpSpPr>
+      <p:sp>
+        <p:nvSpPr>
+          <p:cNvPr id="232" name="Google Shape;232;ga9469d1f40_0_86:notes"/>
+          <p:cNvSpPr>
+            <a:spLocks noGrp="1" noRot="1" noChangeAspect="1"/>
+          </p:cNvSpPr>
+          <p:nvPr>
+            <p:ph type="sldImg" idx="2"/>
+          </p:nvPr>
+        </p:nvSpPr>
+        <p:spPr>
+          <a:xfrm>
+            <a:off x="381000" y="685800"/>
+            <a:ext cx="6096000" cy="3429000"/>
+          </a:xfrm>
+          <a:custGeom>
+            <a:avLst/>
+            <a:gdLst/>
+            <a:ahLst/>
+            <a:cxnLst/>
+            <a:rect l="l" t="t" r="r" b="b"/>
+            <a:pathLst>
+              <a:path w="120000" h="120000" extrusionOk="0">
+                <a:moveTo>
+                  <a:pt x="0" y="0"/>
+                </a:moveTo>
+                <a:lnTo>
+                  <a:pt x="120000" y="0"/>
+                </a:lnTo>
+                <a:lnTo>
+                  <a:pt x="120000" y="120000"/>
+                </a:lnTo>
+                <a:lnTo>
+                  <a:pt x="0" y="120000"/>
+                </a:lnTo>
+                <a:close/>
+              </a:path>
+            </a:pathLst>
+          </a:custGeom>
+        </p:spPr>
+      </p:sp>
+      <p:sp>
+        <p:nvSpPr>
+          <p:cNvPr id="233" name="Google Shape;233;ga9469d1f40_0_86:notes"/>
+          <p:cNvSpPr txBox="1">
+            <a:spLocks noGrp="1"/>
+          </p:cNvSpPr>
+          <p:nvPr>
+            <p:ph type="body" idx="1"/>
+          </p:nvPr>
+        </p:nvSpPr>
+        <p:spPr>
+          <a:xfrm>
+            <a:off x="685800" y="4343400"/>
+            <a:ext cx="5486400" cy="4114800"/>
+          </a:xfrm>
+          <a:prstGeom prst="rect">
+            <a:avLst/>
+          </a:prstGeom>
+        </p:spPr>
+        <p:txBody>
+          <a:bodyPr spcFirstLastPara="1" wrap="square" lIns="91425" tIns="91425" rIns="91425" bIns="91425" anchor="t" anchorCtr="0">
+            <a:noAutofit/>
+          </a:bodyPr>
+          <a:lstStyle/>
+          <a:p>
+            <a:pPr marL="0" lvl="0" indent="0" algn="l" rtl="0">
+              <a:spcBef>
+                <a:spcPts val="0"/>
+              </a:spcBef>
+              <a:spcAft>
+                <a:spcPts val="0"/>
+              </a:spcAft>
+              <a:buNone/>
+            </a:pPr>
+            <a:endParaRPr/>
+          </a:p>
+        </p:txBody>
+      </p:sp>
+    </p:spTree>
+    <p:extLst>
+      <p:ext uri="{BB962C8B-B14F-4D97-AF65-F5344CB8AC3E}">
+        <p14:creationId xmlns:p14="http://schemas.microsoft.com/office/powerpoint/2010/main" val="3367119952"/>
+      </p:ext>
+    </p:extLst>
+  </p:cSld>
+  <p:clrMapOvr>
+    <a:masterClrMapping/>
+  </p:clrMapOvr>
+</p:notes>
+</file>
+
+<file path=ppt/notesSlides/notesSlide26.xml><?xml version="1.0" encoding="utf-8"?>
+<p:notes xmlns:a="http://schemas.openxmlformats.org/drawingml/2006/main" xmlns:r="http://schemas.openxmlformats.org/officeDocument/2006/relationships" xmlns:p="http://schemas.openxmlformats.org/presentationml/2006/main" showMasterSp="0" showMasterPhAnim="0">
+  <p:cSld>
+    <p:spTree>
+      <p:nvGrpSpPr>
+        <p:cNvPr id="1" name="Shape 231"/>
+        <p:cNvGrpSpPr/>
+        <p:nvPr/>
+      </p:nvGrpSpPr>
+      <p:grpSpPr>
+        <a:xfrm>
+          <a:off x="0" y="0"/>
+          <a:ext cx="0" cy="0"/>
+          <a:chOff x="0" y="0"/>
+          <a:chExt cx="0" cy="0"/>
+        </a:xfrm>
+      </p:grpSpPr>
+      <p:sp>
+        <p:nvSpPr>
+          <p:cNvPr id="232" name="Google Shape;232;ga9469d1f40_0_86:notes"/>
+          <p:cNvSpPr>
+            <a:spLocks noGrp="1" noRot="1" noChangeAspect="1"/>
+          </p:cNvSpPr>
+          <p:nvPr>
+            <p:ph type="sldImg" idx="2"/>
+          </p:nvPr>
+        </p:nvSpPr>
+        <p:spPr>
+          <a:xfrm>
+            <a:off x="381000" y="685800"/>
+            <a:ext cx="6096000" cy="3429000"/>
+          </a:xfrm>
+          <a:custGeom>
+            <a:avLst/>
+            <a:gdLst/>
+            <a:ahLst/>
+            <a:cxnLst/>
+            <a:rect l="l" t="t" r="r" b="b"/>
+            <a:pathLst>
+              <a:path w="120000" h="120000" extrusionOk="0">
+                <a:moveTo>
+                  <a:pt x="0" y="0"/>
+                </a:moveTo>
+                <a:lnTo>
+                  <a:pt x="120000" y="0"/>
+                </a:lnTo>
+                <a:lnTo>
+                  <a:pt x="120000" y="120000"/>
+                </a:lnTo>
+                <a:lnTo>
+                  <a:pt x="0" y="120000"/>
+                </a:lnTo>
+                <a:close/>
+              </a:path>
+            </a:pathLst>
+          </a:custGeom>
+        </p:spPr>
+      </p:sp>
+      <p:sp>
+        <p:nvSpPr>
+          <p:cNvPr id="233" name="Google Shape;233;ga9469d1f40_0_86:notes"/>
+          <p:cNvSpPr txBox="1">
+            <a:spLocks noGrp="1"/>
+          </p:cNvSpPr>
+          <p:nvPr>
+            <p:ph type="body" idx="1"/>
+          </p:nvPr>
+        </p:nvSpPr>
+        <p:spPr>
+          <a:xfrm>
+            <a:off x="685800" y="4343400"/>
+            <a:ext cx="5486400" cy="4114800"/>
+          </a:xfrm>
+          <a:prstGeom prst="rect">
+            <a:avLst/>
+          </a:prstGeom>
+        </p:spPr>
+        <p:txBody>
+          <a:bodyPr spcFirstLastPara="1" wrap="square" lIns="91425" tIns="91425" rIns="91425" bIns="91425" anchor="t" anchorCtr="0">
+            <a:noAutofit/>
+          </a:bodyPr>
+          <a:lstStyle/>
+          <a:p>
+            <a:pPr marL="0" lvl="0" indent="0" algn="l" rtl="0">
+              <a:spcBef>
+                <a:spcPts val="0"/>
+              </a:spcBef>
+              <a:spcAft>
+                <a:spcPts val="0"/>
+              </a:spcAft>
+              <a:buNone/>
+            </a:pPr>
+            <a:endParaRPr/>
+          </a:p>
+        </p:txBody>
+      </p:sp>
+    </p:spTree>
+    <p:extLst>
+      <p:ext uri="{BB962C8B-B14F-4D97-AF65-F5344CB8AC3E}">
+        <p14:creationId xmlns:p14="http://schemas.microsoft.com/office/powerpoint/2010/main" val="2664455370"/>
+      </p:ext>
+    </p:extLst>
+  </p:cSld>
+  <p:clrMapOvr>
+    <a:masterClrMapping/>
+  </p:clrMapOvr>
+</p:notes>
+</file>
+
+<file path=ppt/notesSlides/notesSlide27.xml><?xml version="1.0" encoding="utf-8"?>
+<p:notes xmlns:a="http://schemas.openxmlformats.org/drawingml/2006/main" xmlns:r="http://schemas.openxmlformats.org/officeDocument/2006/relationships" xmlns:p="http://schemas.openxmlformats.org/presentationml/2006/main" showMasterSp="0" showMasterPhAnim="0">
+  <p:cSld>
+    <p:spTree>
+      <p:nvGrpSpPr>
+        <p:cNvPr id="1" name="Shape 231"/>
+        <p:cNvGrpSpPr/>
+        <p:nvPr/>
+      </p:nvGrpSpPr>
+      <p:grpSpPr>
+        <a:xfrm>
+          <a:off x="0" y="0"/>
+          <a:ext cx="0" cy="0"/>
+          <a:chOff x="0" y="0"/>
+          <a:chExt cx="0" cy="0"/>
+        </a:xfrm>
+      </p:grpSpPr>
+      <p:sp>
+        <p:nvSpPr>
+          <p:cNvPr id="232" name="Google Shape;232;ga9469d1f40_0_86:notes"/>
+          <p:cNvSpPr>
+            <a:spLocks noGrp="1" noRot="1" noChangeAspect="1"/>
+          </p:cNvSpPr>
+          <p:nvPr>
+            <p:ph type="sldImg" idx="2"/>
+          </p:nvPr>
+        </p:nvSpPr>
+        <p:spPr>
+          <a:xfrm>
+            <a:off x="381000" y="685800"/>
+            <a:ext cx="6096000" cy="3429000"/>
+          </a:xfrm>
+          <a:custGeom>
+            <a:avLst/>
+            <a:gdLst/>
+            <a:ahLst/>
+            <a:cxnLst/>
+            <a:rect l="l" t="t" r="r" b="b"/>
+            <a:pathLst>
+              <a:path w="120000" h="120000" extrusionOk="0">
+                <a:moveTo>
+                  <a:pt x="0" y="0"/>
+                </a:moveTo>
+                <a:lnTo>
+                  <a:pt x="120000" y="0"/>
+                </a:lnTo>
+                <a:lnTo>
+                  <a:pt x="120000" y="120000"/>
+                </a:lnTo>
+                <a:lnTo>
+                  <a:pt x="0" y="120000"/>
+                </a:lnTo>
+                <a:close/>
+              </a:path>
+            </a:pathLst>
+          </a:custGeom>
+        </p:spPr>
+      </p:sp>
+      <p:sp>
+        <p:nvSpPr>
+          <p:cNvPr id="233" name="Google Shape;233;ga9469d1f40_0_86:notes"/>
+          <p:cNvSpPr txBox="1">
+            <a:spLocks noGrp="1"/>
+          </p:cNvSpPr>
+          <p:nvPr>
+            <p:ph type="body" idx="1"/>
+          </p:nvPr>
+        </p:nvSpPr>
+        <p:spPr>
+          <a:xfrm>
+            <a:off x="685800" y="4343400"/>
+            <a:ext cx="5486400" cy="4114800"/>
+          </a:xfrm>
+          <a:prstGeom prst="rect">
+            <a:avLst/>
+          </a:prstGeom>
+        </p:spPr>
+        <p:txBody>
+          <a:bodyPr spcFirstLastPara="1" wrap="square" lIns="91425" tIns="91425" rIns="91425" bIns="91425" anchor="t" anchorCtr="0">
+            <a:noAutofit/>
+          </a:bodyPr>
+          <a:lstStyle/>
+          <a:p>
+            <a:pPr marL="0" lvl="0" indent="0" algn="l" rtl="0">
+              <a:spcBef>
+                <a:spcPts val="0"/>
+              </a:spcBef>
+              <a:spcAft>
+                <a:spcPts val="0"/>
+              </a:spcAft>
+              <a:buNone/>
+            </a:pPr>
+            <a:endParaRPr/>
+          </a:p>
+        </p:txBody>
+      </p:sp>
+    </p:spTree>
+    <p:extLst>
+      <p:ext uri="{BB962C8B-B14F-4D97-AF65-F5344CB8AC3E}">
+        <p14:creationId xmlns:p14="http://schemas.microsoft.com/office/powerpoint/2010/main" val="1804961040"/>
+      </p:ext>
+    </p:extLst>
+  </p:cSld>
+  <p:clrMapOvr>
+    <a:masterClrMapping/>
+  </p:clrMapOvr>
+</p:notes>
+</file>
+
+<file path=ppt/notesSlides/notesSlide28.xml><?xml version="1.0" encoding="utf-8"?>
+<p:notes xmlns:a="http://schemas.openxmlformats.org/drawingml/2006/main" xmlns:r="http://schemas.openxmlformats.org/officeDocument/2006/relationships" xmlns:p="http://schemas.openxmlformats.org/presentationml/2006/main" showMasterSp="0" showMasterPhAnim="0">
+  <p:cSld>
+    <p:spTree>
+      <p:nvGrpSpPr>
+        <p:cNvPr id="1" name="Shape 231"/>
+        <p:cNvGrpSpPr/>
+        <p:nvPr/>
+      </p:nvGrpSpPr>
+      <p:grpSpPr>
+        <a:xfrm>
+          <a:off x="0" y="0"/>
+          <a:ext cx="0" cy="0"/>
+          <a:chOff x="0" y="0"/>
+          <a:chExt cx="0" cy="0"/>
+        </a:xfrm>
+      </p:grpSpPr>
+      <p:sp>
+        <p:nvSpPr>
+          <p:cNvPr id="232" name="Google Shape;232;ga9469d1f40_0_86:notes"/>
+          <p:cNvSpPr>
+            <a:spLocks noGrp="1" noRot="1" noChangeAspect="1"/>
+          </p:cNvSpPr>
+          <p:nvPr>
+            <p:ph type="sldImg" idx="2"/>
+          </p:nvPr>
+        </p:nvSpPr>
+        <p:spPr>
+          <a:xfrm>
+            <a:off x="381000" y="685800"/>
+            <a:ext cx="6096000" cy="3429000"/>
+          </a:xfrm>
+          <a:custGeom>
+            <a:avLst/>
+            <a:gdLst/>
+            <a:ahLst/>
+            <a:cxnLst/>
+            <a:rect l="l" t="t" r="r" b="b"/>
+            <a:pathLst>
+              <a:path w="120000" h="120000" extrusionOk="0">
+                <a:moveTo>
+                  <a:pt x="0" y="0"/>
+                </a:moveTo>
+                <a:lnTo>
+                  <a:pt x="120000" y="0"/>
+                </a:lnTo>
+                <a:lnTo>
+                  <a:pt x="120000" y="120000"/>
+                </a:lnTo>
+                <a:lnTo>
+                  <a:pt x="0" y="120000"/>
+                </a:lnTo>
+                <a:close/>
+              </a:path>
+            </a:pathLst>
+          </a:custGeom>
+        </p:spPr>
+      </p:sp>
+      <p:sp>
+        <p:nvSpPr>
+          <p:cNvPr id="233" name="Google Shape;233;ga9469d1f40_0_86:notes"/>
+          <p:cNvSpPr txBox="1">
+            <a:spLocks noGrp="1"/>
+          </p:cNvSpPr>
+          <p:nvPr>
+            <p:ph type="body" idx="1"/>
+          </p:nvPr>
+        </p:nvSpPr>
+        <p:spPr>
+          <a:xfrm>
+            <a:off x="685800" y="4343400"/>
+            <a:ext cx="5486400" cy="4114800"/>
+          </a:xfrm>
+          <a:prstGeom prst="rect">
+            <a:avLst/>
+          </a:prstGeom>
+        </p:spPr>
+        <p:txBody>
+          <a:bodyPr spcFirstLastPara="1" wrap="square" lIns="91425" tIns="91425" rIns="91425" bIns="91425" anchor="t" anchorCtr="0">
+            <a:noAutofit/>
+          </a:bodyPr>
+          <a:lstStyle/>
+          <a:p>
+            <a:pPr marL="0" lvl="0" indent="0" algn="l" rtl="0">
+              <a:spcBef>
+                <a:spcPts val="0"/>
+              </a:spcBef>
+              <a:spcAft>
+                <a:spcPts val="0"/>
+              </a:spcAft>
+              <a:buNone/>
+            </a:pPr>
+            <a:endParaRPr/>
+          </a:p>
+        </p:txBody>
+      </p:sp>
+    </p:spTree>
+    <p:extLst>
+      <p:ext uri="{BB962C8B-B14F-4D97-AF65-F5344CB8AC3E}">
+        <p14:creationId xmlns:p14="http://schemas.microsoft.com/office/powerpoint/2010/main" val="3244754863"/>
+      </p:ext>
+    </p:extLst>
+  </p:cSld>
+  <p:clrMapOvr>
+    <a:masterClrMapping/>
+  </p:clrMapOvr>
+</p:notes>
+</file>
+
+<file path=ppt/notesSlides/notesSlide29.xml><?xml version="1.0" encoding="utf-8"?>
+<p:notes xmlns:a="http://schemas.openxmlformats.org/drawingml/2006/main" xmlns:r="http://schemas.openxmlformats.org/officeDocument/2006/relationships" xmlns:p="http://schemas.openxmlformats.org/presentationml/2006/main" showMasterSp="0" showMasterPhAnim="0">
+  <p:cSld>
+    <p:spTree>
+      <p:nvGrpSpPr>
+        <p:cNvPr id="1" name="Shape 231"/>
+        <p:cNvGrpSpPr/>
+        <p:nvPr/>
+      </p:nvGrpSpPr>
+      <p:grpSpPr>
+        <a:xfrm>
+          <a:off x="0" y="0"/>
+          <a:ext cx="0" cy="0"/>
+          <a:chOff x="0" y="0"/>
+          <a:chExt cx="0" cy="0"/>
+        </a:xfrm>
+      </p:grpSpPr>
+      <p:sp>
+        <p:nvSpPr>
+          <p:cNvPr id="232" name="Google Shape;232;ga9469d1f40_0_86:notes"/>
+          <p:cNvSpPr>
+            <a:spLocks noGrp="1" noRot="1" noChangeAspect="1"/>
+          </p:cNvSpPr>
+          <p:nvPr>
+            <p:ph type="sldImg" idx="2"/>
+          </p:nvPr>
+        </p:nvSpPr>
+        <p:spPr>
+          <a:xfrm>
+            <a:off x="381000" y="685800"/>
+            <a:ext cx="6096000" cy="3429000"/>
+          </a:xfrm>
+          <a:custGeom>
+            <a:avLst/>
+            <a:gdLst/>
+            <a:ahLst/>
+            <a:cxnLst/>
+            <a:rect l="l" t="t" r="r" b="b"/>
+            <a:pathLst>
+              <a:path w="120000" h="120000" extrusionOk="0">
+                <a:moveTo>
+                  <a:pt x="0" y="0"/>
+                </a:moveTo>
+                <a:lnTo>
+                  <a:pt x="120000" y="0"/>
+                </a:lnTo>
+                <a:lnTo>
+                  <a:pt x="120000" y="120000"/>
+                </a:lnTo>
+                <a:lnTo>
+                  <a:pt x="0" y="120000"/>
+                </a:lnTo>
+                <a:close/>
+              </a:path>
+            </a:pathLst>
+          </a:custGeom>
+        </p:spPr>
+      </p:sp>
+      <p:sp>
+        <p:nvSpPr>
+          <p:cNvPr id="233" name="Google Shape;233;ga9469d1f40_0_86:notes"/>
+          <p:cNvSpPr txBox="1">
+            <a:spLocks noGrp="1"/>
+          </p:cNvSpPr>
+          <p:nvPr>
+            <p:ph type="body" idx="1"/>
+          </p:nvPr>
+        </p:nvSpPr>
+        <p:spPr>
+          <a:xfrm>
+            <a:off x="685800" y="4343400"/>
+            <a:ext cx="5486400" cy="4114800"/>
+          </a:xfrm>
+          <a:prstGeom prst="rect">
+            <a:avLst/>
+          </a:prstGeom>
+        </p:spPr>
+        <p:txBody>
+          <a:bodyPr spcFirstLastPara="1" wrap="square" lIns="91425" tIns="91425" rIns="91425" bIns="91425" anchor="t" anchorCtr="0">
+            <a:noAutofit/>
+          </a:bodyPr>
+          <a:lstStyle/>
+          <a:p>
+            <a:pPr marL="0" lvl="0" indent="0" algn="l" rtl="0">
+              <a:spcBef>
+                <a:spcPts val="0"/>
+              </a:spcBef>
+              <a:spcAft>
+                <a:spcPts val="0"/>
+              </a:spcAft>
+              <a:buNone/>
+            </a:pPr>
+            <a:endParaRPr/>
+          </a:p>
+        </p:txBody>
+      </p:sp>
+    </p:spTree>
+    <p:extLst>
+      <p:ext uri="{BB962C8B-B14F-4D97-AF65-F5344CB8AC3E}">
+        <p14:creationId xmlns:p14="http://schemas.microsoft.com/office/powerpoint/2010/main" val="1411066143"/>
       </p:ext>
     </p:extLst>
   </p:cSld>
@@ -2525,6 +3299,442 @@
     <p:extLst>
       <p:ext uri="{BB962C8B-B14F-4D97-AF65-F5344CB8AC3E}">
         <p14:creationId xmlns:p14="http://schemas.microsoft.com/office/powerpoint/2010/main" val="1650823307"/>
+      </p:ext>
+    </p:extLst>
+  </p:cSld>
+  <p:clrMapOvr>
+    <a:masterClrMapping/>
+  </p:clrMapOvr>
+</p:notes>
+</file>
+
+<file path=ppt/notesSlides/notesSlide30.xml><?xml version="1.0" encoding="utf-8"?>
+<p:notes xmlns:a="http://schemas.openxmlformats.org/drawingml/2006/main" xmlns:r="http://schemas.openxmlformats.org/officeDocument/2006/relationships" xmlns:p="http://schemas.openxmlformats.org/presentationml/2006/main" showMasterSp="0" showMasterPhAnim="0">
+  <p:cSld>
+    <p:spTree>
+      <p:nvGrpSpPr>
+        <p:cNvPr id="1" name="Shape 218"/>
+        <p:cNvGrpSpPr/>
+        <p:nvPr/>
+      </p:nvGrpSpPr>
+      <p:grpSpPr>
+        <a:xfrm>
+          <a:off x="0" y="0"/>
+          <a:ext cx="0" cy="0"/>
+          <a:chOff x="0" y="0"/>
+          <a:chExt cx="0" cy="0"/>
+        </a:xfrm>
+      </p:grpSpPr>
+      <p:sp>
+        <p:nvSpPr>
+          <p:cNvPr id="219" name="Google Shape;219;ga9469d1f40_0_61:notes"/>
+          <p:cNvSpPr>
+            <a:spLocks noGrp="1" noRot="1" noChangeAspect="1"/>
+          </p:cNvSpPr>
+          <p:nvPr>
+            <p:ph type="sldImg" idx="2"/>
+          </p:nvPr>
+        </p:nvSpPr>
+        <p:spPr>
+          <a:xfrm>
+            <a:off x="381000" y="685800"/>
+            <a:ext cx="6096000" cy="3429000"/>
+          </a:xfrm>
+          <a:custGeom>
+            <a:avLst/>
+            <a:gdLst/>
+            <a:ahLst/>
+            <a:cxnLst/>
+            <a:rect l="l" t="t" r="r" b="b"/>
+            <a:pathLst>
+              <a:path w="120000" h="120000" extrusionOk="0">
+                <a:moveTo>
+                  <a:pt x="0" y="0"/>
+                </a:moveTo>
+                <a:lnTo>
+                  <a:pt x="120000" y="0"/>
+                </a:lnTo>
+                <a:lnTo>
+                  <a:pt x="120000" y="120000"/>
+                </a:lnTo>
+                <a:lnTo>
+                  <a:pt x="0" y="120000"/>
+                </a:lnTo>
+                <a:close/>
+              </a:path>
+            </a:pathLst>
+          </a:custGeom>
+        </p:spPr>
+      </p:sp>
+      <p:sp>
+        <p:nvSpPr>
+          <p:cNvPr id="220" name="Google Shape;220;ga9469d1f40_0_61:notes"/>
+          <p:cNvSpPr txBox="1">
+            <a:spLocks noGrp="1"/>
+          </p:cNvSpPr>
+          <p:nvPr>
+            <p:ph type="body" idx="1"/>
+          </p:nvPr>
+        </p:nvSpPr>
+        <p:spPr>
+          <a:xfrm>
+            <a:off x="685800" y="4343400"/>
+            <a:ext cx="5486400" cy="4114800"/>
+          </a:xfrm>
+          <a:prstGeom prst="rect">
+            <a:avLst/>
+          </a:prstGeom>
+        </p:spPr>
+        <p:txBody>
+          <a:bodyPr spcFirstLastPara="1" wrap="square" lIns="91425" tIns="91425" rIns="91425" bIns="91425" anchor="t" anchorCtr="0">
+            <a:noAutofit/>
+          </a:bodyPr>
+          <a:lstStyle/>
+          <a:p>
+            <a:pPr marL="0" lvl="0" indent="0" algn="l" rtl="0">
+              <a:spcBef>
+                <a:spcPts val="0"/>
+              </a:spcBef>
+              <a:spcAft>
+                <a:spcPts val="0"/>
+              </a:spcAft>
+              <a:buNone/>
+            </a:pPr>
+            <a:endParaRPr/>
+          </a:p>
+        </p:txBody>
+      </p:sp>
+    </p:spTree>
+    <p:extLst>
+      <p:ext uri="{BB962C8B-B14F-4D97-AF65-F5344CB8AC3E}">
+        <p14:creationId xmlns:p14="http://schemas.microsoft.com/office/powerpoint/2010/main" val="1573819051"/>
+      </p:ext>
+    </p:extLst>
+  </p:cSld>
+  <p:clrMapOvr>
+    <a:masterClrMapping/>
+  </p:clrMapOvr>
+</p:notes>
+</file>
+
+<file path=ppt/notesSlides/notesSlide31.xml><?xml version="1.0" encoding="utf-8"?>
+<p:notes xmlns:a="http://schemas.openxmlformats.org/drawingml/2006/main" xmlns:r="http://schemas.openxmlformats.org/officeDocument/2006/relationships" xmlns:p="http://schemas.openxmlformats.org/presentationml/2006/main" showMasterSp="0" showMasterPhAnim="0">
+  <p:cSld>
+    <p:spTree>
+      <p:nvGrpSpPr>
+        <p:cNvPr id="1" name="Shape 187"/>
+        <p:cNvGrpSpPr/>
+        <p:nvPr/>
+      </p:nvGrpSpPr>
+      <p:grpSpPr>
+        <a:xfrm>
+          <a:off x="0" y="0"/>
+          <a:ext cx="0" cy="0"/>
+          <a:chOff x="0" y="0"/>
+          <a:chExt cx="0" cy="0"/>
+        </a:xfrm>
+      </p:grpSpPr>
+      <p:sp>
+        <p:nvSpPr>
+          <p:cNvPr id="188" name="Google Shape;188;ga9fa940987_3_203:notes"/>
+          <p:cNvSpPr>
+            <a:spLocks noGrp="1" noRot="1" noChangeAspect="1"/>
+          </p:cNvSpPr>
+          <p:nvPr>
+            <p:ph type="sldImg" idx="2"/>
+          </p:nvPr>
+        </p:nvSpPr>
+        <p:spPr>
+          <a:xfrm>
+            <a:off x="381000" y="685800"/>
+            <a:ext cx="6096000" cy="3429000"/>
+          </a:xfrm>
+          <a:custGeom>
+            <a:avLst/>
+            <a:gdLst/>
+            <a:ahLst/>
+            <a:cxnLst/>
+            <a:rect l="l" t="t" r="r" b="b"/>
+            <a:pathLst>
+              <a:path w="120000" h="120000" extrusionOk="0">
+                <a:moveTo>
+                  <a:pt x="0" y="0"/>
+                </a:moveTo>
+                <a:lnTo>
+                  <a:pt x="120000" y="0"/>
+                </a:lnTo>
+                <a:lnTo>
+                  <a:pt x="120000" y="120000"/>
+                </a:lnTo>
+                <a:lnTo>
+                  <a:pt x="0" y="120000"/>
+                </a:lnTo>
+                <a:close/>
+              </a:path>
+            </a:pathLst>
+          </a:custGeom>
+        </p:spPr>
+      </p:sp>
+      <p:sp>
+        <p:nvSpPr>
+          <p:cNvPr id="189" name="Google Shape;189;ga9fa940987_3_203:notes"/>
+          <p:cNvSpPr txBox="1">
+            <a:spLocks noGrp="1"/>
+          </p:cNvSpPr>
+          <p:nvPr>
+            <p:ph type="body" idx="1"/>
+          </p:nvPr>
+        </p:nvSpPr>
+        <p:spPr>
+          <a:xfrm>
+            <a:off x="685800" y="4343400"/>
+            <a:ext cx="5486400" cy="4114800"/>
+          </a:xfrm>
+          <a:prstGeom prst="rect">
+            <a:avLst/>
+          </a:prstGeom>
+        </p:spPr>
+        <p:txBody>
+          <a:bodyPr spcFirstLastPara="1" wrap="square" lIns="91425" tIns="91425" rIns="91425" bIns="91425" anchor="t" anchorCtr="0">
+            <a:noAutofit/>
+          </a:bodyPr>
+          <a:lstStyle/>
+          <a:p>
+            <a:pPr marL="0" lvl="0" indent="0" algn="l" rtl="0">
+              <a:spcBef>
+                <a:spcPts val="0"/>
+              </a:spcBef>
+              <a:spcAft>
+                <a:spcPts val="0"/>
+              </a:spcAft>
+              <a:buNone/>
+            </a:pPr>
+            <a:endParaRPr dirty="0"/>
+          </a:p>
+        </p:txBody>
+      </p:sp>
+    </p:spTree>
+    <p:extLst>
+      <p:ext uri="{BB962C8B-B14F-4D97-AF65-F5344CB8AC3E}">
+        <p14:creationId xmlns:p14="http://schemas.microsoft.com/office/powerpoint/2010/main" val="861389588"/>
+      </p:ext>
+    </p:extLst>
+  </p:cSld>
+  <p:clrMapOvr>
+    <a:masterClrMapping/>
+  </p:clrMapOvr>
+</p:notes>
+</file>
+
+<file path=ppt/notesSlides/notesSlide32.xml><?xml version="1.0" encoding="utf-8"?>
+<p:notes xmlns:a="http://schemas.openxmlformats.org/drawingml/2006/main" xmlns:r="http://schemas.openxmlformats.org/officeDocument/2006/relationships" xmlns:p="http://schemas.openxmlformats.org/presentationml/2006/main" showMasterSp="0" showMasterPhAnim="0">
+  <p:cSld>
+    <p:spTree>
+      <p:nvGrpSpPr>
+        <p:cNvPr id="1" name="Shape 187"/>
+        <p:cNvGrpSpPr/>
+        <p:nvPr/>
+      </p:nvGrpSpPr>
+      <p:grpSpPr>
+        <a:xfrm>
+          <a:off x="0" y="0"/>
+          <a:ext cx="0" cy="0"/>
+          <a:chOff x="0" y="0"/>
+          <a:chExt cx="0" cy="0"/>
+        </a:xfrm>
+      </p:grpSpPr>
+      <p:sp>
+        <p:nvSpPr>
+          <p:cNvPr id="188" name="Google Shape;188;ga9fa940987_3_203:notes"/>
+          <p:cNvSpPr>
+            <a:spLocks noGrp="1" noRot="1" noChangeAspect="1"/>
+          </p:cNvSpPr>
+          <p:nvPr>
+            <p:ph type="sldImg" idx="2"/>
+          </p:nvPr>
+        </p:nvSpPr>
+        <p:spPr>
+          <a:xfrm>
+            <a:off x="381000" y="685800"/>
+            <a:ext cx="6096000" cy="3429000"/>
+          </a:xfrm>
+          <a:custGeom>
+            <a:avLst/>
+            <a:gdLst/>
+            <a:ahLst/>
+            <a:cxnLst/>
+            <a:rect l="l" t="t" r="r" b="b"/>
+            <a:pathLst>
+              <a:path w="120000" h="120000" extrusionOk="0">
+                <a:moveTo>
+                  <a:pt x="0" y="0"/>
+                </a:moveTo>
+                <a:lnTo>
+                  <a:pt x="120000" y="0"/>
+                </a:lnTo>
+                <a:lnTo>
+                  <a:pt x="120000" y="120000"/>
+                </a:lnTo>
+                <a:lnTo>
+                  <a:pt x="0" y="120000"/>
+                </a:lnTo>
+                <a:close/>
+              </a:path>
+            </a:pathLst>
+          </a:custGeom>
+        </p:spPr>
+      </p:sp>
+      <p:sp>
+        <p:nvSpPr>
+          <p:cNvPr id="189" name="Google Shape;189;ga9fa940987_3_203:notes"/>
+          <p:cNvSpPr txBox="1">
+            <a:spLocks noGrp="1"/>
+          </p:cNvSpPr>
+          <p:nvPr>
+            <p:ph type="body" idx="1"/>
+          </p:nvPr>
+        </p:nvSpPr>
+        <p:spPr>
+          <a:xfrm>
+            <a:off x="685800" y="4343400"/>
+            <a:ext cx="5486400" cy="4114800"/>
+          </a:xfrm>
+          <a:prstGeom prst="rect">
+            <a:avLst/>
+          </a:prstGeom>
+        </p:spPr>
+        <p:txBody>
+          <a:bodyPr spcFirstLastPara="1" wrap="square" lIns="91425" tIns="91425" rIns="91425" bIns="91425" anchor="t" anchorCtr="0">
+            <a:noAutofit/>
+          </a:bodyPr>
+          <a:lstStyle/>
+          <a:p>
+            <a:pPr marL="0" lvl="0" indent="0" algn="l" rtl="0">
+              <a:spcBef>
+                <a:spcPts val="0"/>
+              </a:spcBef>
+              <a:spcAft>
+                <a:spcPts val="0"/>
+              </a:spcAft>
+              <a:buNone/>
+            </a:pPr>
+            <a:endParaRPr dirty="0"/>
+          </a:p>
+        </p:txBody>
+      </p:sp>
+    </p:spTree>
+    <p:extLst>
+      <p:ext uri="{BB962C8B-B14F-4D97-AF65-F5344CB8AC3E}">
+        <p14:creationId xmlns:p14="http://schemas.microsoft.com/office/powerpoint/2010/main" val="2036825530"/>
+      </p:ext>
+    </p:extLst>
+  </p:cSld>
+  <p:clrMapOvr>
+    <a:masterClrMapping/>
+  </p:clrMapOvr>
+</p:notes>
+</file>
+
+<file path=ppt/notesSlides/notesSlide33.xml><?xml version="1.0" encoding="utf-8"?>
+<p:notes xmlns:a="http://schemas.openxmlformats.org/drawingml/2006/main" xmlns:r="http://schemas.openxmlformats.org/officeDocument/2006/relationships" xmlns:p="http://schemas.openxmlformats.org/presentationml/2006/main" showMasterSp="0" showMasterPhAnim="0">
+  <p:cSld>
+    <p:spTree>
+      <p:nvGrpSpPr>
+        <p:cNvPr id="1" name="Shape 187"/>
+        <p:cNvGrpSpPr/>
+        <p:nvPr/>
+      </p:nvGrpSpPr>
+      <p:grpSpPr>
+        <a:xfrm>
+          <a:off x="0" y="0"/>
+          <a:ext cx="0" cy="0"/>
+          <a:chOff x="0" y="0"/>
+          <a:chExt cx="0" cy="0"/>
+        </a:xfrm>
+      </p:grpSpPr>
+      <p:sp>
+        <p:nvSpPr>
+          <p:cNvPr id="188" name="Google Shape;188;ga9fa940987_3_203:notes"/>
+          <p:cNvSpPr>
+            <a:spLocks noGrp="1" noRot="1" noChangeAspect="1"/>
+          </p:cNvSpPr>
+          <p:nvPr>
+            <p:ph type="sldImg" idx="2"/>
+          </p:nvPr>
+        </p:nvSpPr>
+        <p:spPr>
+          <a:xfrm>
+            <a:off x="381000" y="685800"/>
+            <a:ext cx="6096000" cy="3429000"/>
+          </a:xfrm>
+          <a:custGeom>
+            <a:avLst/>
+            <a:gdLst/>
+            <a:ahLst/>
+            <a:cxnLst/>
+            <a:rect l="l" t="t" r="r" b="b"/>
+            <a:pathLst>
+              <a:path w="120000" h="120000" extrusionOk="0">
+                <a:moveTo>
+                  <a:pt x="0" y="0"/>
+                </a:moveTo>
+                <a:lnTo>
+                  <a:pt x="120000" y="0"/>
+                </a:lnTo>
+                <a:lnTo>
+                  <a:pt x="120000" y="120000"/>
+                </a:lnTo>
+                <a:lnTo>
+                  <a:pt x="0" y="120000"/>
+                </a:lnTo>
+                <a:close/>
+              </a:path>
+            </a:pathLst>
+          </a:custGeom>
+        </p:spPr>
+      </p:sp>
+      <p:sp>
+        <p:nvSpPr>
+          <p:cNvPr id="189" name="Google Shape;189;ga9fa940987_3_203:notes"/>
+          <p:cNvSpPr txBox="1">
+            <a:spLocks noGrp="1"/>
+          </p:cNvSpPr>
+          <p:nvPr>
+            <p:ph type="body" idx="1"/>
+          </p:nvPr>
+        </p:nvSpPr>
+        <p:spPr>
+          <a:xfrm>
+            <a:off x="685800" y="4343400"/>
+            <a:ext cx="5486400" cy="4114800"/>
+          </a:xfrm>
+          <a:prstGeom prst="rect">
+            <a:avLst/>
+          </a:prstGeom>
+        </p:spPr>
+        <p:txBody>
+          <a:bodyPr spcFirstLastPara="1" wrap="square" lIns="91425" tIns="91425" rIns="91425" bIns="91425" anchor="t" anchorCtr="0">
+            <a:noAutofit/>
+          </a:bodyPr>
+          <a:lstStyle/>
+          <a:p>
+            <a:pPr marL="0" lvl="0" indent="0" algn="l" rtl="0">
+              <a:spcBef>
+                <a:spcPts val="0"/>
+              </a:spcBef>
+              <a:spcAft>
+                <a:spcPts val="0"/>
+              </a:spcAft>
+              <a:buNone/>
+            </a:pPr>
+            <a:endParaRPr dirty="0"/>
+          </a:p>
+        </p:txBody>
+      </p:sp>
+    </p:spTree>
+    <p:extLst>
+      <p:ext uri="{BB962C8B-B14F-4D97-AF65-F5344CB8AC3E}">
+        <p14:creationId xmlns:p14="http://schemas.microsoft.com/office/powerpoint/2010/main" val="3893482943"/>
       </p:ext>
     </p:extLst>
   </p:cSld>
@@ -17194,7 +18404,7 @@
                 <a:latin typeface="Dubai" panose="020B0503030403030204" pitchFamily="34" charset="-78"/>
                 <a:cs typeface="Dubai" panose="020B0503030403030204" pitchFamily="34" charset="-78"/>
               </a:rPr>
-              <a:t>معماريّة النظام البرمجي</a:t>
+              <a:t>النظام البرمجي</a:t>
             </a:r>
             <a:endParaRPr lang="ar-SY" sz="2500" dirty="0">
               <a:latin typeface="Dubai" panose="020B0503030403030204" pitchFamily="34" charset="-78"/>
@@ -17567,12 +18777,20 @@
             </a:lvl9pPr>
           </a:lstStyle>
           <a:p>
+            <a:pPr rtl="1"/>
             <a:r>
               <a:rPr lang="ar-SY" sz="3000" dirty="0">
                 <a:latin typeface="Dubai" panose="020B0503030403030204" pitchFamily="34" charset="-78"/>
                 <a:cs typeface="Dubai" panose="020B0503030403030204" pitchFamily="34" charset="-78"/>
               </a:rPr>
-              <a:t>معماريّة النظام البرمجي</a:t>
+              <a:t>النظام البرمجي </a:t>
+            </a:r>
+            <a:r>
+              <a:rPr lang="en-US" sz="3000" dirty="0">
+                <a:latin typeface="Dubai" panose="020B0503030403030204" pitchFamily="34" charset="-78"/>
+                <a:cs typeface="Dubai" panose="020B0503030403030204" pitchFamily="34" charset="-78"/>
+              </a:rPr>
+              <a:t>(Back-end)</a:t>
             </a:r>
             <a:br>
               <a:rPr lang="ar-SY" sz="2000" dirty="0">
@@ -17587,36 +18805,6 @@
           </a:p>
         </p:txBody>
       </p:sp>
-      <p:pic>
-        <p:nvPicPr>
-          <p:cNvPr id="26" name="Picture 25">
-            <a:extLst>
-              <a:ext uri="{FF2B5EF4-FFF2-40B4-BE49-F238E27FC236}">
-                <a16:creationId xmlns:a16="http://schemas.microsoft.com/office/drawing/2014/main" id="{63968E02-8C92-CCD2-5C58-BD144D93AE90}"/>
-              </a:ext>
-            </a:extLst>
-          </p:cNvPr>
-          <p:cNvPicPr>
-            <a:picLocks noChangeAspect="1"/>
-          </p:cNvPicPr>
-          <p:nvPr/>
-        </p:nvPicPr>
-        <p:blipFill>
-          <a:blip r:embed="rId3"/>
-          <a:stretch>
-            <a:fillRect/>
-          </a:stretch>
-        </p:blipFill>
-        <p:spPr>
-          <a:xfrm>
-            <a:off x="2108917" y="1232519"/>
-            <a:ext cx="4925964" cy="3527806"/>
-          </a:xfrm>
-          <a:prstGeom prst="rect">
-            <a:avLst/>
-          </a:prstGeom>
-        </p:spPr>
-      </p:pic>
       <p:sp>
         <p:nvSpPr>
           <p:cNvPr id="2" name="TextBox 1">
@@ -17652,6 +18840,53 @@
           </a:p>
         </p:txBody>
       </p:sp>
+      <p:pic>
+        <p:nvPicPr>
+          <p:cNvPr id="1030" name="Picture 6">
+            <a:extLst>
+              <a:ext uri="{FF2B5EF4-FFF2-40B4-BE49-F238E27FC236}">
+                <a16:creationId xmlns:a16="http://schemas.microsoft.com/office/drawing/2014/main" id="{851671BD-6736-5DE5-C7B3-7BF983175AF1}"/>
+              </a:ext>
+            </a:extLst>
+          </p:cNvPr>
+          <p:cNvPicPr>
+            <a:picLocks noChangeAspect="1" noChangeArrowheads="1"/>
+          </p:cNvPicPr>
+          <p:nvPr/>
+        </p:nvPicPr>
+        <p:blipFill>
+          <a:blip r:embed="rId3">
+            <a:extLst>
+              <a:ext uri="{28A0092B-C50C-407E-A947-70E740481C1C}">
+                <a14:useLocalDpi xmlns:a14="http://schemas.microsoft.com/office/drawing/2010/main" val="0"/>
+              </a:ext>
+            </a:extLst>
+          </a:blip>
+          <a:srcRect/>
+          <a:stretch>
+            <a:fillRect/>
+          </a:stretch>
+        </p:blipFill>
+        <p:spPr bwMode="auto">
+          <a:xfrm>
+            <a:off x="1534785" y="955875"/>
+            <a:ext cx="5951865" cy="3741670"/>
+          </a:xfrm>
+          <a:prstGeom prst="rect">
+            <a:avLst/>
+          </a:prstGeom>
+          <a:noFill/>
+          <a:extLst>
+            <a:ext uri="{909E8E84-426E-40DD-AFC4-6F175D3DCCD1}">
+              <a14:hiddenFill xmlns:a14="http://schemas.microsoft.com/office/drawing/2010/main">
+                <a:solidFill>
+                  <a:srgbClr val="FFFFFF"/>
+                </a:solidFill>
+              </a14:hiddenFill>
+            </a:ext>
+          </a:extLst>
+        </p:spPr>
+      </p:pic>
     </p:spTree>
     <p:extLst>
       <p:ext uri="{BB962C8B-B14F-4D97-AF65-F5344CB8AC3E}">
@@ -17670,7 +18905,7 @@
   <p:cSld>
     <p:spTree>
       <p:nvGrpSpPr>
-        <p:cNvPr id="1" name="Shape 221"/>
+        <p:cNvPr id="1" name="Shape 234"/>
         <p:cNvGrpSpPr/>
         <p:nvPr/>
       </p:nvGrpSpPr>
@@ -17684,58 +18919,298 @@
       </p:grpSpPr>
       <p:sp>
         <p:nvSpPr>
-          <p:cNvPr id="222" name="Google Shape;222;p34"/>
+          <p:cNvPr id="6" name="Google Shape;197;p32">
+            <a:extLst>
+              <a:ext uri="{FF2B5EF4-FFF2-40B4-BE49-F238E27FC236}">
+                <a16:creationId xmlns:a16="http://schemas.microsoft.com/office/drawing/2014/main" id="{0CAEC0CC-D7D5-10D2-63F6-C6968FBED233}"/>
+              </a:ext>
+            </a:extLst>
+          </p:cNvPr>
           <p:cNvSpPr txBox="1">
-            <a:spLocks noGrp="1"/>
+            <a:spLocks/>
           </p:cNvSpPr>
-          <p:nvPr>
-            <p:ph type="title"/>
-          </p:nvPr>
+          <p:nvPr/>
         </p:nvSpPr>
         <p:spPr>
           <a:xfrm>
-            <a:off x="3330222" y="2575051"/>
-            <a:ext cx="5100628" cy="1383030"/>
+            <a:off x="717799" y="383175"/>
+            <a:ext cx="7708200" cy="572700"/>
           </a:xfrm>
           <a:prstGeom prst="rect">
             <a:avLst/>
           </a:prstGeom>
+          <a:noFill/>
+          <a:ln>
+            <a:noFill/>
+          </a:ln>
         </p:spPr>
         <p:txBody>
-          <a:bodyPr spcFirstLastPara="1" wrap="square" lIns="91425" tIns="91425" rIns="91425" bIns="91425" anchor="ctr" anchorCtr="0">
+          <a:bodyPr spcFirstLastPara="1" wrap="square" lIns="91425" tIns="91425" rIns="91425" bIns="91425" anchor="t" anchorCtr="0">
             <a:noAutofit/>
           </a:bodyPr>
-          <a:lstStyle/>
+          <a:lstStyle>
+            <a:defPPr marR="0" lvl="0" algn="l" rtl="0">
+              <a:lnSpc>
+                <a:spcPct val="100000"/>
+              </a:lnSpc>
+              <a:spcBef>
+                <a:spcPts val="0"/>
+              </a:spcBef>
+              <a:spcAft>
+                <a:spcPts val="0"/>
+              </a:spcAft>
+            </a:defPPr>
+            <a:lvl1pPr marR="0" lvl="0" algn="ctr" rtl="0">
+              <a:lnSpc>
+                <a:spcPct val="100000"/>
+              </a:lnSpc>
+              <a:spcBef>
+                <a:spcPts val="0"/>
+              </a:spcBef>
+              <a:spcAft>
+                <a:spcPts val="0"/>
+              </a:spcAft>
+              <a:buClr>
+                <a:schemeClr val="dk1"/>
+              </a:buClr>
+              <a:buSzPts val="2800"/>
+              <a:buFont typeface="Montserrat"/>
+              <a:buNone/>
+              <a:defRPr sz="2800" b="1" i="0" u="none" strike="noStrike" cap="none">
+                <a:solidFill>
+                  <a:schemeClr val="accent1"/>
+                </a:solidFill>
+                <a:latin typeface="Montserrat"/>
+                <a:ea typeface="Montserrat"/>
+                <a:cs typeface="Montserrat"/>
+                <a:sym typeface="Montserrat"/>
+              </a:defRPr>
+            </a:lvl1pPr>
+            <a:lvl2pPr marR="0" lvl="1" algn="l" rtl="0">
+              <a:lnSpc>
+                <a:spcPct val="100000"/>
+              </a:lnSpc>
+              <a:spcBef>
+                <a:spcPts val="0"/>
+              </a:spcBef>
+              <a:spcAft>
+                <a:spcPts val="0"/>
+              </a:spcAft>
+              <a:buClr>
+                <a:schemeClr val="dk1"/>
+              </a:buClr>
+              <a:buSzPts val="2800"/>
+              <a:buFont typeface="Montserrat"/>
+              <a:buNone/>
+              <a:defRPr sz="2800" b="1" i="0" u="none" strike="noStrike" cap="none">
+                <a:solidFill>
+                  <a:schemeClr val="dk1"/>
+                </a:solidFill>
+                <a:latin typeface="Montserrat"/>
+                <a:ea typeface="Montserrat"/>
+                <a:cs typeface="Montserrat"/>
+                <a:sym typeface="Montserrat"/>
+              </a:defRPr>
+            </a:lvl2pPr>
+            <a:lvl3pPr marR="0" lvl="2" algn="l" rtl="0">
+              <a:lnSpc>
+                <a:spcPct val="100000"/>
+              </a:lnSpc>
+              <a:spcBef>
+                <a:spcPts val="0"/>
+              </a:spcBef>
+              <a:spcAft>
+                <a:spcPts val="0"/>
+              </a:spcAft>
+              <a:buClr>
+                <a:schemeClr val="dk1"/>
+              </a:buClr>
+              <a:buSzPts val="2800"/>
+              <a:buFont typeface="Montserrat"/>
+              <a:buNone/>
+              <a:defRPr sz="2800" b="1" i="0" u="none" strike="noStrike" cap="none">
+                <a:solidFill>
+                  <a:schemeClr val="dk1"/>
+                </a:solidFill>
+                <a:latin typeface="Montserrat"/>
+                <a:ea typeface="Montserrat"/>
+                <a:cs typeface="Montserrat"/>
+                <a:sym typeface="Montserrat"/>
+              </a:defRPr>
+            </a:lvl3pPr>
+            <a:lvl4pPr marR="0" lvl="3" algn="l" rtl="0">
+              <a:lnSpc>
+                <a:spcPct val="100000"/>
+              </a:lnSpc>
+              <a:spcBef>
+                <a:spcPts val="0"/>
+              </a:spcBef>
+              <a:spcAft>
+                <a:spcPts val="0"/>
+              </a:spcAft>
+              <a:buClr>
+                <a:schemeClr val="dk1"/>
+              </a:buClr>
+              <a:buSzPts val="2800"/>
+              <a:buFont typeface="Montserrat"/>
+              <a:buNone/>
+              <a:defRPr sz="2800" b="1" i="0" u="none" strike="noStrike" cap="none">
+                <a:solidFill>
+                  <a:schemeClr val="dk1"/>
+                </a:solidFill>
+                <a:latin typeface="Montserrat"/>
+                <a:ea typeface="Montserrat"/>
+                <a:cs typeface="Montserrat"/>
+                <a:sym typeface="Montserrat"/>
+              </a:defRPr>
+            </a:lvl4pPr>
+            <a:lvl5pPr marR="0" lvl="4" algn="l" rtl="0">
+              <a:lnSpc>
+                <a:spcPct val="100000"/>
+              </a:lnSpc>
+              <a:spcBef>
+                <a:spcPts val="0"/>
+              </a:spcBef>
+              <a:spcAft>
+                <a:spcPts val="0"/>
+              </a:spcAft>
+              <a:buClr>
+                <a:schemeClr val="dk1"/>
+              </a:buClr>
+              <a:buSzPts val="2800"/>
+              <a:buFont typeface="Montserrat"/>
+              <a:buNone/>
+              <a:defRPr sz="2800" b="1" i="0" u="none" strike="noStrike" cap="none">
+                <a:solidFill>
+                  <a:schemeClr val="dk1"/>
+                </a:solidFill>
+                <a:latin typeface="Montserrat"/>
+                <a:ea typeface="Montserrat"/>
+                <a:cs typeface="Montserrat"/>
+                <a:sym typeface="Montserrat"/>
+              </a:defRPr>
+            </a:lvl5pPr>
+            <a:lvl6pPr marR="0" lvl="5" algn="l" rtl="0">
+              <a:lnSpc>
+                <a:spcPct val="100000"/>
+              </a:lnSpc>
+              <a:spcBef>
+                <a:spcPts val="0"/>
+              </a:spcBef>
+              <a:spcAft>
+                <a:spcPts val="0"/>
+              </a:spcAft>
+              <a:buClr>
+                <a:schemeClr val="dk1"/>
+              </a:buClr>
+              <a:buSzPts val="2800"/>
+              <a:buFont typeface="Montserrat"/>
+              <a:buNone/>
+              <a:defRPr sz="2800" b="1" i="0" u="none" strike="noStrike" cap="none">
+                <a:solidFill>
+                  <a:schemeClr val="dk1"/>
+                </a:solidFill>
+                <a:latin typeface="Montserrat"/>
+                <a:ea typeface="Montserrat"/>
+                <a:cs typeface="Montserrat"/>
+                <a:sym typeface="Montserrat"/>
+              </a:defRPr>
+            </a:lvl6pPr>
+            <a:lvl7pPr marR="0" lvl="6" algn="l" rtl="0">
+              <a:lnSpc>
+                <a:spcPct val="100000"/>
+              </a:lnSpc>
+              <a:spcBef>
+                <a:spcPts val="0"/>
+              </a:spcBef>
+              <a:spcAft>
+                <a:spcPts val="0"/>
+              </a:spcAft>
+              <a:buClr>
+                <a:schemeClr val="dk1"/>
+              </a:buClr>
+              <a:buSzPts val="2800"/>
+              <a:buFont typeface="Montserrat"/>
+              <a:buNone/>
+              <a:defRPr sz="2800" b="1" i="0" u="none" strike="noStrike" cap="none">
+                <a:solidFill>
+                  <a:schemeClr val="dk1"/>
+                </a:solidFill>
+                <a:latin typeface="Montserrat"/>
+                <a:ea typeface="Montserrat"/>
+                <a:cs typeface="Montserrat"/>
+                <a:sym typeface="Montserrat"/>
+              </a:defRPr>
+            </a:lvl7pPr>
+            <a:lvl8pPr marR="0" lvl="7" algn="l" rtl="0">
+              <a:lnSpc>
+                <a:spcPct val="100000"/>
+              </a:lnSpc>
+              <a:spcBef>
+                <a:spcPts val="0"/>
+              </a:spcBef>
+              <a:spcAft>
+                <a:spcPts val="0"/>
+              </a:spcAft>
+              <a:buClr>
+                <a:schemeClr val="dk1"/>
+              </a:buClr>
+              <a:buSzPts val="2800"/>
+              <a:buFont typeface="Montserrat"/>
+              <a:buNone/>
+              <a:defRPr sz="2800" b="1" i="0" u="none" strike="noStrike" cap="none">
+                <a:solidFill>
+                  <a:schemeClr val="dk1"/>
+                </a:solidFill>
+                <a:latin typeface="Montserrat"/>
+                <a:ea typeface="Montserrat"/>
+                <a:cs typeface="Montserrat"/>
+                <a:sym typeface="Montserrat"/>
+              </a:defRPr>
+            </a:lvl8pPr>
+            <a:lvl9pPr marR="0" lvl="8" algn="l" rtl="0">
+              <a:lnSpc>
+                <a:spcPct val="100000"/>
+              </a:lnSpc>
+              <a:spcBef>
+                <a:spcPts val="0"/>
+              </a:spcBef>
+              <a:spcAft>
+                <a:spcPts val="0"/>
+              </a:spcAft>
+              <a:buClr>
+                <a:schemeClr val="dk1"/>
+              </a:buClr>
+              <a:buSzPts val="2800"/>
+              <a:buFont typeface="Montserrat"/>
+              <a:buNone/>
+              <a:defRPr sz="2800" b="1" i="0" u="none" strike="noStrike" cap="none">
+                <a:solidFill>
+                  <a:schemeClr val="dk1"/>
+                </a:solidFill>
+                <a:latin typeface="Montserrat"/>
+                <a:ea typeface="Montserrat"/>
+                <a:cs typeface="Montserrat"/>
+                <a:sym typeface="Montserrat"/>
+              </a:defRPr>
+            </a:lvl9pPr>
+          </a:lstStyle>
           <a:p>
-            <a:pPr marL="0" lvl="0" indent="0" algn="r" rtl="0">
-              <a:spcBef>
-                <a:spcPts val="0"/>
-              </a:spcBef>
-              <a:spcAft>
-                <a:spcPts val="0"/>
-              </a:spcAft>
-              <a:buNone/>
-            </a:pPr>
+            <a:pPr rtl="1"/>
             <a:r>
-              <a:rPr lang="ar-SY" sz="4000" dirty="0">
+              <a:rPr lang="ar-SY" sz="3000" dirty="0">
                 <a:latin typeface="Dubai" panose="020B0503030403030204" pitchFamily="34" charset="-78"/>
                 <a:cs typeface="Dubai" panose="020B0503030403030204" pitchFamily="34" charset="-78"/>
               </a:rPr>
-              <a:t>الخاتمة والآفاق المستقبليّة</a:t>
+              <a:t>النظام البرمجي (خدمة توليد المخططات)</a:t>
             </a:r>
-            <a:br>
-              <a:rPr lang="ar-SY" sz="4000" dirty="0">
-                <a:latin typeface="Dubai" panose="020B0503030403030204" pitchFamily="34" charset="-78"/>
-                <a:cs typeface="Dubai" panose="020B0503030403030204" pitchFamily="34" charset="-78"/>
-              </a:rPr>
-            </a:br>
             <a:br>
               <a:rPr lang="ar-SY" sz="2000" dirty="0">
                 <a:latin typeface="Dubai" panose="020B0503030403030204" pitchFamily="34" charset="-78"/>
                 <a:cs typeface="Dubai" panose="020B0503030403030204" pitchFamily="34" charset="-78"/>
               </a:rPr>
             </a:br>
-            <a:endParaRPr lang="ar-SY" sz="2500" dirty="0">
+            <a:endParaRPr lang="ar-SY" sz="2000" b="0" dirty="0">
               <a:latin typeface="Dubai" panose="020B0503030403030204" pitchFamily="34" charset="-78"/>
               <a:cs typeface="Dubai" panose="020B0503030403030204" pitchFamily="34" charset="-78"/>
             </a:endParaRPr>
@@ -17744,63 +19219,90 @@
       </p:sp>
       <p:sp>
         <p:nvSpPr>
-          <p:cNvPr id="224" name="Google Shape;224;p34"/>
-          <p:cNvSpPr txBox="1">
-            <a:spLocks noGrp="1"/>
-          </p:cNvSpPr>
-          <p:nvPr>
-            <p:ph type="title" idx="2"/>
-          </p:nvPr>
+          <p:cNvPr id="2" name="TextBox 1">
+            <a:extLst>
+              <a:ext uri="{FF2B5EF4-FFF2-40B4-BE49-F238E27FC236}">
+                <a16:creationId xmlns:a16="http://schemas.microsoft.com/office/drawing/2014/main" id="{C988C231-A1D4-BFD9-C65D-9189FD233FD8}"/>
+              </a:ext>
+            </a:extLst>
+          </p:cNvPr>
+          <p:cNvSpPr txBox="1"/>
+          <p:nvPr/>
         </p:nvSpPr>
         <p:spPr>
           <a:xfrm>
-            <a:off x="3968350" y="1262325"/>
-            <a:ext cx="4462500" cy="1141800"/>
+            <a:off x="8425999" y="4848605"/>
+            <a:ext cx="718001" cy="307777"/>
           </a:xfrm>
           <a:prstGeom prst="rect">
             <a:avLst/>
           </a:prstGeom>
+          <a:noFill/>
         </p:spPr>
         <p:txBody>
-          <a:bodyPr spcFirstLastPara="1" wrap="square" lIns="91425" tIns="91425" rIns="91425" bIns="91425" anchor="b" anchorCtr="0">
-            <a:noAutofit/>
+          <a:bodyPr wrap="square" rtlCol="0">
+            <a:spAutoFit/>
           </a:bodyPr>
           <a:lstStyle/>
           <a:p>
-            <a:pPr marL="0" lvl="0" indent="0" algn="r" rtl="0">
-              <a:spcBef>
-                <a:spcPts val="0"/>
-              </a:spcBef>
-              <a:spcAft>
-                <a:spcPts val="0"/>
-              </a:spcAft>
-              <a:buNone/>
-            </a:pPr>
             <a:r>
-              <a:rPr lang="en" dirty="0">
-                <a:latin typeface="Dubai" panose="020B0503030403030204" pitchFamily="34" charset="-78"/>
-                <a:cs typeface="Dubai" panose="020B0503030403030204" pitchFamily="34" charset="-78"/>
-              </a:rPr>
-              <a:t>0</a:t>
+              <a:rPr lang="en-US" b="1" dirty="0"/>
+              <a:t>38/41</a:t>
             </a:r>
-            <a:r>
-              <a:rPr lang="en-US" dirty="0">
-                <a:latin typeface="Dubai" panose="020B0503030403030204" pitchFamily="34" charset="-78"/>
-                <a:cs typeface="Dubai" panose="020B0503030403030204" pitchFamily="34" charset="-78"/>
-              </a:rPr>
-              <a:t>5</a:t>
-            </a:r>
-            <a:endParaRPr dirty="0">
-              <a:latin typeface="Dubai" panose="020B0503030403030204" pitchFamily="34" charset="-78"/>
-              <a:cs typeface="Dubai" panose="020B0503030403030204" pitchFamily="34" charset="-78"/>
-            </a:endParaRPr>
           </a:p>
         </p:txBody>
       </p:sp>
+      <p:pic>
+        <p:nvPicPr>
+          <p:cNvPr id="5124" name="Picture 4">
+            <a:extLst>
+              <a:ext uri="{FF2B5EF4-FFF2-40B4-BE49-F238E27FC236}">
+                <a16:creationId xmlns:a16="http://schemas.microsoft.com/office/drawing/2014/main" id="{FD1C68EE-3D81-7A45-50A4-DACD1AE715E7}"/>
+              </a:ext>
+            </a:extLst>
+          </p:cNvPr>
+          <p:cNvPicPr>
+            <a:picLocks noChangeAspect="1" noChangeArrowheads="1"/>
+          </p:cNvPicPr>
+          <p:nvPr/>
+        </p:nvPicPr>
+        <p:blipFill>
+          <a:blip r:embed="rId3">
+            <a:extLst>
+              <a:ext uri="{28A0092B-C50C-407E-A947-70E740481C1C}">
+                <a14:useLocalDpi xmlns:a14="http://schemas.microsoft.com/office/drawing/2010/main" val="0"/>
+              </a:ext>
+            </a:extLst>
+          </a:blip>
+          <a:srcRect/>
+          <a:stretch>
+            <a:fillRect/>
+          </a:stretch>
+        </p:blipFill>
+        <p:spPr bwMode="auto">
+          <a:xfrm>
+            <a:off x="857250" y="955875"/>
+            <a:ext cx="2166257" cy="3642020"/>
+          </a:xfrm>
+          <a:prstGeom prst="rect">
+            <a:avLst/>
+          </a:prstGeom>
+          <a:noFill/>
+          <a:extLst>
+            <a:ext uri="{909E8E84-426E-40DD-AFC4-6F175D3DCCD1}">
+              <a14:hiddenFill xmlns:a14="http://schemas.microsoft.com/office/drawing/2010/main">
+                <a:solidFill>
+                  <a:srgbClr val="FFFFFF"/>
+                </a:solidFill>
+              </a14:hiddenFill>
+            </a:ext>
+          </a:extLst>
+        </p:spPr>
+      </p:pic>
     </p:spTree>
     <p:extLst>
       <p:ext uri="{BB962C8B-B14F-4D97-AF65-F5344CB8AC3E}">
-        <p14:creationId xmlns:p14="http://schemas.microsoft.com/office/powerpoint/2010/main" val="32523606"/>
+        <p14:creationId xmlns:p14="http://schemas.microsoft.com/office/powerpoint/2010/main" val="598756789"/>
       </p:ext>
     </p:extLst>
   </p:cSld>
@@ -19451,7 +20953,7 @@
                 <a:latin typeface="Dubai" panose="020B0503030403030204" pitchFamily="34" charset="-78"/>
                 <a:cs typeface="Dubai" panose="020B0503030403030204" pitchFamily="34" charset="-78"/>
               </a:rPr>
-              <a:t>معمارية النظام البرمجي</a:t>
+              <a:t>النظام البرمجي</a:t>
             </a:r>
           </a:p>
         </p:txBody>
@@ -20395,6 +21897,4723 @@
 </file>
 
 <file path=ppt/slides/slide20.xml><?xml version="1.0" encoding="utf-8"?>
+<p:sld xmlns:a="http://schemas.openxmlformats.org/drawingml/2006/main" xmlns:r="http://schemas.openxmlformats.org/officeDocument/2006/relationships" xmlns:p="http://schemas.openxmlformats.org/presentationml/2006/main">
+  <p:cSld>
+    <p:spTree>
+      <p:nvGrpSpPr>
+        <p:cNvPr id="1" name="Shape 234"/>
+        <p:cNvGrpSpPr/>
+        <p:nvPr/>
+      </p:nvGrpSpPr>
+      <p:grpSpPr>
+        <a:xfrm>
+          <a:off x="0" y="0"/>
+          <a:ext cx="0" cy="0"/>
+          <a:chOff x="0" y="0"/>
+          <a:chExt cx="0" cy="0"/>
+        </a:xfrm>
+      </p:grpSpPr>
+      <p:sp>
+        <p:nvSpPr>
+          <p:cNvPr id="6" name="Google Shape;197;p32">
+            <a:extLst>
+              <a:ext uri="{FF2B5EF4-FFF2-40B4-BE49-F238E27FC236}">
+                <a16:creationId xmlns:a16="http://schemas.microsoft.com/office/drawing/2014/main" id="{0CAEC0CC-D7D5-10D2-63F6-C6968FBED233}"/>
+              </a:ext>
+            </a:extLst>
+          </p:cNvPr>
+          <p:cNvSpPr txBox="1">
+            <a:spLocks/>
+          </p:cNvSpPr>
+          <p:nvPr/>
+        </p:nvSpPr>
+        <p:spPr>
+          <a:xfrm>
+            <a:off x="717799" y="383175"/>
+            <a:ext cx="7708200" cy="572700"/>
+          </a:xfrm>
+          <a:prstGeom prst="rect">
+            <a:avLst/>
+          </a:prstGeom>
+          <a:noFill/>
+          <a:ln>
+            <a:noFill/>
+          </a:ln>
+        </p:spPr>
+        <p:txBody>
+          <a:bodyPr spcFirstLastPara="1" wrap="square" lIns="91425" tIns="91425" rIns="91425" bIns="91425" anchor="t" anchorCtr="0">
+            <a:noAutofit/>
+          </a:bodyPr>
+          <a:lstStyle>
+            <a:defPPr marR="0" lvl="0" algn="l" rtl="0">
+              <a:lnSpc>
+                <a:spcPct val="100000"/>
+              </a:lnSpc>
+              <a:spcBef>
+                <a:spcPts val="0"/>
+              </a:spcBef>
+              <a:spcAft>
+                <a:spcPts val="0"/>
+              </a:spcAft>
+            </a:defPPr>
+            <a:lvl1pPr marR="0" lvl="0" algn="ctr" rtl="0">
+              <a:lnSpc>
+                <a:spcPct val="100000"/>
+              </a:lnSpc>
+              <a:spcBef>
+                <a:spcPts val="0"/>
+              </a:spcBef>
+              <a:spcAft>
+                <a:spcPts val="0"/>
+              </a:spcAft>
+              <a:buClr>
+                <a:schemeClr val="dk1"/>
+              </a:buClr>
+              <a:buSzPts val="2800"/>
+              <a:buFont typeface="Montserrat"/>
+              <a:buNone/>
+              <a:defRPr sz="2800" b="1" i="0" u="none" strike="noStrike" cap="none">
+                <a:solidFill>
+                  <a:schemeClr val="accent1"/>
+                </a:solidFill>
+                <a:latin typeface="Montserrat"/>
+                <a:ea typeface="Montserrat"/>
+                <a:cs typeface="Montserrat"/>
+                <a:sym typeface="Montserrat"/>
+              </a:defRPr>
+            </a:lvl1pPr>
+            <a:lvl2pPr marR="0" lvl="1" algn="l" rtl="0">
+              <a:lnSpc>
+                <a:spcPct val="100000"/>
+              </a:lnSpc>
+              <a:spcBef>
+                <a:spcPts val="0"/>
+              </a:spcBef>
+              <a:spcAft>
+                <a:spcPts val="0"/>
+              </a:spcAft>
+              <a:buClr>
+                <a:schemeClr val="dk1"/>
+              </a:buClr>
+              <a:buSzPts val="2800"/>
+              <a:buFont typeface="Montserrat"/>
+              <a:buNone/>
+              <a:defRPr sz="2800" b="1" i="0" u="none" strike="noStrike" cap="none">
+                <a:solidFill>
+                  <a:schemeClr val="dk1"/>
+                </a:solidFill>
+                <a:latin typeface="Montserrat"/>
+                <a:ea typeface="Montserrat"/>
+                <a:cs typeface="Montserrat"/>
+                <a:sym typeface="Montserrat"/>
+              </a:defRPr>
+            </a:lvl2pPr>
+            <a:lvl3pPr marR="0" lvl="2" algn="l" rtl="0">
+              <a:lnSpc>
+                <a:spcPct val="100000"/>
+              </a:lnSpc>
+              <a:spcBef>
+                <a:spcPts val="0"/>
+              </a:spcBef>
+              <a:spcAft>
+                <a:spcPts val="0"/>
+              </a:spcAft>
+              <a:buClr>
+                <a:schemeClr val="dk1"/>
+              </a:buClr>
+              <a:buSzPts val="2800"/>
+              <a:buFont typeface="Montserrat"/>
+              <a:buNone/>
+              <a:defRPr sz="2800" b="1" i="0" u="none" strike="noStrike" cap="none">
+                <a:solidFill>
+                  <a:schemeClr val="dk1"/>
+                </a:solidFill>
+                <a:latin typeface="Montserrat"/>
+                <a:ea typeface="Montserrat"/>
+                <a:cs typeface="Montserrat"/>
+                <a:sym typeface="Montserrat"/>
+              </a:defRPr>
+            </a:lvl3pPr>
+            <a:lvl4pPr marR="0" lvl="3" algn="l" rtl="0">
+              <a:lnSpc>
+                <a:spcPct val="100000"/>
+              </a:lnSpc>
+              <a:spcBef>
+                <a:spcPts val="0"/>
+              </a:spcBef>
+              <a:spcAft>
+                <a:spcPts val="0"/>
+              </a:spcAft>
+              <a:buClr>
+                <a:schemeClr val="dk1"/>
+              </a:buClr>
+              <a:buSzPts val="2800"/>
+              <a:buFont typeface="Montserrat"/>
+              <a:buNone/>
+              <a:defRPr sz="2800" b="1" i="0" u="none" strike="noStrike" cap="none">
+                <a:solidFill>
+                  <a:schemeClr val="dk1"/>
+                </a:solidFill>
+                <a:latin typeface="Montserrat"/>
+                <a:ea typeface="Montserrat"/>
+                <a:cs typeface="Montserrat"/>
+                <a:sym typeface="Montserrat"/>
+              </a:defRPr>
+            </a:lvl4pPr>
+            <a:lvl5pPr marR="0" lvl="4" algn="l" rtl="0">
+              <a:lnSpc>
+                <a:spcPct val="100000"/>
+              </a:lnSpc>
+              <a:spcBef>
+                <a:spcPts val="0"/>
+              </a:spcBef>
+              <a:spcAft>
+                <a:spcPts val="0"/>
+              </a:spcAft>
+              <a:buClr>
+                <a:schemeClr val="dk1"/>
+              </a:buClr>
+              <a:buSzPts val="2800"/>
+              <a:buFont typeface="Montserrat"/>
+              <a:buNone/>
+              <a:defRPr sz="2800" b="1" i="0" u="none" strike="noStrike" cap="none">
+                <a:solidFill>
+                  <a:schemeClr val="dk1"/>
+                </a:solidFill>
+                <a:latin typeface="Montserrat"/>
+                <a:ea typeface="Montserrat"/>
+                <a:cs typeface="Montserrat"/>
+                <a:sym typeface="Montserrat"/>
+              </a:defRPr>
+            </a:lvl5pPr>
+            <a:lvl6pPr marR="0" lvl="5" algn="l" rtl="0">
+              <a:lnSpc>
+                <a:spcPct val="100000"/>
+              </a:lnSpc>
+              <a:spcBef>
+                <a:spcPts val="0"/>
+              </a:spcBef>
+              <a:spcAft>
+                <a:spcPts val="0"/>
+              </a:spcAft>
+              <a:buClr>
+                <a:schemeClr val="dk1"/>
+              </a:buClr>
+              <a:buSzPts val="2800"/>
+              <a:buFont typeface="Montserrat"/>
+              <a:buNone/>
+              <a:defRPr sz="2800" b="1" i="0" u="none" strike="noStrike" cap="none">
+                <a:solidFill>
+                  <a:schemeClr val="dk1"/>
+                </a:solidFill>
+                <a:latin typeface="Montserrat"/>
+                <a:ea typeface="Montserrat"/>
+                <a:cs typeface="Montserrat"/>
+                <a:sym typeface="Montserrat"/>
+              </a:defRPr>
+            </a:lvl6pPr>
+            <a:lvl7pPr marR="0" lvl="6" algn="l" rtl="0">
+              <a:lnSpc>
+                <a:spcPct val="100000"/>
+              </a:lnSpc>
+              <a:spcBef>
+                <a:spcPts val="0"/>
+              </a:spcBef>
+              <a:spcAft>
+                <a:spcPts val="0"/>
+              </a:spcAft>
+              <a:buClr>
+                <a:schemeClr val="dk1"/>
+              </a:buClr>
+              <a:buSzPts val="2800"/>
+              <a:buFont typeface="Montserrat"/>
+              <a:buNone/>
+              <a:defRPr sz="2800" b="1" i="0" u="none" strike="noStrike" cap="none">
+                <a:solidFill>
+                  <a:schemeClr val="dk1"/>
+                </a:solidFill>
+                <a:latin typeface="Montserrat"/>
+                <a:ea typeface="Montserrat"/>
+                <a:cs typeface="Montserrat"/>
+                <a:sym typeface="Montserrat"/>
+              </a:defRPr>
+            </a:lvl7pPr>
+            <a:lvl8pPr marR="0" lvl="7" algn="l" rtl="0">
+              <a:lnSpc>
+                <a:spcPct val="100000"/>
+              </a:lnSpc>
+              <a:spcBef>
+                <a:spcPts val="0"/>
+              </a:spcBef>
+              <a:spcAft>
+                <a:spcPts val="0"/>
+              </a:spcAft>
+              <a:buClr>
+                <a:schemeClr val="dk1"/>
+              </a:buClr>
+              <a:buSzPts val="2800"/>
+              <a:buFont typeface="Montserrat"/>
+              <a:buNone/>
+              <a:defRPr sz="2800" b="1" i="0" u="none" strike="noStrike" cap="none">
+                <a:solidFill>
+                  <a:schemeClr val="dk1"/>
+                </a:solidFill>
+                <a:latin typeface="Montserrat"/>
+                <a:ea typeface="Montserrat"/>
+                <a:cs typeface="Montserrat"/>
+                <a:sym typeface="Montserrat"/>
+              </a:defRPr>
+            </a:lvl8pPr>
+            <a:lvl9pPr marR="0" lvl="8" algn="l" rtl="0">
+              <a:lnSpc>
+                <a:spcPct val="100000"/>
+              </a:lnSpc>
+              <a:spcBef>
+                <a:spcPts val="0"/>
+              </a:spcBef>
+              <a:spcAft>
+                <a:spcPts val="0"/>
+              </a:spcAft>
+              <a:buClr>
+                <a:schemeClr val="dk1"/>
+              </a:buClr>
+              <a:buSzPts val="2800"/>
+              <a:buFont typeface="Montserrat"/>
+              <a:buNone/>
+              <a:defRPr sz="2800" b="1" i="0" u="none" strike="noStrike" cap="none">
+                <a:solidFill>
+                  <a:schemeClr val="dk1"/>
+                </a:solidFill>
+                <a:latin typeface="Montserrat"/>
+                <a:ea typeface="Montserrat"/>
+                <a:cs typeface="Montserrat"/>
+                <a:sym typeface="Montserrat"/>
+              </a:defRPr>
+            </a:lvl9pPr>
+          </a:lstStyle>
+          <a:p>
+            <a:pPr rtl="1"/>
+            <a:r>
+              <a:rPr lang="ar-SY" sz="3000" dirty="0">
+                <a:latin typeface="Dubai" panose="020B0503030403030204" pitchFamily="34" charset="-78"/>
+                <a:cs typeface="Dubai" panose="020B0503030403030204" pitchFamily="34" charset="-78"/>
+              </a:rPr>
+              <a:t>النظام البرمجي (خدمة تخزين الموارد)</a:t>
+            </a:r>
+            <a:br>
+              <a:rPr lang="ar-SY" sz="2000" dirty="0">
+                <a:latin typeface="Dubai" panose="020B0503030403030204" pitchFamily="34" charset="-78"/>
+                <a:cs typeface="Dubai" panose="020B0503030403030204" pitchFamily="34" charset="-78"/>
+              </a:rPr>
+            </a:br>
+            <a:endParaRPr lang="ar-SY" sz="2000" b="0" dirty="0">
+              <a:latin typeface="Dubai" panose="020B0503030403030204" pitchFamily="34" charset="-78"/>
+              <a:cs typeface="Dubai" panose="020B0503030403030204" pitchFamily="34" charset="-78"/>
+            </a:endParaRPr>
+          </a:p>
+        </p:txBody>
+      </p:sp>
+      <p:sp>
+        <p:nvSpPr>
+          <p:cNvPr id="2" name="TextBox 1">
+            <a:extLst>
+              <a:ext uri="{FF2B5EF4-FFF2-40B4-BE49-F238E27FC236}">
+                <a16:creationId xmlns:a16="http://schemas.microsoft.com/office/drawing/2014/main" id="{C988C231-A1D4-BFD9-C65D-9189FD233FD8}"/>
+              </a:ext>
+            </a:extLst>
+          </p:cNvPr>
+          <p:cNvSpPr txBox="1"/>
+          <p:nvPr/>
+        </p:nvSpPr>
+        <p:spPr>
+          <a:xfrm>
+            <a:off x="8425999" y="4848605"/>
+            <a:ext cx="718001" cy="307777"/>
+          </a:xfrm>
+          <a:prstGeom prst="rect">
+            <a:avLst/>
+          </a:prstGeom>
+          <a:noFill/>
+        </p:spPr>
+        <p:txBody>
+          <a:bodyPr wrap="square" rtlCol="0">
+            <a:spAutoFit/>
+          </a:bodyPr>
+          <a:lstStyle/>
+          <a:p>
+            <a:r>
+              <a:rPr lang="en-US" b="1" dirty="0"/>
+              <a:t>38/41</a:t>
+            </a:r>
+          </a:p>
+        </p:txBody>
+      </p:sp>
+      <p:pic>
+        <p:nvPicPr>
+          <p:cNvPr id="3074" name="Picture 2">
+            <a:extLst>
+              <a:ext uri="{FF2B5EF4-FFF2-40B4-BE49-F238E27FC236}">
+                <a16:creationId xmlns:a16="http://schemas.microsoft.com/office/drawing/2014/main" id="{00A9D691-E968-739A-4063-01D1BF8F5C51}"/>
+              </a:ext>
+            </a:extLst>
+          </p:cNvPr>
+          <p:cNvPicPr>
+            <a:picLocks noChangeAspect="1" noChangeArrowheads="1"/>
+          </p:cNvPicPr>
+          <p:nvPr/>
+        </p:nvPicPr>
+        <p:blipFill>
+          <a:blip r:embed="rId3">
+            <a:extLst>
+              <a:ext uri="{28A0092B-C50C-407E-A947-70E740481C1C}">
+                <a14:useLocalDpi xmlns:a14="http://schemas.microsoft.com/office/drawing/2010/main" val="0"/>
+              </a:ext>
+            </a:extLst>
+          </a:blip>
+          <a:srcRect/>
+          <a:stretch>
+            <a:fillRect/>
+          </a:stretch>
+        </p:blipFill>
+        <p:spPr bwMode="auto">
+          <a:xfrm>
+            <a:off x="1064759" y="955875"/>
+            <a:ext cx="1800904" cy="3655971"/>
+          </a:xfrm>
+          <a:prstGeom prst="rect">
+            <a:avLst/>
+          </a:prstGeom>
+          <a:noFill/>
+          <a:extLst>
+            <a:ext uri="{909E8E84-426E-40DD-AFC4-6F175D3DCCD1}">
+              <a14:hiddenFill xmlns:a14="http://schemas.microsoft.com/office/drawing/2010/main">
+                <a:solidFill>
+                  <a:srgbClr val="FFFFFF"/>
+                </a:solidFill>
+              </a14:hiddenFill>
+            </a:ext>
+          </a:extLst>
+        </p:spPr>
+      </p:pic>
+    </p:spTree>
+    <p:extLst>
+      <p:ext uri="{BB962C8B-B14F-4D97-AF65-F5344CB8AC3E}">
+        <p14:creationId xmlns:p14="http://schemas.microsoft.com/office/powerpoint/2010/main" val="548247112"/>
+      </p:ext>
+    </p:extLst>
+  </p:cSld>
+  <p:clrMapOvr>
+    <a:masterClrMapping/>
+  </p:clrMapOvr>
+</p:sld>
+</file>
+
+<file path=ppt/slides/slide21.xml><?xml version="1.0" encoding="utf-8"?>
+<p:sld xmlns:a="http://schemas.openxmlformats.org/drawingml/2006/main" xmlns:r="http://schemas.openxmlformats.org/officeDocument/2006/relationships" xmlns:p="http://schemas.openxmlformats.org/presentationml/2006/main">
+  <p:cSld>
+    <p:spTree>
+      <p:nvGrpSpPr>
+        <p:cNvPr id="1" name="Shape 234"/>
+        <p:cNvGrpSpPr/>
+        <p:nvPr/>
+      </p:nvGrpSpPr>
+      <p:grpSpPr>
+        <a:xfrm>
+          <a:off x="0" y="0"/>
+          <a:ext cx="0" cy="0"/>
+          <a:chOff x="0" y="0"/>
+          <a:chExt cx="0" cy="0"/>
+        </a:xfrm>
+      </p:grpSpPr>
+      <p:sp>
+        <p:nvSpPr>
+          <p:cNvPr id="6" name="Google Shape;197;p32">
+            <a:extLst>
+              <a:ext uri="{FF2B5EF4-FFF2-40B4-BE49-F238E27FC236}">
+                <a16:creationId xmlns:a16="http://schemas.microsoft.com/office/drawing/2014/main" id="{0CAEC0CC-D7D5-10D2-63F6-C6968FBED233}"/>
+              </a:ext>
+            </a:extLst>
+          </p:cNvPr>
+          <p:cNvSpPr txBox="1">
+            <a:spLocks/>
+          </p:cNvSpPr>
+          <p:nvPr/>
+        </p:nvSpPr>
+        <p:spPr>
+          <a:xfrm>
+            <a:off x="717799" y="383175"/>
+            <a:ext cx="7708200" cy="572700"/>
+          </a:xfrm>
+          <a:prstGeom prst="rect">
+            <a:avLst/>
+          </a:prstGeom>
+          <a:noFill/>
+          <a:ln>
+            <a:noFill/>
+          </a:ln>
+        </p:spPr>
+        <p:txBody>
+          <a:bodyPr spcFirstLastPara="1" wrap="square" lIns="91425" tIns="91425" rIns="91425" bIns="91425" anchor="t" anchorCtr="0">
+            <a:noAutofit/>
+          </a:bodyPr>
+          <a:lstStyle>
+            <a:defPPr marR="0" lvl="0" algn="l" rtl="0">
+              <a:lnSpc>
+                <a:spcPct val="100000"/>
+              </a:lnSpc>
+              <a:spcBef>
+                <a:spcPts val="0"/>
+              </a:spcBef>
+              <a:spcAft>
+                <a:spcPts val="0"/>
+              </a:spcAft>
+            </a:defPPr>
+            <a:lvl1pPr marR="0" lvl="0" algn="ctr" rtl="0">
+              <a:lnSpc>
+                <a:spcPct val="100000"/>
+              </a:lnSpc>
+              <a:spcBef>
+                <a:spcPts val="0"/>
+              </a:spcBef>
+              <a:spcAft>
+                <a:spcPts val="0"/>
+              </a:spcAft>
+              <a:buClr>
+                <a:schemeClr val="dk1"/>
+              </a:buClr>
+              <a:buSzPts val="2800"/>
+              <a:buFont typeface="Montserrat"/>
+              <a:buNone/>
+              <a:defRPr sz="2800" b="1" i="0" u="none" strike="noStrike" cap="none">
+                <a:solidFill>
+                  <a:schemeClr val="accent1"/>
+                </a:solidFill>
+                <a:latin typeface="Montserrat"/>
+                <a:ea typeface="Montserrat"/>
+                <a:cs typeface="Montserrat"/>
+                <a:sym typeface="Montserrat"/>
+              </a:defRPr>
+            </a:lvl1pPr>
+            <a:lvl2pPr marR="0" lvl="1" algn="l" rtl="0">
+              <a:lnSpc>
+                <a:spcPct val="100000"/>
+              </a:lnSpc>
+              <a:spcBef>
+                <a:spcPts val="0"/>
+              </a:spcBef>
+              <a:spcAft>
+                <a:spcPts val="0"/>
+              </a:spcAft>
+              <a:buClr>
+                <a:schemeClr val="dk1"/>
+              </a:buClr>
+              <a:buSzPts val="2800"/>
+              <a:buFont typeface="Montserrat"/>
+              <a:buNone/>
+              <a:defRPr sz="2800" b="1" i="0" u="none" strike="noStrike" cap="none">
+                <a:solidFill>
+                  <a:schemeClr val="dk1"/>
+                </a:solidFill>
+                <a:latin typeface="Montserrat"/>
+                <a:ea typeface="Montserrat"/>
+                <a:cs typeface="Montserrat"/>
+                <a:sym typeface="Montserrat"/>
+              </a:defRPr>
+            </a:lvl2pPr>
+            <a:lvl3pPr marR="0" lvl="2" algn="l" rtl="0">
+              <a:lnSpc>
+                <a:spcPct val="100000"/>
+              </a:lnSpc>
+              <a:spcBef>
+                <a:spcPts val="0"/>
+              </a:spcBef>
+              <a:spcAft>
+                <a:spcPts val="0"/>
+              </a:spcAft>
+              <a:buClr>
+                <a:schemeClr val="dk1"/>
+              </a:buClr>
+              <a:buSzPts val="2800"/>
+              <a:buFont typeface="Montserrat"/>
+              <a:buNone/>
+              <a:defRPr sz="2800" b="1" i="0" u="none" strike="noStrike" cap="none">
+                <a:solidFill>
+                  <a:schemeClr val="dk1"/>
+                </a:solidFill>
+                <a:latin typeface="Montserrat"/>
+                <a:ea typeface="Montserrat"/>
+                <a:cs typeface="Montserrat"/>
+                <a:sym typeface="Montserrat"/>
+              </a:defRPr>
+            </a:lvl3pPr>
+            <a:lvl4pPr marR="0" lvl="3" algn="l" rtl="0">
+              <a:lnSpc>
+                <a:spcPct val="100000"/>
+              </a:lnSpc>
+              <a:spcBef>
+                <a:spcPts val="0"/>
+              </a:spcBef>
+              <a:spcAft>
+                <a:spcPts val="0"/>
+              </a:spcAft>
+              <a:buClr>
+                <a:schemeClr val="dk1"/>
+              </a:buClr>
+              <a:buSzPts val="2800"/>
+              <a:buFont typeface="Montserrat"/>
+              <a:buNone/>
+              <a:defRPr sz="2800" b="1" i="0" u="none" strike="noStrike" cap="none">
+                <a:solidFill>
+                  <a:schemeClr val="dk1"/>
+                </a:solidFill>
+                <a:latin typeface="Montserrat"/>
+                <a:ea typeface="Montserrat"/>
+                <a:cs typeface="Montserrat"/>
+                <a:sym typeface="Montserrat"/>
+              </a:defRPr>
+            </a:lvl4pPr>
+            <a:lvl5pPr marR="0" lvl="4" algn="l" rtl="0">
+              <a:lnSpc>
+                <a:spcPct val="100000"/>
+              </a:lnSpc>
+              <a:spcBef>
+                <a:spcPts val="0"/>
+              </a:spcBef>
+              <a:spcAft>
+                <a:spcPts val="0"/>
+              </a:spcAft>
+              <a:buClr>
+                <a:schemeClr val="dk1"/>
+              </a:buClr>
+              <a:buSzPts val="2800"/>
+              <a:buFont typeface="Montserrat"/>
+              <a:buNone/>
+              <a:defRPr sz="2800" b="1" i="0" u="none" strike="noStrike" cap="none">
+                <a:solidFill>
+                  <a:schemeClr val="dk1"/>
+                </a:solidFill>
+                <a:latin typeface="Montserrat"/>
+                <a:ea typeface="Montserrat"/>
+                <a:cs typeface="Montserrat"/>
+                <a:sym typeface="Montserrat"/>
+              </a:defRPr>
+            </a:lvl5pPr>
+            <a:lvl6pPr marR="0" lvl="5" algn="l" rtl="0">
+              <a:lnSpc>
+                <a:spcPct val="100000"/>
+              </a:lnSpc>
+              <a:spcBef>
+                <a:spcPts val="0"/>
+              </a:spcBef>
+              <a:spcAft>
+                <a:spcPts val="0"/>
+              </a:spcAft>
+              <a:buClr>
+                <a:schemeClr val="dk1"/>
+              </a:buClr>
+              <a:buSzPts val="2800"/>
+              <a:buFont typeface="Montserrat"/>
+              <a:buNone/>
+              <a:defRPr sz="2800" b="1" i="0" u="none" strike="noStrike" cap="none">
+                <a:solidFill>
+                  <a:schemeClr val="dk1"/>
+                </a:solidFill>
+                <a:latin typeface="Montserrat"/>
+                <a:ea typeface="Montserrat"/>
+                <a:cs typeface="Montserrat"/>
+                <a:sym typeface="Montserrat"/>
+              </a:defRPr>
+            </a:lvl6pPr>
+            <a:lvl7pPr marR="0" lvl="6" algn="l" rtl="0">
+              <a:lnSpc>
+                <a:spcPct val="100000"/>
+              </a:lnSpc>
+              <a:spcBef>
+                <a:spcPts val="0"/>
+              </a:spcBef>
+              <a:spcAft>
+                <a:spcPts val="0"/>
+              </a:spcAft>
+              <a:buClr>
+                <a:schemeClr val="dk1"/>
+              </a:buClr>
+              <a:buSzPts val="2800"/>
+              <a:buFont typeface="Montserrat"/>
+              <a:buNone/>
+              <a:defRPr sz="2800" b="1" i="0" u="none" strike="noStrike" cap="none">
+                <a:solidFill>
+                  <a:schemeClr val="dk1"/>
+                </a:solidFill>
+                <a:latin typeface="Montserrat"/>
+                <a:ea typeface="Montserrat"/>
+                <a:cs typeface="Montserrat"/>
+                <a:sym typeface="Montserrat"/>
+              </a:defRPr>
+            </a:lvl7pPr>
+            <a:lvl8pPr marR="0" lvl="7" algn="l" rtl="0">
+              <a:lnSpc>
+                <a:spcPct val="100000"/>
+              </a:lnSpc>
+              <a:spcBef>
+                <a:spcPts val="0"/>
+              </a:spcBef>
+              <a:spcAft>
+                <a:spcPts val="0"/>
+              </a:spcAft>
+              <a:buClr>
+                <a:schemeClr val="dk1"/>
+              </a:buClr>
+              <a:buSzPts val="2800"/>
+              <a:buFont typeface="Montserrat"/>
+              <a:buNone/>
+              <a:defRPr sz="2800" b="1" i="0" u="none" strike="noStrike" cap="none">
+                <a:solidFill>
+                  <a:schemeClr val="dk1"/>
+                </a:solidFill>
+                <a:latin typeface="Montserrat"/>
+                <a:ea typeface="Montserrat"/>
+                <a:cs typeface="Montserrat"/>
+                <a:sym typeface="Montserrat"/>
+              </a:defRPr>
+            </a:lvl8pPr>
+            <a:lvl9pPr marR="0" lvl="8" algn="l" rtl="0">
+              <a:lnSpc>
+                <a:spcPct val="100000"/>
+              </a:lnSpc>
+              <a:spcBef>
+                <a:spcPts val="0"/>
+              </a:spcBef>
+              <a:spcAft>
+                <a:spcPts val="0"/>
+              </a:spcAft>
+              <a:buClr>
+                <a:schemeClr val="dk1"/>
+              </a:buClr>
+              <a:buSzPts val="2800"/>
+              <a:buFont typeface="Montserrat"/>
+              <a:buNone/>
+              <a:defRPr sz="2800" b="1" i="0" u="none" strike="noStrike" cap="none">
+                <a:solidFill>
+                  <a:schemeClr val="dk1"/>
+                </a:solidFill>
+                <a:latin typeface="Montserrat"/>
+                <a:ea typeface="Montserrat"/>
+                <a:cs typeface="Montserrat"/>
+                <a:sym typeface="Montserrat"/>
+              </a:defRPr>
+            </a:lvl9pPr>
+          </a:lstStyle>
+          <a:p>
+            <a:pPr rtl="1"/>
+            <a:r>
+              <a:rPr lang="ar-SY" sz="3000" dirty="0">
+                <a:latin typeface="Dubai" panose="020B0503030403030204" pitchFamily="34" charset="-78"/>
+                <a:cs typeface="Dubai" panose="020B0503030403030204" pitchFamily="34" charset="-78"/>
+              </a:rPr>
+              <a:t>النظام البرمجي (خدمة تخزين الموارد)</a:t>
+            </a:r>
+            <a:br>
+              <a:rPr lang="ar-SY" sz="2000" dirty="0">
+                <a:latin typeface="Dubai" panose="020B0503030403030204" pitchFamily="34" charset="-78"/>
+                <a:cs typeface="Dubai" panose="020B0503030403030204" pitchFamily="34" charset="-78"/>
+              </a:rPr>
+            </a:br>
+            <a:endParaRPr lang="ar-SY" sz="2000" b="0" dirty="0">
+              <a:latin typeface="Dubai" panose="020B0503030403030204" pitchFamily="34" charset="-78"/>
+              <a:cs typeface="Dubai" panose="020B0503030403030204" pitchFamily="34" charset="-78"/>
+            </a:endParaRPr>
+          </a:p>
+        </p:txBody>
+      </p:sp>
+      <p:sp>
+        <p:nvSpPr>
+          <p:cNvPr id="2" name="TextBox 1">
+            <a:extLst>
+              <a:ext uri="{FF2B5EF4-FFF2-40B4-BE49-F238E27FC236}">
+                <a16:creationId xmlns:a16="http://schemas.microsoft.com/office/drawing/2014/main" id="{C988C231-A1D4-BFD9-C65D-9189FD233FD8}"/>
+              </a:ext>
+            </a:extLst>
+          </p:cNvPr>
+          <p:cNvSpPr txBox="1"/>
+          <p:nvPr/>
+        </p:nvSpPr>
+        <p:spPr>
+          <a:xfrm>
+            <a:off x="8425999" y="4848605"/>
+            <a:ext cx="718001" cy="307777"/>
+          </a:xfrm>
+          <a:prstGeom prst="rect">
+            <a:avLst/>
+          </a:prstGeom>
+          <a:noFill/>
+        </p:spPr>
+        <p:txBody>
+          <a:bodyPr wrap="square" rtlCol="0">
+            <a:spAutoFit/>
+          </a:bodyPr>
+          <a:lstStyle/>
+          <a:p>
+            <a:r>
+              <a:rPr lang="en-US" b="1" dirty="0"/>
+              <a:t>38/41</a:t>
+            </a:r>
+          </a:p>
+        </p:txBody>
+      </p:sp>
+      <p:pic>
+        <p:nvPicPr>
+          <p:cNvPr id="4098" name="Picture 2">
+            <a:extLst>
+              <a:ext uri="{FF2B5EF4-FFF2-40B4-BE49-F238E27FC236}">
+                <a16:creationId xmlns:a16="http://schemas.microsoft.com/office/drawing/2014/main" id="{E8AC1D34-996E-0838-6CA8-8E389A335660}"/>
+              </a:ext>
+            </a:extLst>
+          </p:cNvPr>
+          <p:cNvPicPr>
+            <a:picLocks noChangeAspect="1" noChangeArrowheads="1"/>
+          </p:cNvPicPr>
+          <p:nvPr/>
+        </p:nvPicPr>
+        <p:blipFill>
+          <a:blip r:embed="rId3">
+            <a:extLst>
+              <a:ext uri="{28A0092B-C50C-407E-A947-70E740481C1C}">
+                <a14:useLocalDpi xmlns:a14="http://schemas.microsoft.com/office/drawing/2010/main" val="0"/>
+              </a:ext>
+            </a:extLst>
+          </a:blip>
+          <a:srcRect/>
+          <a:stretch>
+            <a:fillRect/>
+          </a:stretch>
+        </p:blipFill>
+        <p:spPr bwMode="auto">
+          <a:xfrm>
+            <a:off x="1015093" y="1114425"/>
+            <a:ext cx="1744435" cy="3364268"/>
+          </a:xfrm>
+          <a:prstGeom prst="rect">
+            <a:avLst/>
+          </a:prstGeom>
+          <a:noFill/>
+          <a:extLst>
+            <a:ext uri="{909E8E84-426E-40DD-AFC4-6F175D3DCCD1}">
+              <a14:hiddenFill xmlns:a14="http://schemas.microsoft.com/office/drawing/2010/main">
+                <a:solidFill>
+                  <a:srgbClr val="FFFFFF"/>
+                </a:solidFill>
+              </a14:hiddenFill>
+            </a:ext>
+          </a:extLst>
+        </p:spPr>
+      </p:pic>
+    </p:spTree>
+    <p:extLst>
+      <p:ext uri="{BB962C8B-B14F-4D97-AF65-F5344CB8AC3E}">
+        <p14:creationId xmlns:p14="http://schemas.microsoft.com/office/powerpoint/2010/main" val="847990926"/>
+      </p:ext>
+    </p:extLst>
+  </p:cSld>
+  <p:clrMapOvr>
+    <a:masterClrMapping/>
+  </p:clrMapOvr>
+</p:sld>
+</file>
+
+<file path=ppt/slides/slide22.xml><?xml version="1.0" encoding="utf-8"?>
+<p:sld xmlns:a="http://schemas.openxmlformats.org/drawingml/2006/main" xmlns:r="http://schemas.openxmlformats.org/officeDocument/2006/relationships" xmlns:p="http://schemas.openxmlformats.org/presentationml/2006/main">
+  <p:cSld>
+    <p:spTree>
+      <p:nvGrpSpPr>
+        <p:cNvPr id="1" name="Shape 234"/>
+        <p:cNvGrpSpPr/>
+        <p:nvPr/>
+      </p:nvGrpSpPr>
+      <p:grpSpPr>
+        <a:xfrm>
+          <a:off x="0" y="0"/>
+          <a:ext cx="0" cy="0"/>
+          <a:chOff x="0" y="0"/>
+          <a:chExt cx="0" cy="0"/>
+        </a:xfrm>
+      </p:grpSpPr>
+      <p:sp>
+        <p:nvSpPr>
+          <p:cNvPr id="6" name="Google Shape;197;p32">
+            <a:extLst>
+              <a:ext uri="{FF2B5EF4-FFF2-40B4-BE49-F238E27FC236}">
+                <a16:creationId xmlns:a16="http://schemas.microsoft.com/office/drawing/2014/main" id="{0CAEC0CC-D7D5-10D2-63F6-C6968FBED233}"/>
+              </a:ext>
+            </a:extLst>
+          </p:cNvPr>
+          <p:cNvSpPr txBox="1">
+            <a:spLocks/>
+          </p:cNvSpPr>
+          <p:nvPr/>
+        </p:nvSpPr>
+        <p:spPr>
+          <a:xfrm>
+            <a:off x="717799" y="383175"/>
+            <a:ext cx="7708200" cy="572700"/>
+          </a:xfrm>
+          <a:prstGeom prst="rect">
+            <a:avLst/>
+          </a:prstGeom>
+          <a:noFill/>
+          <a:ln>
+            <a:noFill/>
+          </a:ln>
+        </p:spPr>
+        <p:txBody>
+          <a:bodyPr spcFirstLastPara="1" wrap="square" lIns="91425" tIns="91425" rIns="91425" bIns="91425" anchor="t" anchorCtr="0">
+            <a:noAutofit/>
+          </a:bodyPr>
+          <a:lstStyle>
+            <a:defPPr marR="0" lvl="0" algn="l" rtl="0">
+              <a:lnSpc>
+                <a:spcPct val="100000"/>
+              </a:lnSpc>
+              <a:spcBef>
+                <a:spcPts val="0"/>
+              </a:spcBef>
+              <a:spcAft>
+                <a:spcPts val="0"/>
+              </a:spcAft>
+            </a:defPPr>
+            <a:lvl1pPr marR="0" lvl="0" algn="ctr" rtl="0">
+              <a:lnSpc>
+                <a:spcPct val="100000"/>
+              </a:lnSpc>
+              <a:spcBef>
+                <a:spcPts val="0"/>
+              </a:spcBef>
+              <a:spcAft>
+                <a:spcPts val="0"/>
+              </a:spcAft>
+              <a:buClr>
+                <a:schemeClr val="dk1"/>
+              </a:buClr>
+              <a:buSzPts val="2800"/>
+              <a:buFont typeface="Montserrat"/>
+              <a:buNone/>
+              <a:defRPr sz="2800" b="1" i="0" u="none" strike="noStrike" cap="none">
+                <a:solidFill>
+                  <a:schemeClr val="accent1"/>
+                </a:solidFill>
+                <a:latin typeface="Montserrat"/>
+                <a:ea typeface="Montserrat"/>
+                <a:cs typeface="Montserrat"/>
+                <a:sym typeface="Montserrat"/>
+              </a:defRPr>
+            </a:lvl1pPr>
+            <a:lvl2pPr marR="0" lvl="1" algn="l" rtl="0">
+              <a:lnSpc>
+                <a:spcPct val="100000"/>
+              </a:lnSpc>
+              <a:spcBef>
+                <a:spcPts val="0"/>
+              </a:spcBef>
+              <a:spcAft>
+                <a:spcPts val="0"/>
+              </a:spcAft>
+              <a:buClr>
+                <a:schemeClr val="dk1"/>
+              </a:buClr>
+              <a:buSzPts val="2800"/>
+              <a:buFont typeface="Montserrat"/>
+              <a:buNone/>
+              <a:defRPr sz="2800" b="1" i="0" u="none" strike="noStrike" cap="none">
+                <a:solidFill>
+                  <a:schemeClr val="dk1"/>
+                </a:solidFill>
+                <a:latin typeface="Montserrat"/>
+                <a:ea typeface="Montserrat"/>
+                <a:cs typeface="Montserrat"/>
+                <a:sym typeface="Montserrat"/>
+              </a:defRPr>
+            </a:lvl2pPr>
+            <a:lvl3pPr marR="0" lvl="2" algn="l" rtl="0">
+              <a:lnSpc>
+                <a:spcPct val="100000"/>
+              </a:lnSpc>
+              <a:spcBef>
+                <a:spcPts val="0"/>
+              </a:spcBef>
+              <a:spcAft>
+                <a:spcPts val="0"/>
+              </a:spcAft>
+              <a:buClr>
+                <a:schemeClr val="dk1"/>
+              </a:buClr>
+              <a:buSzPts val="2800"/>
+              <a:buFont typeface="Montserrat"/>
+              <a:buNone/>
+              <a:defRPr sz="2800" b="1" i="0" u="none" strike="noStrike" cap="none">
+                <a:solidFill>
+                  <a:schemeClr val="dk1"/>
+                </a:solidFill>
+                <a:latin typeface="Montserrat"/>
+                <a:ea typeface="Montserrat"/>
+                <a:cs typeface="Montserrat"/>
+                <a:sym typeface="Montserrat"/>
+              </a:defRPr>
+            </a:lvl3pPr>
+            <a:lvl4pPr marR="0" lvl="3" algn="l" rtl="0">
+              <a:lnSpc>
+                <a:spcPct val="100000"/>
+              </a:lnSpc>
+              <a:spcBef>
+                <a:spcPts val="0"/>
+              </a:spcBef>
+              <a:spcAft>
+                <a:spcPts val="0"/>
+              </a:spcAft>
+              <a:buClr>
+                <a:schemeClr val="dk1"/>
+              </a:buClr>
+              <a:buSzPts val="2800"/>
+              <a:buFont typeface="Montserrat"/>
+              <a:buNone/>
+              <a:defRPr sz="2800" b="1" i="0" u="none" strike="noStrike" cap="none">
+                <a:solidFill>
+                  <a:schemeClr val="dk1"/>
+                </a:solidFill>
+                <a:latin typeface="Montserrat"/>
+                <a:ea typeface="Montserrat"/>
+                <a:cs typeface="Montserrat"/>
+                <a:sym typeface="Montserrat"/>
+              </a:defRPr>
+            </a:lvl4pPr>
+            <a:lvl5pPr marR="0" lvl="4" algn="l" rtl="0">
+              <a:lnSpc>
+                <a:spcPct val="100000"/>
+              </a:lnSpc>
+              <a:spcBef>
+                <a:spcPts val="0"/>
+              </a:spcBef>
+              <a:spcAft>
+                <a:spcPts val="0"/>
+              </a:spcAft>
+              <a:buClr>
+                <a:schemeClr val="dk1"/>
+              </a:buClr>
+              <a:buSzPts val="2800"/>
+              <a:buFont typeface="Montserrat"/>
+              <a:buNone/>
+              <a:defRPr sz="2800" b="1" i="0" u="none" strike="noStrike" cap="none">
+                <a:solidFill>
+                  <a:schemeClr val="dk1"/>
+                </a:solidFill>
+                <a:latin typeface="Montserrat"/>
+                <a:ea typeface="Montserrat"/>
+                <a:cs typeface="Montserrat"/>
+                <a:sym typeface="Montserrat"/>
+              </a:defRPr>
+            </a:lvl5pPr>
+            <a:lvl6pPr marR="0" lvl="5" algn="l" rtl="0">
+              <a:lnSpc>
+                <a:spcPct val="100000"/>
+              </a:lnSpc>
+              <a:spcBef>
+                <a:spcPts val="0"/>
+              </a:spcBef>
+              <a:spcAft>
+                <a:spcPts val="0"/>
+              </a:spcAft>
+              <a:buClr>
+                <a:schemeClr val="dk1"/>
+              </a:buClr>
+              <a:buSzPts val="2800"/>
+              <a:buFont typeface="Montserrat"/>
+              <a:buNone/>
+              <a:defRPr sz="2800" b="1" i="0" u="none" strike="noStrike" cap="none">
+                <a:solidFill>
+                  <a:schemeClr val="dk1"/>
+                </a:solidFill>
+                <a:latin typeface="Montserrat"/>
+                <a:ea typeface="Montserrat"/>
+                <a:cs typeface="Montserrat"/>
+                <a:sym typeface="Montserrat"/>
+              </a:defRPr>
+            </a:lvl6pPr>
+            <a:lvl7pPr marR="0" lvl="6" algn="l" rtl="0">
+              <a:lnSpc>
+                <a:spcPct val="100000"/>
+              </a:lnSpc>
+              <a:spcBef>
+                <a:spcPts val="0"/>
+              </a:spcBef>
+              <a:spcAft>
+                <a:spcPts val="0"/>
+              </a:spcAft>
+              <a:buClr>
+                <a:schemeClr val="dk1"/>
+              </a:buClr>
+              <a:buSzPts val="2800"/>
+              <a:buFont typeface="Montserrat"/>
+              <a:buNone/>
+              <a:defRPr sz="2800" b="1" i="0" u="none" strike="noStrike" cap="none">
+                <a:solidFill>
+                  <a:schemeClr val="dk1"/>
+                </a:solidFill>
+                <a:latin typeface="Montserrat"/>
+                <a:ea typeface="Montserrat"/>
+                <a:cs typeface="Montserrat"/>
+                <a:sym typeface="Montserrat"/>
+              </a:defRPr>
+            </a:lvl7pPr>
+            <a:lvl8pPr marR="0" lvl="7" algn="l" rtl="0">
+              <a:lnSpc>
+                <a:spcPct val="100000"/>
+              </a:lnSpc>
+              <a:spcBef>
+                <a:spcPts val="0"/>
+              </a:spcBef>
+              <a:spcAft>
+                <a:spcPts val="0"/>
+              </a:spcAft>
+              <a:buClr>
+                <a:schemeClr val="dk1"/>
+              </a:buClr>
+              <a:buSzPts val="2800"/>
+              <a:buFont typeface="Montserrat"/>
+              <a:buNone/>
+              <a:defRPr sz="2800" b="1" i="0" u="none" strike="noStrike" cap="none">
+                <a:solidFill>
+                  <a:schemeClr val="dk1"/>
+                </a:solidFill>
+                <a:latin typeface="Montserrat"/>
+                <a:ea typeface="Montserrat"/>
+                <a:cs typeface="Montserrat"/>
+                <a:sym typeface="Montserrat"/>
+              </a:defRPr>
+            </a:lvl8pPr>
+            <a:lvl9pPr marR="0" lvl="8" algn="l" rtl="0">
+              <a:lnSpc>
+                <a:spcPct val="100000"/>
+              </a:lnSpc>
+              <a:spcBef>
+                <a:spcPts val="0"/>
+              </a:spcBef>
+              <a:spcAft>
+                <a:spcPts val="0"/>
+              </a:spcAft>
+              <a:buClr>
+                <a:schemeClr val="dk1"/>
+              </a:buClr>
+              <a:buSzPts val="2800"/>
+              <a:buFont typeface="Montserrat"/>
+              <a:buNone/>
+              <a:defRPr sz="2800" b="1" i="0" u="none" strike="noStrike" cap="none">
+                <a:solidFill>
+                  <a:schemeClr val="dk1"/>
+                </a:solidFill>
+                <a:latin typeface="Montserrat"/>
+                <a:ea typeface="Montserrat"/>
+                <a:cs typeface="Montserrat"/>
+                <a:sym typeface="Montserrat"/>
+              </a:defRPr>
+            </a:lvl9pPr>
+          </a:lstStyle>
+          <a:p>
+            <a:pPr rtl="1"/>
+            <a:r>
+              <a:rPr lang="ar-SY" sz="3000" dirty="0">
+                <a:latin typeface="Dubai" panose="020B0503030403030204" pitchFamily="34" charset="-78"/>
+                <a:cs typeface="Dubai" panose="020B0503030403030204" pitchFamily="34" charset="-78"/>
+              </a:rPr>
+              <a:t>النظام البرمجي </a:t>
+            </a:r>
+            <a:r>
+              <a:rPr lang="en-US" sz="3000" dirty="0">
+                <a:latin typeface="Dubai" panose="020B0503030403030204" pitchFamily="34" charset="-78"/>
+                <a:cs typeface="Dubai" panose="020B0503030403030204" pitchFamily="34" charset="-78"/>
+              </a:rPr>
+              <a:t>(Front-end)</a:t>
+            </a:r>
+            <a:br>
+              <a:rPr lang="ar-SY" sz="2000" dirty="0">
+                <a:latin typeface="Dubai" panose="020B0503030403030204" pitchFamily="34" charset="-78"/>
+                <a:cs typeface="Dubai" panose="020B0503030403030204" pitchFamily="34" charset="-78"/>
+              </a:rPr>
+            </a:br>
+            <a:endParaRPr lang="ar-SY" sz="2000" b="0" dirty="0">
+              <a:latin typeface="Dubai" panose="020B0503030403030204" pitchFamily="34" charset="-78"/>
+              <a:cs typeface="Dubai" panose="020B0503030403030204" pitchFamily="34" charset="-78"/>
+            </a:endParaRPr>
+          </a:p>
+        </p:txBody>
+      </p:sp>
+      <p:sp>
+        <p:nvSpPr>
+          <p:cNvPr id="2" name="TextBox 1">
+            <a:extLst>
+              <a:ext uri="{FF2B5EF4-FFF2-40B4-BE49-F238E27FC236}">
+                <a16:creationId xmlns:a16="http://schemas.microsoft.com/office/drawing/2014/main" id="{C988C231-A1D4-BFD9-C65D-9189FD233FD8}"/>
+              </a:ext>
+            </a:extLst>
+          </p:cNvPr>
+          <p:cNvSpPr txBox="1"/>
+          <p:nvPr/>
+        </p:nvSpPr>
+        <p:spPr>
+          <a:xfrm>
+            <a:off x="8425999" y="4848605"/>
+            <a:ext cx="718001" cy="307777"/>
+          </a:xfrm>
+          <a:prstGeom prst="rect">
+            <a:avLst/>
+          </a:prstGeom>
+          <a:noFill/>
+        </p:spPr>
+        <p:txBody>
+          <a:bodyPr wrap="square" rtlCol="0">
+            <a:spAutoFit/>
+          </a:bodyPr>
+          <a:lstStyle/>
+          <a:p>
+            <a:r>
+              <a:rPr lang="en-US" b="1" dirty="0"/>
+              <a:t>38/41</a:t>
+            </a:r>
+          </a:p>
+        </p:txBody>
+      </p:sp>
+      <p:pic>
+        <p:nvPicPr>
+          <p:cNvPr id="2050" name="Picture 2">
+            <a:extLst>
+              <a:ext uri="{FF2B5EF4-FFF2-40B4-BE49-F238E27FC236}">
+                <a16:creationId xmlns:a16="http://schemas.microsoft.com/office/drawing/2014/main" id="{CA603564-889D-CA57-15B2-12CA20F2EE02}"/>
+              </a:ext>
+            </a:extLst>
+          </p:cNvPr>
+          <p:cNvPicPr>
+            <a:picLocks noChangeAspect="1" noChangeArrowheads="1"/>
+          </p:cNvPicPr>
+          <p:nvPr/>
+        </p:nvPicPr>
+        <p:blipFill>
+          <a:blip r:embed="rId3">
+            <a:extLst>
+              <a:ext uri="{28A0092B-C50C-407E-A947-70E740481C1C}">
+                <a14:useLocalDpi xmlns:a14="http://schemas.microsoft.com/office/drawing/2010/main" val="0"/>
+              </a:ext>
+            </a:extLst>
+          </a:blip>
+          <a:srcRect/>
+          <a:stretch>
+            <a:fillRect/>
+          </a:stretch>
+        </p:blipFill>
+        <p:spPr bwMode="auto">
+          <a:xfrm>
+            <a:off x="2442482" y="1098097"/>
+            <a:ext cx="3981450" cy="3486150"/>
+          </a:xfrm>
+          <a:prstGeom prst="rect">
+            <a:avLst/>
+          </a:prstGeom>
+          <a:noFill/>
+          <a:extLst>
+            <a:ext uri="{909E8E84-426E-40DD-AFC4-6F175D3DCCD1}">
+              <a14:hiddenFill xmlns:a14="http://schemas.microsoft.com/office/drawing/2010/main">
+                <a:solidFill>
+                  <a:srgbClr val="FFFFFF"/>
+                </a:solidFill>
+              </a14:hiddenFill>
+            </a:ext>
+          </a:extLst>
+        </p:spPr>
+      </p:pic>
+    </p:spTree>
+    <p:extLst>
+      <p:ext uri="{BB962C8B-B14F-4D97-AF65-F5344CB8AC3E}">
+        <p14:creationId xmlns:p14="http://schemas.microsoft.com/office/powerpoint/2010/main" val="1136237297"/>
+      </p:ext>
+    </p:extLst>
+  </p:cSld>
+  <p:clrMapOvr>
+    <a:masterClrMapping/>
+  </p:clrMapOvr>
+</p:sld>
+</file>
+
+<file path=ppt/slides/slide23.xml><?xml version="1.0" encoding="utf-8"?>
+<p:sld xmlns:a="http://schemas.openxmlformats.org/drawingml/2006/main" xmlns:r="http://schemas.openxmlformats.org/officeDocument/2006/relationships" xmlns:p="http://schemas.openxmlformats.org/presentationml/2006/main">
+  <p:cSld>
+    <p:spTree>
+      <p:nvGrpSpPr>
+        <p:cNvPr id="1" name="Shape 234"/>
+        <p:cNvGrpSpPr/>
+        <p:nvPr/>
+      </p:nvGrpSpPr>
+      <p:grpSpPr>
+        <a:xfrm>
+          <a:off x="0" y="0"/>
+          <a:ext cx="0" cy="0"/>
+          <a:chOff x="0" y="0"/>
+          <a:chExt cx="0" cy="0"/>
+        </a:xfrm>
+      </p:grpSpPr>
+      <p:sp>
+        <p:nvSpPr>
+          <p:cNvPr id="6" name="Google Shape;197;p32">
+            <a:extLst>
+              <a:ext uri="{FF2B5EF4-FFF2-40B4-BE49-F238E27FC236}">
+                <a16:creationId xmlns:a16="http://schemas.microsoft.com/office/drawing/2014/main" id="{0CAEC0CC-D7D5-10D2-63F6-C6968FBED233}"/>
+              </a:ext>
+            </a:extLst>
+          </p:cNvPr>
+          <p:cNvSpPr txBox="1">
+            <a:spLocks/>
+          </p:cNvSpPr>
+          <p:nvPr/>
+        </p:nvSpPr>
+        <p:spPr>
+          <a:xfrm>
+            <a:off x="717799" y="383175"/>
+            <a:ext cx="7708200" cy="572700"/>
+          </a:xfrm>
+          <a:prstGeom prst="rect">
+            <a:avLst/>
+          </a:prstGeom>
+          <a:noFill/>
+          <a:ln>
+            <a:noFill/>
+          </a:ln>
+        </p:spPr>
+        <p:txBody>
+          <a:bodyPr spcFirstLastPara="1" wrap="square" lIns="91425" tIns="91425" rIns="91425" bIns="91425" anchor="t" anchorCtr="0">
+            <a:noAutofit/>
+          </a:bodyPr>
+          <a:lstStyle>
+            <a:defPPr marR="0" lvl="0" algn="l" rtl="0">
+              <a:lnSpc>
+                <a:spcPct val="100000"/>
+              </a:lnSpc>
+              <a:spcBef>
+                <a:spcPts val="0"/>
+              </a:spcBef>
+              <a:spcAft>
+                <a:spcPts val="0"/>
+              </a:spcAft>
+            </a:defPPr>
+            <a:lvl1pPr marR="0" lvl="0" algn="ctr" rtl="0">
+              <a:lnSpc>
+                <a:spcPct val="100000"/>
+              </a:lnSpc>
+              <a:spcBef>
+                <a:spcPts val="0"/>
+              </a:spcBef>
+              <a:spcAft>
+                <a:spcPts val="0"/>
+              </a:spcAft>
+              <a:buClr>
+                <a:schemeClr val="dk1"/>
+              </a:buClr>
+              <a:buSzPts val="2800"/>
+              <a:buFont typeface="Montserrat"/>
+              <a:buNone/>
+              <a:defRPr sz="2800" b="1" i="0" u="none" strike="noStrike" cap="none">
+                <a:solidFill>
+                  <a:schemeClr val="accent1"/>
+                </a:solidFill>
+                <a:latin typeface="Montserrat"/>
+                <a:ea typeface="Montserrat"/>
+                <a:cs typeface="Montserrat"/>
+                <a:sym typeface="Montserrat"/>
+              </a:defRPr>
+            </a:lvl1pPr>
+            <a:lvl2pPr marR="0" lvl="1" algn="l" rtl="0">
+              <a:lnSpc>
+                <a:spcPct val="100000"/>
+              </a:lnSpc>
+              <a:spcBef>
+                <a:spcPts val="0"/>
+              </a:spcBef>
+              <a:spcAft>
+                <a:spcPts val="0"/>
+              </a:spcAft>
+              <a:buClr>
+                <a:schemeClr val="dk1"/>
+              </a:buClr>
+              <a:buSzPts val="2800"/>
+              <a:buFont typeface="Montserrat"/>
+              <a:buNone/>
+              <a:defRPr sz="2800" b="1" i="0" u="none" strike="noStrike" cap="none">
+                <a:solidFill>
+                  <a:schemeClr val="dk1"/>
+                </a:solidFill>
+                <a:latin typeface="Montserrat"/>
+                <a:ea typeface="Montserrat"/>
+                <a:cs typeface="Montserrat"/>
+                <a:sym typeface="Montserrat"/>
+              </a:defRPr>
+            </a:lvl2pPr>
+            <a:lvl3pPr marR="0" lvl="2" algn="l" rtl="0">
+              <a:lnSpc>
+                <a:spcPct val="100000"/>
+              </a:lnSpc>
+              <a:spcBef>
+                <a:spcPts val="0"/>
+              </a:spcBef>
+              <a:spcAft>
+                <a:spcPts val="0"/>
+              </a:spcAft>
+              <a:buClr>
+                <a:schemeClr val="dk1"/>
+              </a:buClr>
+              <a:buSzPts val="2800"/>
+              <a:buFont typeface="Montserrat"/>
+              <a:buNone/>
+              <a:defRPr sz="2800" b="1" i="0" u="none" strike="noStrike" cap="none">
+                <a:solidFill>
+                  <a:schemeClr val="dk1"/>
+                </a:solidFill>
+                <a:latin typeface="Montserrat"/>
+                <a:ea typeface="Montserrat"/>
+                <a:cs typeface="Montserrat"/>
+                <a:sym typeface="Montserrat"/>
+              </a:defRPr>
+            </a:lvl3pPr>
+            <a:lvl4pPr marR="0" lvl="3" algn="l" rtl="0">
+              <a:lnSpc>
+                <a:spcPct val="100000"/>
+              </a:lnSpc>
+              <a:spcBef>
+                <a:spcPts val="0"/>
+              </a:spcBef>
+              <a:spcAft>
+                <a:spcPts val="0"/>
+              </a:spcAft>
+              <a:buClr>
+                <a:schemeClr val="dk1"/>
+              </a:buClr>
+              <a:buSzPts val="2800"/>
+              <a:buFont typeface="Montserrat"/>
+              <a:buNone/>
+              <a:defRPr sz="2800" b="1" i="0" u="none" strike="noStrike" cap="none">
+                <a:solidFill>
+                  <a:schemeClr val="dk1"/>
+                </a:solidFill>
+                <a:latin typeface="Montserrat"/>
+                <a:ea typeface="Montserrat"/>
+                <a:cs typeface="Montserrat"/>
+                <a:sym typeface="Montserrat"/>
+              </a:defRPr>
+            </a:lvl4pPr>
+            <a:lvl5pPr marR="0" lvl="4" algn="l" rtl="0">
+              <a:lnSpc>
+                <a:spcPct val="100000"/>
+              </a:lnSpc>
+              <a:spcBef>
+                <a:spcPts val="0"/>
+              </a:spcBef>
+              <a:spcAft>
+                <a:spcPts val="0"/>
+              </a:spcAft>
+              <a:buClr>
+                <a:schemeClr val="dk1"/>
+              </a:buClr>
+              <a:buSzPts val="2800"/>
+              <a:buFont typeface="Montserrat"/>
+              <a:buNone/>
+              <a:defRPr sz="2800" b="1" i="0" u="none" strike="noStrike" cap="none">
+                <a:solidFill>
+                  <a:schemeClr val="dk1"/>
+                </a:solidFill>
+                <a:latin typeface="Montserrat"/>
+                <a:ea typeface="Montserrat"/>
+                <a:cs typeface="Montserrat"/>
+                <a:sym typeface="Montserrat"/>
+              </a:defRPr>
+            </a:lvl5pPr>
+            <a:lvl6pPr marR="0" lvl="5" algn="l" rtl="0">
+              <a:lnSpc>
+                <a:spcPct val="100000"/>
+              </a:lnSpc>
+              <a:spcBef>
+                <a:spcPts val="0"/>
+              </a:spcBef>
+              <a:spcAft>
+                <a:spcPts val="0"/>
+              </a:spcAft>
+              <a:buClr>
+                <a:schemeClr val="dk1"/>
+              </a:buClr>
+              <a:buSzPts val="2800"/>
+              <a:buFont typeface="Montserrat"/>
+              <a:buNone/>
+              <a:defRPr sz="2800" b="1" i="0" u="none" strike="noStrike" cap="none">
+                <a:solidFill>
+                  <a:schemeClr val="dk1"/>
+                </a:solidFill>
+                <a:latin typeface="Montserrat"/>
+                <a:ea typeface="Montserrat"/>
+                <a:cs typeface="Montserrat"/>
+                <a:sym typeface="Montserrat"/>
+              </a:defRPr>
+            </a:lvl6pPr>
+            <a:lvl7pPr marR="0" lvl="6" algn="l" rtl="0">
+              <a:lnSpc>
+                <a:spcPct val="100000"/>
+              </a:lnSpc>
+              <a:spcBef>
+                <a:spcPts val="0"/>
+              </a:spcBef>
+              <a:spcAft>
+                <a:spcPts val="0"/>
+              </a:spcAft>
+              <a:buClr>
+                <a:schemeClr val="dk1"/>
+              </a:buClr>
+              <a:buSzPts val="2800"/>
+              <a:buFont typeface="Montserrat"/>
+              <a:buNone/>
+              <a:defRPr sz="2800" b="1" i="0" u="none" strike="noStrike" cap="none">
+                <a:solidFill>
+                  <a:schemeClr val="dk1"/>
+                </a:solidFill>
+                <a:latin typeface="Montserrat"/>
+                <a:ea typeface="Montserrat"/>
+                <a:cs typeface="Montserrat"/>
+                <a:sym typeface="Montserrat"/>
+              </a:defRPr>
+            </a:lvl7pPr>
+            <a:lvl8pPr marR="0" lvl="7" algn="l" rtl="0">
+              <a:lnSpc>
+                <a:spcPct val="100000"/>
+              </a:lnSpc>
+              <a:spcBef>
+                <a:spcPts val="0"/>
+              </a:spcBef>
+              <a:spcAft>
+                <a:spcPts val="0"/>
+              </a:spcAft>
+              <a:buClr>
+                <a:schemeClr val="dk1"/>
+              </a:buClr>
+              <a:buSzPts val="2800"/>
+              <a:buFont typeface="Montserrat"/>
+              <a:buNone/>
+              <a:defRPr sz="2800" b="1" i="0" u="none" strike="noStrike" cap="none">
+                <a:solidFill>
+                  <a:schemeClr val="dk1"/>
+                </a:solidFill>
+                <a:latin typeface="Montserrat"/>
+                <a:ea typeface="Montserrat"/>
+                <a:cs typeface="Montserrat"/>
+                <a:sym typeface="Montserrat"/>
+              </a:defRPr>
+            </a:lvl8pPr>
+            <a:lvl9pPr marR="0" lvl="8" algn="l" rtl="0">
+              <a:lnSpc>
+                <a:spcPct val="100000"/>
+              </a:lnSpc>
+              <a:spcBef>
+                <a:spcPts val="0"/>
+              </a:spcBef>
+              <a:spcAft>
+                <a:spcPts val="0"/>
+              </a:spcAft>
+              <a:buClr>
+                <a:schemeClr val="dk1"/>
+              </a:buClr>
+              <a:buSzPts val="2800"/>
+              <a:buFont typeface="Montserrat"/>
+              <a:buNone/>
+              <a:defRPr sz="2800" b="1" i="0" u="none" strike="noStrike" cap="none">
+                <a:solidFill>
+                  <a:schemeClr val="dk1"/>
+                </a:solidFill>
+                <a:latin typeface="Montserrat"/>
+                <a:ea typeface="Montserrat"/>
+                <a:cs typeface="Montserrat"/>
+                <a:sym typeface="Montserrat"/>
+              </a:defRPr>
+            </a:lvl9pPr>
+          </a:lstStyle>
+          <a:p>
+            <a:pPr rtl="1"/>
+            <a:r>
+              <a:rPr lang="ar-SY" sz="3000" dirty="0">
+                <a:latin typeface="Dubai" panose="020B0503030403030204" pitchFamily="34" charset="-78"/>
+                <a:cs typeface="Dubai" panose="020B0503030403030204" pitchFamily="34" charset="-78"/>
+              </a:rPr>
+              <a:t>النظام البرمجي </a:t>
+            </a:r>
+            <a:r>
+              <a:rPr lang="en-US" sz="3000" dirty="0">
+                <a:latin typeface="Dubai" panose="020B0503030403030204" pitchFamily="34" charset="-78"/>
+                <a:cs typeface="Dubai" panose="020B0503030403030204" pitchFamily="34" charset="-78"/>
+              </a:rPr>
+              <a:t>(Front-end)</a:t>
+            </a:r>
+            <a:br>
+              <a:rPr lang="ar-SY" sz="2000" dirty="0">
+                <a:latin typeface="Dubai" panose="020B0503030403030204" pitchFamily="34" charset="-78"/>
+                <a:cs typeface="Dubai" panose="020B0503030403030204" pitchFamily="34" charset="-78"/>
+              </a:rPr>
+            </a:br>
+            <a:endParaRPr lang="ar-SY" sz="2000" b="0" dirty="0">
+              <a:latin typeface="Dubai" panose="020B0503030403030204" pitchFamily="34" charset="-78"/>
+              <a:cs typeface="Dubai" panose="020B0503030403030204" pitchFamily="34" charset="-78"/>
+            </a:endParaRPr>
+          </a:p>
+        </p:txBody>
+      </p:sp>
+      <p:sp>
+        <p:nvSpPr>
+          <p:cNvPr id="2" name="TextBox 1">
+            <a:extLst>
+              <a:ext uri="{FF2B5EF4-FFF2-40B4-BE49-F238E27FC236}">
+                <a16:creationId xmlns:a16="http://schemas.microsoft.com/office/drawing/2014/main" id="{C988C231-A1D4-BFD9-C65D-9189FD233FD8}"/>
+              </a:ext>
+            </a:extLst>
+          </p:cNvPr>
+          <p:cNvSpPr txBox="1"/>
+          <p:nvPr/>
+        </p:nvSpPr>
+        <p:spPr>
+          <a:xfrm>
+            <a:off x="8425999" y="4848605"/>
+            <a:ext cx="718001" cy="307777"/>
+          </a:xfrm>
+          <a:prstGeom prst="rect">
+            <a:avLst/>
+          </a:prstGeom>
+          <a:noFill/>
+        </p:spPr>
+        <p:txBody>
+          <a:bodyPr wrap="square" rtlCol="0">
+            <a:spAutoFit/>
+          </a:bodyPr>
+          <a:lstStyle/>
+          <a:p>
+            <a:r>
+              <a:rPr lang="en-US" b="1" dirty="0"/>
+              <a:t>38/41</a:t>
+            </a:r>
+          </a:p>
+        </p:txBody>
+      </p:sp>
+      <p:pic>
+        <p:nvPicPr>
+          <p:cNvPr id="2050" name="Picture 2">
+            <a:extLst>
+              <a:ext uri="{FF2B5EF4-FFF2-40B4-BE49-F238E27FC236}">
+                <a16:creationId xmlns:a16="http://schemas.microsoft.com/office/drawing/2014/main" id="{CA603564-889D-CA57-15B2-12CA20F2EE02}"/>
+              </a:ext>
+            </a:extLst>
+          </p:cNvPr>
+          <p:cNvPicPr>
+            <a:picLocks noChangeAspect="1" noChangeArrowheads="1"/>
+          </p:cNvPicPr>
+          <p:nvPr/>
+        </p:nvPicPr>
+        <p:blipFill>
+          <a:blip r:embed="rId3">
+            <a:extLst>
+              <a:ext uri="{28A0092B-C50C-407E-A947-70E740481C1C}">
+                <a14:useLocalDpi xmlns:a14="http://schemas.microsoft.com/office/drawing/2010/main" val="0"/>
+              </a:ext>
+            </a:extLst>
+          </a:blip>
+          <a:srcRect/>
+          <a:stretch>
+            <a:fillRect/>
+          </a:stretch>
+        </p:blipFill>
+        <p:spPr bwMode="auto">
+          <a:xfrm>
+            <a:off x="2442482" y="1098097"/>
+            <a:ext cx="3981450" cy="3486150"/>
+          </a:xfrm>
+          <a:prstGeom prst="rect">
+            <a:avLst/>
+          </a:prstGeom>
+          <a:noFill/>
+          <a:extLst>
+            <a:ext uri="{909E8E84-426E-40DD-AFC4-6F175D3DCCD1}">
+              <a14:hiddenFill xmlns:a14="http://schemas.microsoft.com/office/drawing/2010/main">
+                <a:solidFill>
+                  <a:srgbClr val="FFFFFF"/>
+                </a:solidFill>
+              </a14:hiddenFill>
+            </a:ext>
+          </a:extLst>
+        </p:spPr>
+      </p:pic>
+    </p:spTree>
+    <p:extLst>
+      <p:ext uri="{BB962C8B-B14F-4D97-AF65-F5344CB8AC3E}">
+        <p14:creationId xmlns:p14="http://schemas.microsoft.com/office/powerpoint/2010/main" val="3559573692"/>
+      </p:ext>
+    </p:extLst>
+  </p:cSld>
+  <p:clrMapOvr>
+    <a:masterClrMapping/>
+  </p:clrMapOvr>
+</p:sld>
+</file>
+
+<file path=ppt/slides/slide24.xml><?xml version="1.0" encoding="utf-8"?>
+<p:sld xmlns:a="http://schemas.openxmlformats.org/drawingml/2006/main" xmlns:r="http://schemas.openxmlformats.org/officeDocument/2006/relationships" xmlns:p="http://schemas.openxmlformats.org/presentationml/2006/main">
+  <p:cSld>
+    <p:spTree>
+      <p:nvGrpSpPr>
+        <p:cNvPr id="1" name="Shape 234"/>
+        <p:cNvGrpSpPr/>
+        <p:nvPr/>
+      </p:nvGrpSpPr>
+      <p:grpSpPr>
+        <a:xfrm>
+          <a:off x="0" y="0"/>
+          <a:ext cx="0" cy="0"/>
+          <a:chOff x="0" y="0"/>
+          <a:chExt cx="0" cy="0"/>
+        </a:xfrm>
+      </p:grpSpPr>
+      <p:sp>
+        <p:nvSpPr>
+          <p:cNvPr id="6" name="Google Shape;197;p32">
+            <a:extLst>
+              <a:ext uri="{FF2B5EF4-FFF2-40B4-BE49-F238E27FC236}">
+                <a16:creationId xmlns:a16="http://schemas.microsoft.com/office/drawing/2014/main" id="{0CAEC0CC-D7D5-10D2-63F6-C6968FBED233}"/>
+              </a:ext>
+            </a:extLst>
+          </p:cNvPr>
+          <p:cNvSpPr txBox="1">
+            <a:spLocks/>
+          </p:cNvSpPr>
+          <p:nvPr/>
+        </p:nvSpPr>
+        <p:spPr>
+          <a:xfrm>
+            <a:off x="351064" y="383175"/>
+            <a:ext cx="8074935" cy="572700"/>
+          </a:xfrm>
+          <a:prstGeom prst="rect">
+            <a:avLst/>
+          </a:prstGeom>
+          <a:noFill/>
+          <a:ln>
+            <a:noFill/>
+          </a:ln>
+        </p:spPr>
+        <p:txBody>
+          <a:bodyPr spcFirstLastPara="1" wrap="square" lIns="91425" tIns="91425" rIns="91425" bIns="91425" anchor="t" anchorCtr="0">
+            <a:noAutofit/>
+          </a:bodyPr>
+          <a:lstStyle>
+            <a:defPPr marR="0" lvl="0" algn="l" rtl="0">
+              <a:lnSpc>
+                <a:spcPct val="100000"/>
+              </a:lnSpc>
+              <a:spcBef>
+                <a:spcPts val="0"/>
+              </a:spcBef>
+              <a:spcAft>
+                <a:spcPts val="0"/>
+              </a:spcAft>
+            </a:defPPr>
+            <a:lvl1pPr marR="0" lvl="0" algn="ctr" rtl="0">
+              <a:lnSpc>
+                <a:spcPct val="100000"/>
+              </a:lnSpc>
+              <a:spcBef>
+                <a:spcPts val="0"/>
+              </a:spcBef>
+              <a:spcAft>
+                <a:spcPts val="0"/>
+              </a:spcAft>
+              <a:buClr>
+                <a:schemeClr val="dk1"/>
+              </a:buClr>
+              <a:buSzPts val="2800"/>
+              <a:buFont typeface="Montserrat"/>
+              <a:buNone/>
+              <a:defRPr sz="2800" b="1" i="0" u="none" strike="noStrike" cap="none">
+                <a:solidFill>
+                  <a:schemeClr val="accent1"/>
+                </a:solidFill>
+                <a:latin typeface="Montserrat"/>
+                <a:ea typeface="Montserrat"/>
+                <a:cs typeface="Montserrat"/>
+                <a:sym typeface="Montserrat"/>
+              </a:defRPr>
+            </a:lvl1pPr>
+            <a:lvl2pPr marR="0" lvl="1" algn="l" rtl="0">
+              <a:lnSpc>
+                <a:spcPct val="100000"/>
+              </a:lnSpc>
+              <a:spcBef>
+                <a:spcPts val="0"/>
+              </a:spcBef>
+              <a:spcAft>
+                <a:spcPts val="0"/>
+              </a:spcAft>
+              <a:buClr>
+                <a:schemeClr val="dk1"/>
+              </a:buClr>
+              <a:buSzPts val="2800"/>
+              <a:buFont typeface="Montserrat"/>
+              <a:buNone/>
+              <a:defRPr sz="2800" b="1" i="0" u="none" strike="noStrike" cap="none">
+                <a:solidFill>
+                  <a:schemeClr val="dk1"/>
+                </a:solidFill>
+                <a:latin typeface="Montserrat"/>
+                <a:ea typeface="Montserrat"/>
+                <a:cs typeface="Montserrat"/>
+                <a:sym typeface="Montserrat"/>
+              </a:defRPr>
+            </a:lvl2pPr>
+            <a:lvl3pPr marR="0" lvl="2" algn="l" rtl="0">
+              <a:lnSpc>
+                <a:spcPct val="100000"/>
+              </a:lnSpc>
+              <a:spcBef>
+                <a:spcPts val="0"/>
+              </a:spcBef>
+              <a:spcAft>
+                <a:spcPts val="0"/>
+              </a:spcAft>
+              <a:buClr>
+                <a:schemeClr val="dk1"/>
+              </a:buClr>
+              <a:buSzPts val="2800"/>
+              <a:buFont typeface="Montserrat"/>
+              <a:buNone/>
+              <a:defRPr sz="2800" b="1" i="0" u="none" strike="noStrike" cap="none">
+                <a:solidFill>
+                  <a:schemeClr val="dk1"/>
+                </a:solidFill>
+                <a:latin typeface="Montserrat"/>
+                <a:ea typeface="Montserrat"/>
+                <a:cs typeface="Montserrat"/>
+                <a:sym typeface="Montserrat"/>
+              </a:defRPr>
+            </a:lvl3pPr>
+            <a:lvl4pPr marR="0" lvl="3" algn="l" rtl="0">
+              <a:lnSpc>
+                <a:spcPct val="100000"/>
+              </a:lnSpc>
+              <a:spcBef>
+                <a:spcPts val="0"/>
+              </a:spcBef>
+              <a:spcAft>
+                <a:spcPts val="0"/>
+              </a:spcAft>
+              <a:buClr>
+                <a:schemeClr val="dk1"/>
+              </a:buClr>
+              <a:buSzPts val="2800"/>
+              <a:buFont typeface="Montserrat"/>
+              <a:buNone/>
+              <a:defRPr sz="2800" b="1" i="0" u="none" strike="noStrike" cap="none">
+                <a:solidFill>
+                  <a:schemeClr val="dk1"/>
+                </a:solidFill>
+                <a:latin typeface="Montserrat"/>
+                <a:ea typeface="Montserrat"/>
+                <a:cs typeface="Montserrat"/>
+                <a:sym typeface="Montserrat"/>
+              </a:defRPr>
+            </a:lvl4pPr>
+            <a:lvl5pPr marR="0" lvl="4" algn="l" rtl="0">
+              <a:lnSpc>
+                <a:spcPct val="100000"/>
+              </a:lnSpc>
+              <a:spcBef>
+                <a:spcPts val="0"/>
+              </a:spcBef>
+              <a:spcAft>
+                <a:spcPts val="0"/>
+              </a:spcAft>
+              <a:buClr>
+                <a:schemeClr val="dk1"/>
+              </a:buClr>
+              <a:buSzPts val="2800"/>
+              <a:buFont typeface="Montserrat"/>
+              <a:buNone/>
+              <a:defRPr sz="2800" b="1" i="0" u="none" strike="noStrike" cap="none">
+                <a:solidFill>
+                  <a:schemeClr val="dk1"/>
+                </a:solidFill>
+                <a:latin typeface="Montserrat"/>
+                <a:ea typeface="Montserrat"/>
+                <a:cs typeface="Montserrat"/>
+                <a:sym typeface="Montserrat"/>
+              </a:defRPr>
+            </a:lvl5pPr>
+            <a:lvl6pPr marR="0" lvl="5" algn="l" rtl="0">
+              <a:lnSpc>
+                <a:spcPct val="100000"/>
+              </a:lnSpc>
+              <a:spcBef>
+                <a:spcPts val="0"/>
+              </a:spcBef>
+              <a:spcAft>
+                <a:spcPts val="0"/>
+              </a:spcAft>
+              <a:buClr>
+                <a:schemeClr val="dk1"/>
+              </a:buClr>
+              <a:buSzPts val="2800"/>
+              <a:buFont typeface="Montserrat"/>
+              <a:buNone/>
+              <a:defRPr sz="2800" b="1" i="0" u="none" strike="noStrike" cap="none">
+                <a:solidFill>
+                  <a:schemeClr val="dk1"/>
+                </a:solidFill>
+                <a:latin typeface="Montserrat"/>
+                <a:ea typeface="Montserrat"/>
+                <a:cs typeface="Montserrat"/>
+                <a:sym typeface="Montserrat"/>
+              </a:defRPr>
+            </a:lvl6pPr>
+            <a:lvl7pPr marR="0" lvl="6" algn="l" rtl="0">
+              <a:lnSpc>
+                <a:spcPct val="100000"/>
+              </a:lnSpc>
+              <a:spcBef>
+                <a:spcPts val="0"/>
+              </a:spcBef>
+              <a:spcAft>
+                <a:spcPts val="0"/>
+              </a:spcAft>
+              <a:buClr>
+                <a:schemeClr val="dk1"/>
+              </a:buClr>
+              <a:buSzPts val="2800"/>
+              <a:buFont typeface="Montserrat"/>
+              <a:buNone/>
+              <a:defRPr sz="2800" b="1" i="0" u="none" strike="noStrike" cap="none">
+                <a:solidFill>
+                  <a:schemeClr val="dk1"/>
+                </a:solidFill>
+                <a:latin typeface="Montserrat"/>
+                <a:ea typeface="Montserrat"/>
+                <a:cs typeface="Montserrat"/>
+                <a:sym typeface="Montserrat"/>
+              </a:defRPr>
+            </a:lvl7pPr>
+            <a:lvl8pPr marR="0" lvl="7" algn="l" rtl="0">
+              <a:lnSpc>
+                <a:spcPct val="100000"/>
+              </a:lnSpc>
+              <a:spcBef>
+                <a:spcPts val="0"/>
+              </a:spcBef>
+              <a:spcAft>
+                <a:spcPts val="0"/>
+              </a:spcAft>
+              <a:buClr>
+                <a:schemeClr val="dk1"/>
+              </a:buClr>
+              <a:buSzPts val="2800"/>
+              <a:buFont typeface="Montserrat"/>
+              <a:buNone/>
+              <a:defRPr sz="2800" b="1" i="0" u="none" strike="noStrike" cap="none">
+                <a:solidFill>
+                  <a:schemeClr val="dk1"/>
+                </a:solidFill>
+                <a:latin typeface="Montserrat"/>
+                <a:ea typeface="Montserrat"/>
+                <a:cs typeface="Montserrat"/>
+                <a:sym typeface="Montserrat"/>
+              </a:defRPr>
+            </a:lvl8pPr>
+            <a:lvl9pPr marR="0" lvl="8" algn="l" rtl="0">
+              <a:lnSpc>
+                <a:spcPct val="100000"/>
+              </a:lnSpc>
+              <a:spcBef>
+                <a:spcPts val="0"/>
+              </a:spcBef>
+              <a:spcAft>
+                <a:spcPts val="0"/>
+              </a:spcAft>
+              <a:buClr>
+                <a:schemeClr val="dk1"/>
+              </a:buClr>
+              <a:buSzPts val="2800"/>
+              <a:buFont typeface="Montserrat"/>
+              <a:buNone/>
+              <a:defRPr sz="2800" b="1" i="0" u="none" strike="noStrike" cap="none">
+                <a:solidFill>
+                  <a:schemeClr val="dk1"/>
+                </a:solidFill>
+                <a:latin typeface="Montserrat"/>
+                <a:ea typeface="Montserrat"/>
+                <a:cs typeface="Montserrat"/>
+                <a:sym typeface="Montserrat"/>
+              </a:defRPr>
+            </a:lvl9pPr>
+          </a:lstStyle>
+          <a:p>
+            <a:pPr rtl="1"/>
+            <a:r>
+              <a:rPr lang="ar-SY" sz="3000" dirty="0">
+                <a:latin typeface="Dubai" panose="020B0503030403030204" pitchFamily="34" charset="-78"/>
+                <a:cs typeface="Dubai" panose="020B0503030403030204" pitchFamily="34" charset="-78"/>
+              </a:rPr>
+              <a:t>أتمتة أعمال اختبار ونشر خدمات النظام</a:t>
+            </a:r>
+            <a:endParaRPr lang="ar-SY" sz="2000" b="0" dirty="0">
+              <a:latin typeface="Dubai" panose="020B0503030403030204" pitchFamily="34" charset="-78"/>
+              <a:cs typeface="Dubai" panose="020B0503030403030204" pitchFamily="34" charset="-78"/>
+            </a:endParaRPr>
+          </a:p>
+        </p:txBody>
+      </p:sp>
+      <p:sp>
+        <p:nvSpPr>
+          <p:cNvPr id="2" name="TextBox 1">
+            <a:extLst>
+              <a:ext uri="{FF2B5EF4-FFF2-40B4-BE49-F238E27FC236}">
+                <a16:creationId xmlns:a16="http://schemas.microsoft.com/office/drawing/2014/main" id="{C988C231-A1D4-BFD9-C65D-9189FD233FD8}"/>
+              </a:ext>
+            </a:extLst>
+          </p:cNvPr>
+          <p:cNvSpPr txBox="1"/>
+          <p:nvPr/>
+        </p:nvSpPr>
+        <p:spPr>
+          <a:xfrm>
+            <a:off x="8425999" y="4848605"/>
+            <a:ext cx="718001" cy="307777"/>
+          </a:xfrm>
+          <a:prstGeom prst="rect">
+            <a:avLst/>
+          </a:prstGeom>
+          <a:noFill/>
+        </p:spPr>
+        <p:txBody>
+          <a:bodyPr wrap="square" rtlCol="0">
+            <a:spAutoFit/>
+          </a:bodyPr>
+          <a:lstStyle/>
+          <a:p>
+            <a:r>
+              <a:rPr lang="en-US" b="1" dirty="0"/>
+              <a:t>38/41</a:t>
+            </a:r>
+          </a:p>
+        </p:txBody>
+      </p:sp>
+      <p:pic>
+        <p:nvPicPr>
+          <p:cNvPr id="9" name="Picture 8">
+            <a:extLst>
+              <a:ext uri="{FF2B5EF4-FFF2-40B4-BE49-F238E27FC236}">
+                <a16:creationId xmlns:a16="http://schemas.microsoft.com/office/drawing/2014/main" id="{CB3B0DDE-5EC2-59B2-4D36-5EFAD083553A}"/>
+              </a:ext>
+            </a:extLst>
+          </p:cNvPr>
+          <p:cNvPicPr>
+            <a:picLocks noChangeAspect="1"/>
+          </p:cNvPicPr>
+          <p:nvPr/>
+        </p:nvPicPr>
+        <p:blipFill rotWithShape="1">
+          <a:blip r:embed="rId3"/>
+          <a:srcRect t="16667" r="1072" b="11587"/>
+          <a:stretch/>
+        </p:blipFill>
+        <p:spPr>
+          <a:xfrm>
+            <a:off x="751114" y="1343539"/>
+            <a:ext cx="7641771" cy="3117401"/>
+          </a:xfrm>
+          <a:prstGeom prst="rect">
+            <a:avLst/>
+          </a:prstGeom>
+        </p:spPr>
+      </p:pic>
+    </p:spTree>
+    <p:extLst>
+      <p:ext uri="{BB962C8B-B14F-4D97-AF65-F5344CB8AC3E}">
+        <p14:creationId xmlns:p14="http://schemas.microsoft.com/office/powerpoint/2010/main" val="2128842038"/>
+      </p:ext>
+    </p:extLst>
+  </p:cSld>
+  <p:clrMapOvr>
+    <a:masterClrMapping/>
+  </p:clrMapOvr>
+</p:sld>
+</file>
+
+<file path=ppt/slides/slide25.xml><?xml version="1.0" encoding="utf-8"?>
+<p:sld xmlns:a="http://schemas.openxmlformats.org/drawingml/2006/main" xmlns:r="http://schemas.openxmlformats.org/officeDocument/2006/relationships" xmlns:p="http://schemas.openxmlformats.org/presentationml/2006/main">
+  <p:cSld>
+    <p:spTree>
+      <p:nvGrpSpPr>
+        <p:cNvPr id="1" name="Shape 234"/>
+        <p:cNvGrpSpPr/>
+        <p:nvPr/>
+      </p:nvGrpSpPr>
+      <p:grpSpPr>
+        <a:xfrm>
+          <a:off x="0" y="0"/>
+          <a:ext cx="0" cy="0"/>
+          <a:chOff x="0" y="0"/>
+          <a:chExt cx="0" cy="0"/>
+        </a:xfrm>
+      </p:grpSpPr>
+      <p:sp>
+        <p:nvSpPr>
+          <p:cNvPr id="6" name="Google Shape;197;p32">
+            <a:extLst>
+              <a:ext uri="{FF2B5EF4-FFF2-40B4-BE49-F238E27FC236}">
+                <a16:creationId xmlns:a16="http://schemas.microsoft.com/office/drawing/2014/main" id="{0CAEC0CC-D7D5-10D2-63F6-C6968FBED233}"/>
+              </a:ext>
+            </a:extLst>
+          </p:cNvPr>
+          <p:cNvSpPr txBox="1">
+            <a:spLocks/>
+          </p:cNvSpPr>
+          <p:nvPr/>
+        </p:nvSpPr>
+        <p:spPr>
+          <a:xfrm>
+            <a:off x="351064" y="383175"/>
+            <a:ext cx="8074935" cy="572700"/>
+          </a:xfrm>
+          <a:prstGeom prst="rect">
+            <a:avLst/>
+          </a:prstGeom>
+          <a:noFill/>
+          <a:ln>
+            <a:noFill/>
+          </a:ln>
+        </p:spPr>
+        <p:txBody>
+          <a:bodyPr spcFirstLastPara="1" wrap="square" lIns="91425" tIns="91425" rIns="91425" bIns="91425" anchor="t" anchorCtr="0">
+            <a:noAutofit/>
+          </a:bodyPr>
+          <a:lstStyle>
+            <a:defPPr marR="0" lvl="0" algn="l" rtl="0">
+              <a:lnSpc>
+                <a:spcPct val="100000"/>
+              </a:lnSpc>
+              <a:spcBef>
+                <a:spcPts val="0"/>
+              </a:spcBef>
+              <a:spcAft>
+                <a:spcPts val="0"/>
+              </a:spcAft>
+            </a:defPPr>
+            <a:lvl1pPr marR="0" lvl="0" algn="ctr" rtl="0">
+              <a:lnSpc>
+                <a:spcPct val="100000"/>
+              </a:lnSpc>
+              <a:spcBef>
+                <a:spcPts val="0"/>
+              </a:spcBef>
+              <a:spcAft>
+                <a:spcPts val="0"/>
+              </a:spcAft>
+              <a:buClr>
+                <a:schemeClr val="dk1"/>
+              </a:buClr>
+              <a:buSzPts val="2800"/>
+              <a:buFont typeface="Montserrat"/>
+              <a:buNone/>
+              <a:defRPr sz="2800" b="1" i="0" u="none" strike="noStrike" cap="none">
+                <a:solidFill>
+                  <a:schemeClr val="accent1"/>
+                </a:solidFill>
+                <a:latin typeface="Montserrat"/>
+                <a:ea typeface="Montserrat"/>
+                <a:cs typeface="Montserrat"/>
+                <a:sym typeface="Montserrat"/>
+              </a:defRPr>
+            </a:lvl1pPr>
+            <a:lvl2pPr marR="0" lvl="1" algn="l" rtl="0">
+              <a:lnSpc>
+                <a:spcPct val="100000"/>
+              </a:lnSpc>
+              <a:spcBef>
+                <a:spcPts val="0"/>
+              </a:spcBef>
+              <a:spcAft>
+                <a:spcPts val="0"/>
+              </a:spcAft>
+              <a:buClr>
+                <a:schemeClr val="dk1"/>
+              </a:buClr>
+              <a:buSzPts val="2800"/>
+              <a:buFont typeface="Montserrat"/>
+              <a:buNone/>
+              <a:defRPr sz="2800" b="1" i="0" u="none" strike="noStrike" cap="none">
+                <a:solidFill>
+                  <a:schemeClr val="dk1"/>
+                </a:solidFill>
+                <a:latin typeface="Montserrat"/>
+                <a:ea typeface="Montserrat"/>
+                <a:cs typeface="Montserrat"/>
+                <a:sym typeface="Montserrat"/>
+              </a:defRPr>
+            </a:lvl2pPr>
+            <a:lvl3pPr marR="0" lvl="2" algn="l" rtl="0">
+              <a:lnSpc>
+                <a:spcPct val="100000"/>
+              </a:lnSpc>
+              <a:spcBef>
+                <a:spcPts val="0"/>
+              </a:spcBef>
+              <a:spcAft>
+                <a:spcPts val="0"/>
+              </a:spcAft>
+              <a:buClr>
+                <a:schemeClr val="dk1"/>
+              </a:buClr>
+              <a:buSzPts val="2800"/>
+              <a:buFont typeface="Montserrat"/>
+              <a:buNone/>
+              <a:defRPr sz="2800" b="1" i="0" u="none" strike="noStrike" cap="none">
+                <a:solidFill>
+                  <a:schemeClr val="dk1"/>
+                </a:solidFill>
+                <a:latin typeface="Montserrat"/>
+                <a:ea typeface="Montserrat"/>
+                <a:cs typeface="Montserrat"/>
+                <a:sym typeface="Montserrat"/>
+              </a:defRPr>
+            </a:lvl3pPr>
+            <a:lvl4pPr marR="0" lvl="3" algn="l" rtl="0">
+              <a:lnSpc>
+                <a:spcPct val="100000"/>
+              </a:lnSpc>
+              <a:spcBef>
+                <a:spcPts val="0"/>
+              </a:spcBef>
+              <a:spcAft>
+                <a:spcPts val="0"/>
+              </a:spcAft>
+              <a:buClr>
+                <a:schemeClr val="dk1"/>
+              </a:buClr>
+              <a:buSzPts val="2800"/>
+              <a:buFont typeface="Montserrat"/>
+              <a:buNone/>
+              <a:defRPr sz="2800" b="1" i="0" u="none" strike="noStrike" cap="none">
+                <a:solidFill>
+                  <a:schemeClr val="dk1"/>
+                </a:solidFill>
+                <a:latin typeface="Montserrat"/>
+                <a:ea typeface="Montserrat"/>
+                <a:cs typeface="Montserrat"/>
+                <a:sym typeface="Montserrat"/>
+              </a:defRPr>
+            </a:lvl4pPr>
+            <a:lvl5pPr marR="0" lvl="4" algn="l" rtl="0">
+              <a:lnSpc>
+                <a:spcPct val="100000"/>
+              </a:lnSpc>
+              <a:spcBef>
+                <a:spcPts val="0"/>
+              </a:spcBef>
+              <a:spcAft>
+                <a:spcPts val="0"/>
+              </a:spcAft>
+              <a:buClr>
+                <a:schemeClr val="dk1"/>
+              </a:buClr>
+              <a:buSzPts val="2800"/>
+              <a:buFont typeface="Montserrat"/>
+              <a:buNone/>
+              <a:defRPr sz="2800" b="1" i="0" u="none" strike="noStrike" cap="none">
+                <a:solidFill>
+                  <a:schemeClr val="dk1"/>
+                </a:solidFill>
+                <a:latin typeface="Montserrat"/>
+                <a:ea typeface="Montserrat"/>
+                <a:cs typeface="Montserrat"/>
+                <a:sym typeface="Montserrat"/>
+              </a:defRPr>
+            </a:lvl5pPr>
+            <a:lvl6pPr marR="0" lvl="5" algn="l" rtl="0">
+              <a:lnSpc>
+                <a:spcPct val="100000"/>
+              </a:lnSpc>
+              <a:spcBef>
+                <a:spcPts val="0"/>
+              </a:spcBef>
+              <a:spcAft>
+                <a:spcPts val="0"/>
+              </a:spcAft>
+              <a:buClr>
+                <a:schemeClr val="dk1"/>
+              </a:buClr>
+              <a:buSzPts val="2800"/>
+              <a:buFont typeface="Montserrat"/>
+              <a:buNone/>
+              <a:defRPr sz="2800" b="1" i="0" u="none" strike="noStrike" cap="none">
+                <a:solidFill>
+                  <a:schemeClr val="dk1"/>
+                </a:solidFill>
+                <a:latin typeface="Montserrat"/>
+                <a:ea typeface="Montserrat"/>
+                <a:cs typeface="Montserrat"/>
+                <a:sym typeface="Montserrat"/>
+              </a:defRPr>
+            </a:lvl6pPr>
+            <a:lvl7pPr marR="0" lvl="6" algn="l" rtl="0">
+              <a:lnSpc>
+                <a:spcPct val="100000"/>
+              </a:lnSpc>
+              <a:spcBef>
+                <a:spcPts val="0"/>
+              </a:spcBef>
+              <a:spcAft>
+                <a:spcPts val="0"/>
+              </a:spcAft>
+              <a:buClr>
+                <a:schemeClr val="dk1"/>
+              </a:buClr>
+              <a:buSzPts val="2800"/>
+              <a:buFont typeface="Montserrat"/>
+              <a:buNone/>
+              <a:defRPr sz="2800" b="1" i="0" u="none" strike="noStrike" cap="none">
+                <a:solidFill>
+                  <a:schemeClr val="dk1"/>
+                </a:solidFill>
+                <a:latin typeface="Montserrat"/>
+                <a:ea typeface="Montserrat"/>
+                <a:cs typeface="Montserrat"/>
+                <a:sym typeface="Montserrat"/>
+              </a:defRPr>
+            </a:lvl7pPr>
+            <a:lvl8pPr marR="0" lvl="7" algn="l" rtl="0">
+              <a:lnSpc>
+                <a:spcPct val="100000"/>
+              </a:lnSpc>
+              <a:spcBef>
+                <a:spcPts val="0"/>
+              </a:spcBef>
+              <a:spcAft>
+                <a:spcPts val="0"/>
+              </a:spcAft>
+              <a:buClr>
+                <a:schemeClr val="dk1"/>
+              </a:buClr>
+              <a:buSzPts val="2800"/>
+              <a:buFont typeface="Montserrat"/>
+              <a:buNone/>
+              <a:defRPr sz="2800" b="1" i="0" u="none" strike="noStrike" cap="none">
+                <a:solidFill>
+                  <a:schemeClr val="dk1"/>
+                </a:solidFill>
+                <a:latin typeface="Montserrat"/>
+                <a:ea typeface="Montserrat"/>
+                <a:cs typeface="Montserrat"/>
+                <a:sym typeface="Montserrat"/>
+              </a:defRPr>
+            </a:lvl8pPr>
+            <a:lvl9pPr marR="0" lvl="8" algn="l" rtl="0">
+              <a:lnSpc>
+                <a:spcPct val="100000"/>
+              </a:lnSpc>
+              <a:spcBef>
+                <a:spcPts val="0"/>
+              </a:spcBef>
+              <a:spcAft>
+                <a:spcPts val="0"/>
+              </a:spcAft>
+              <a:buClr>
+                <a:schemeClr val="dk1"/>
+              </a:buClr>
+              <a:buSzPts val="2800"/>
+              <a:buFont typeface="Montserrat"/>
+              <a:buNone/>
+              <a:defRPr sz="2800" b="1" i="0" u="none" strike="noStrike" cap="none">
+                <a:solidFill>
+                  <a:schemeClr val="dk1"/>
+                </a:solidFill>
+                <a:latin typeface="Montserrat"/>
+                <a:ea typeface="Montserrat"/>
+                <a:cs typeface="Montserrat"/>
+                <a:sym typeface="Montserrat"/>
+              </a:defRPr>
+            </a:lvl9pPr>
+          </a:lstStyle>
+          <a:p>
+            <a:pPr rtl="1"/>
+            <a:r>
+              <a:rPr lang="ar-SY" sz="3000" dirty="0">
+                <a:latin typeface="Dubai" panose="020B0503030403030204" pitchFamily="34" charset="-78"/>
+                <a:cs typeface="Dubai" panose="020B0503030403030204" pitchFamily="34" charset="-78"/>
+              </a:rPr>
+              <a:t>أتمتة أعمال اختبار ونشر خدمات النظام</a:t>
+            </a:r>
+            <a:endParaRPr lang="ar-SY" sz="2000" b="0" dirty="0">
+              <a:latin typeface="Dubai" panose="020B0503030403030204" pitchFamily="34" charset="-78"/>
+              <a:cs typeface="Dubai" panose="020B0503030403030204" pitchFamily="34" charset="-78"/>
+            </a:endParaRPr>
+          </a:p>
+        </p:txBody>
+      </p:sp>
+      <p:sp>
+        <p:nvSpPr>
+          <p:cNvPr id="2" name="TextBox 1">
+            <a:extLst>
+              <a:ext uri="{FF2B5EF4-FFF2-40B4-BE49-F238E27FC236}">
+                <a16:creationId xmlns:a16="http://schemas.microsoft.com/office/drawing/2014/main" id="{C988C231-A1D4-BFD9-C65D-9189FD233FD8}"/>
+              </a:ext>
+            </a:extLst>
+          </p:cNvPr>
+          <p:cNvSpPr txBox="1"/>
+          <p:nvPr/>
+        </p:nvSpPr>
+        <p:spPr>
+          <a:xfrm>
+            <a:off x="8425999" y="4848605"/>
+            <a:ext cx="718001" cy="307777"/>
+          </a:xfrm>
+          <a:prstGeom prst="rect">
+            <a:avLst/>
+          </a:prstGeom>
+          <a:noFill/>
+        </p:spPr>
+        <p:txBody>
+          <a:bodyPr wrap="square" rtlCol="0">
+            <a:spAutoFit/>
+          </a:bodyPr>
+          <a:lstStyle/>
+          <a:p>
+            <a:r>
+              <a:rPr lang="en-US" b="1" dirty="0"/>
+              <a:t>38/41</a:t>
+            </a:r>
+          </a:p>
+        </p:txBody>
+      </p:sp>
+      <p:pic>
+        <p:nvPicPr>
+          <p:cNvPr id="4" name="Picture 3">
+            <a:extLst>
+              <a:ext uri="{FF2B5EF4-FFF2-40B4-BE49-F238E27FC236}">
+                <a16:creationId xmlns:a16="http://schemas.microsoft.com/office/drawing/2014/main" id="{2B2F2570-620C-7951-848C-4774B339D026}"/>
+              </a:ext>
+            </a:extLst>
+          </p:cNvPr>
+          <p:cNvPicPr>
+            <a:picLocks noChangeAspect="1"/>
+          </p:cNvPicPr>
+          <p:nvPr/>
+        </p:nvPicPr>
+        <p:blipFill rotWithShape="1">
+          <a:blip r:embed="rId3"/>
+          <a:srcRect l="706" t="4445" r="2877" b="5733"/>
+          <a:stretch/>
+        </p:blipFill>
+        <p:spPr>
+          <a:xfrm>
+            <a:off x="832528" y="1002675"/>
+            <a:ext cx="7478943" cy="3799129"/>
+          </a:xfrm>
+          <a:prstGeom prst="rect">
+            <a:avLst/>
+          </a:prstGeom>
+        </p:spPr>
+      </p:pic>
+    </p:spTree>
+    <p:extLst>
+      <p:ext uri="{BB962C8B-B14F-4D97-AF65-F5344CB8AC3E}">
+        <p14:creationId xmlns:p14="http://schemas.microsoft.com/office/powerpoint/2010/main" val="2582950084"/>
+      </p:ext>
+    </p:extLst>
+  </p:cSld>
+  <p:clrMapOvr>
+    <a:masterClrMapping/>
+  </p:clrMapOvr>
+</p:sld>
+</file>
+
+<file path=ppt/slides/slide26.xml><?xml version="1.0" encoding="utf-8"?>
+<p:sld xmlns:a="http://schemas.openxmlformats.org/drawingml/2006/main" xmlns:r="http://schemas.openxmlformats.org/officeDocument/2006/relationships" xmlns:p="http://schemas.openxmlformats.org/presentationml/2006/main">
+  <p:cSld>
+    <p:spTree>
+      <p:nvGrpSpPr>
+        <p:cNvPr id="1" name="Shape 234"/>
+        <p:cNvGrpSpPr/>
+        <p:nvPr/>
+      </p:nvGrpSpPr>
+      <p:grpSpPr>
+        <a:xfrm>
+          <a:off x="0" y="0"/>
+          <a:ext cx="0" cy="0"/>
+          <a:chOff x="0" y="0"/>
+          <a:chExt cx="0" cy="0"/>
+        </a:xfrm>
+      </p:grpSpPr>
+      <p:sp>
+        <p:nvSpPr>
+          <p:cNvPr id="6" name="Google Shape;197;p32">
+            <a:extLst>
+              <a:ext uri="{FF2B5EF4-FFF2-40B4-BE49-F238E27FC236}">
+                <a16:creationId xmlns:a16="http://schemas.microsoft.com/office/drawing/2014/main" id="{0CAEC0CC-D7D5-10D2-63F6-C6968FBED233}"/>
+              </a:ext>
+            </a:extLst>
+          </p:cNvPr>
+          <p:cNvSpPr txBox="1">
+            <a:spLocks/>
+          </p:cNvSpPr>
+          <p:nvPr/>
+        </p:nvSpPr>
+        <p:spPr>
+          <a:xfrm>
+            <a:off x="351064" y="383175"/>
+            <a:ext cx="8074935" cy="572700"/>
+          </a:xfrm>
+          <a:prstGeom prst="rect">
+            <a:avLst/>
+          </a:prstGeom>
+          <a:noFill/>
+          <a:ln>
+            <a:noFill/>
+          </a:ln>
+        </p:spPr>
+        <p:txBody>
+          <a:bodyPr spcFirstLastPara="1" wrap="square" lIns="91425" tIns="91425" rIns="91425" bIns="91425" anchor="t" anchorCtr="0">
+            <a:noAutofit/>
+          </a:bodyPr>
+          <a:lstStyle>
+            <a:defPPr marR="0" lvl="0" algn="l" rtl="0">
+              <a:lnSpc>
+                <a:spcPct val="100000"/>
+              </a:lnSpc>
+              <a:spcBef>
+                <a:spcPts val="0"/>
+              </a:spcBef>
+              <a:spcAft>
+                <a:spcPts val="0"/>
+              </a:spcAft>
+            </a:defPPr>
+            <a:lvl1pPr marR="0" lvl="0" algn="ctr" rtl="0">
+              <a:lnSpc>
+                <a:spcPct val="100000"/>
+              </a:lnSpc>
+              <a:spcBef>
+                <a:spcPts val="0"/>
+              </a:spcBef>
+              <a:spcAft>
+                <a:spcPts val="0"/>
+              </a:spcAft>
+              <a:buClr>
+                <a:schemeClr val="dk1"/>
+              </a:buClr>
+              <a:buSzPts val="2800"/>
+              <a:buFont typeface="Montserrat"/>
+              <a:buNone/>
+              <a:defRPr sz="2800" b="1" i="0" u="none" strike="noStrike" cap="none">
+                <a:solidFill>
+                  <a:schemeClr val="accent1"/>
+                </a:solidFill>
+                <a:latin typeface="Montserrat"/>
+                <a:ea typeface="Montserrat"/>
+                <a:cs typeface="Montserrat"/>
+                <a:sym typeface="Montserrat"/>
+              </a:defRPr>
+            </a:lvl1pPr>
+            <a:lvl2pPr marR="0" lvl="1" algn="l" rtl="0">
+              <a:lnSpc>
+                <a:spcPct val="100000"/>
+              </a:lnSpc>
+              <a:spcBef>
+                <a:spcPts val="0"/>
+              </a:spcBef>
+              <a:spcAft>
+                <a:spcPts val="0"/>
+              </a:spcAft>
+              <a:buClr>
+                <a:schemeClr val="dk1"/>
+              </a:buClr>
+              <a:buSzPts val="2800"/>
+              <a:buFont typeface="Montserrat"/>
+              <a:buNone/>
+              <a:defRPr sz="2800" b="1" i="0" u="none" strike="noStrike" cap="none">
+                <a:solidFill>
+                  <a:schemeClr val="dk1"/>
+                </a:solidFill>
+                <a:latin typeface="Montserrat"/>
+                <a:ea typeface="Montserrat"/>
+                <a:cs typeface="Montserrat"/>
+                <a:sym typeface="Montserrat"/>
+              </a:defRPr>
+            </a:lvl2pPr>
+            <a:lvl3pPr marR="0" lvl="2" algn="l" rtl="0">
+              <a:lnSpc>
+                <a:spcPct val="100000"/>
+              </a:lnSpc>
+              <a:spcBef>
+                <a:spcPts val="0"/>
+              </a:spcBef>
+              <a:spcAft>
+                <a:spcPts val="0"/>
+              </a:spcAft>
+              <a:buClr>
+                <a:schemeClr val="dk1"/>
+              </a:buClr>
+              <a:buSzPts val="2800"/>
+              <a:buFont typeface="Montserrat"/>
+              <a:buNone/>
+              <a:defRPr sz="2800" b="1" i="0" u="none" strike="noStrike" cap="none">
+                <a:solidFill>
+                  <a:schemeClr val="dk1"/>
+                </a:solidFill>
+                <a:latin typeface="Montserrat"/>
+                <a:ea typeface="Montserrat"/>
+                <a:cs typeface="Montserrat"/>
+                <a:sym typeface="Montserrat"/>
+              </a:defRPr>
+            </a:lvl3pPr>
+            <a:lvl4pPr marR="0" lvl="3" algn="l" rtl="0">
+              <a:lnSpc>
+                <a:spcPct val="100000"/>
+              </a:lnSpc>
+              <a:spcBef>
+                <a:spcPts val="0"/>
+              </a:spcBef>
+              <a:spcAft>
+                <a:spcPts val="0"/>
+              </a:spcAft>
+              <a:buClr>
+                <a:schemeClr val="dk1"/>
+              </a:buClr>
+              <a:buSzPts val="2800"/>
+              <a:buFont typeface="Montserrat"/>
+              <a:buNone/>
+              <a:defRPr sz="2800" b="1" i="0" u="none" strike="noStrike" cap="none">
+                <a:solidFill>
+                  <a:schemeClr val="dk1"/>
+                </a:solidFill>
+                <a:latin typeface="Montserrat"/>
+                <a:ea typeface="Montserrat"/>
+                <a:cs typeface="Montserrat"/>
+                <a:sym typeface="Montserrat"/>
+              </a:defRPr>
+            </a:lvl4pPr>
+            <a:lvl5pPr marR="0" lvl="4" algn="l" rtl="0">
+              <a:lnSpc>
+                <a:spcPct val="100000"/>
+              </a:lnSpc>
+              <a:spcBef>
+                <a:spcPts val="0"/>
+              </a:spcBef>
+              <a:spcAft>
+                <a:spcPts val="0"/>
+              </a:spcAft>
+              <a:buClr>
+                <a:schemeClr val="dk1"/>
+              </a:buClr>
+              <a:buSzPts val="2800"/>
+              <a:buFont typeface="Montserrat"/>
+              <a:buNone/>
+              <a:defRPr sz="2800" b="1" i="0" u="none" strike="noStrike" cap="none">
+                <a:solidFill>
+                  <a:schemeClr val="dk1"/>
+                </a:solidFill>
+                <a:latin typeface="Montserrat"/>
+                <a:ea typeface="Montserrat"/>
+                <a:cs typeface="Montserrat"/>
+                <a:sym typeface="Montserrat"/>
+              </a:defRPr>
+            </a:lvl5pPr>
+            <a:lvl6pPr marR="0" lvl="5" algn="l" rtl="0">
+              <a:lnSpc>
+                <a:spcPct val="100000"/>
+              </a:lnSpc>
+              <a:spcBef>
+                <a:spcPts val="0"/>
+              </a:spcBef>
+              <a:spcAft>
+                <a:spcPts val="0"/>
+              </a:spcAft>
+              <a:buClr>
+                <a:schemeClr val="dk1"/>
+              </a:buClr>
+              <a:buSzPts val="2800"/>
+              <a:buFont typeface="Montserrat"/>
+              <a:buNone/>
+              <a:defRPr sz="2800" b="1" i="0" u="none" strike="noStrike" cap="none">
+                <a:solidFill>
+                  <a:schemeClr val="dk1"/>
+                </a:solidFill>
+                <a:latin typeface="Montserrat"/>
+                <a:ea typeface="Montserrat"/>
+                <a:cs typeface="Montserrat"/>
+                <a:sym typeface="Montserrat"/>
+              </a:defRPr>
+            </a:lvl6pPr>
+            <a:lvl7pPr marR="0" lvl="6" algn="l" rtl="0">
+              <a:lnSpc>
+                <a:spcPct val="100000"/>
+              </a:lnSpc>
+              <a:spcBef>
+                <a:spcPts val="0"/>
+              </a:spcBef>
+              <a:spcAft>
+                <a:spcPts val="0"/>
+              </a:spcAft>
+              <a:buClr>
+                <a:schemeClr val="dk1"/>
+              </a:buClr>
+              <a:buSzPts val="2800"/>
+              <a:buFont typeface="Montserrat"/>
+              <a:buNone/>
+              <a:defRPr sz="2800" b="1" i="0" u="none" strike="noStrike" cap="none">
+                <a:solidFill>
+                  <a:schemeClr val="dk1"/>
+                </a:solidFill>
+                <a:latin typeface="Montserrat"/>
+                <a:ea typeface="Montserrat"/>
+                <a:cs typeface="Montserrat"/>
+                <a:sym typeface="Montserrat"/>
+              </a:defRPr>
+            </a:lvl7pPr>
+            <a:lvl8pPr marR="0" lvl="7" algn="l" rtl="0">
+              <a:lnSpc>
+                <a:spcPct val="100000"/>
+              </a:lnSpc>
+              <a:spcBef>
+                <a:spcPts val="0"/>
+              </a:spcBef>
+              <a:spcAft>
+                <a:spcPts val="0"/>
+              </a:spcAft>
+              <a:buClr>
+                <a:schemeClr val="dk1"/>
+              </a:buClr>
+              <a:buSzPts val="2800"/>
+              <a:buFont typeface="Montserrat"/>
+              <a:buNone/>
+              <a:defRPr sz="2800" b="1" i="0" u="none" strike="noStrike" cap="none">
+                <a:solidFill>
+                  <a:schemeClr val="dk1"/>
+                </a:solidFill>
+                <a:latin typeface="Montserrat"/>
+                <a:ea typeface="Montserrat"/>
+                <a:cs typeface="Montserrat"/>
+                <a:sym typeface="Montserrat"/>
+              </a:defRPr>
+            </a:lvl8pPr>
+            <a:lvl9pPr marR="0" lvl="8" algn="l" rtl="0">
+              <a:lnSpc>
+                <a:spcPct val="100000"/>
+              </a:lnSpc>
+              <a:spcBef>
+                <a:spcPts val="0"/>
+              </a:spcBef>
+              <a:spcAft>
+                <a:spcPts val="0"/>
+              </a:spcAft>
+              <a:buClr>
+                <a:schemeClr val="dk1"/>
+              </a:buClr>
+              <a:buSzPts val="2800"/>
+              <a:buFont typeface="Montserrat"/>
+              <a:buNone/>
+              <a:defRPr sz="2800" b="1" i="0" u="none" strike="noStrike" cap="none">
+                <a:solidFill>
+                  <a:schemeClr val="dk1"/>
+                </a:solidFill>
+                <a:latin typeface="Montserrat"/>
+                <a:ea typeface="Montserrat"/>
+                <a:cs typeface="Montserrat"/>
+                <a:sym typeface="Montserrat"/>
+              </a:defRPr>
+            </a:lvl9pPr>
+          </a:lstStyle>
+          <a:p>
+            <a:pPr rtl="1"/>
+            <a:r>
+              <a:rPr lang="ar-SY" sz="3000" dirty="0">
+                <a:latin typeface="Dubai" panose="020B0503030403030204" pitchFamily="34" charset="-78"/>
+                <a:cs typeface="Dubai" panose="020B0503030403030204" pitchFamily="34" charset="-78"/>
+              </a:rPr>
+              <a:t>اختبارات النظام البرمجي (خدمة إدارة عمليات النظام)</a:t>
+            </a:r>
+            <a:br>
+              <a:rPr lang="ar-SY" sz="2000" dirty="0">
+                <a:latin typeface="Dubai" panose="020B0503030403030204" pitchFamily="34" charset="-78"/>
+                <a:cs typeface="Dubai" panose="020B0503030403030204" pitchFamily="34" charset="-78"/>
+              </a:rPr>
+            </a:br>
+            <a:endParaRPr lang="ar-SY" sz="2000" b="0" dirty="0">
+              <a:latin typeface="Dubai" panose="020B0503030403030204" pitchFamily="34" charset="-78"/>
+              <a:cs typeface="Dubai" panose="020B0503030403030204" pitchFamily="34" charset="-78"/>
+            </a:endParaRPr>
+          </a:p>
+        </p:txBody>
+      </p:sp>
+      <p:sp>
+        <p:nvSpPr>
+          <p:cNvPr id="2" name="TextBox 1">
+            <a:extLst>
+              <a:ext uri="{FF2B5EF4-FFF2-40B4-BE49-F238E27FC236}">
+                <a16:creationId xmlns:a16="http://schemas.microsoft.com/office/drawing/2014/main" id="{C988C231-A1D4-BFD9-C65D-9189FD233FD8}"/>
+              </a:ext>
+            </a:extLst>
+          </p:cNvPr>
+          <p:cNvSpPr txBox="1"/>
+          <p:nvPr/>
+        </p:nvSpPr>
+        <p:spPr>
+          <a:xfrm>
+            <a:off x="8425999" y="4848605"/>
+            <a:ext cx="718001" cy="307777"/>
+          </a:xfrm>
+          <a:prstGeom prst="rect">
+            <a:avLst/>
+          </a:prstGeom>
+          <a:noFill/>
+        </p:spPr>
+        <p:txBody>
+          <a:bodyPr wrap="square" rtlCol="0">
+            <a:spAutoFit/>
+          </a:bodyPr>
+          <a:lstStyle/>
+          <a:p>
+            <a:r>
+              <a:rPr lang="en-US" b="1" dirty="0"/>
+              <a:t>38/41</a:t>
+            </a:r>
+          </a:p>
+        </p:txBody>
+      </p:sp>
+      <p:pic>
+        <p:nvPicPr>
+          <p:cNvPr id="4" name="Picture 3">
+            <a:extLst>
+              <a:ext uri="{FF2B5EF4-FFF2-40B4-BE49-F238E27FC236}">
+                <a16:creationId xmlns:a16="http://schemas.microsoft.com/office/drawing/2014/main" id="{BDB7B74E-106B-4D4F-0466-C5229738BE9F}"/>
+              </a:ext>
+            </a:extLst>
+          </p:cNvPr>
+          <p:cNvPicPr>
+            <a:picLocks noChangeAspect="1"/>
+          </p:cNvPicPr>
+          <p:nvPr/>
+        </p:nvPicPr>
+        <p:blipFill rotWithShape="1">
+          <a:blip r:embed="rId3"/>
+          <a:srcRect l="1684" t="35397" r="14018" b="8571"/>
+          <a:stretch/>
+        </p:blipFill>
+        <p:spPr>
+          <a:xfrm>
+            <a:off x="562221" y="1878331"/>
+            <a:ext cx="7708200" cy="2881993"/>
+          </a:xfrm>
+          <a:prstGeom prst="rect">
+            <a:avLst/>
+          </a:prstGeom>
+        </p:spPr>
+      </p:pic>
+      <p:pic>
+        <p:nvPicPr>
+          <p:cNvPr id="7" name="Picture 6">
+            <a:extLst>
+              <a:ext uri="{FF2B5EF4-FFF2-40B4-BE49-F238E27FC236}">
+                <a16:creationId xmlns:a16="http://schemas.microsoft.com/office/drawing/2014/main" id="{AB5DAE35-6833-5580-3CED-A01D8D5D13E6}"/>
+              </a:ext>
+            </a:extLst>
+          </p:cNvPr>
+          <p:cNvPicPr>
+            <a:picLocks noChangeAspect="1"/>
+          </p:cNvPicPr>
+          <p:nvPr/>
+        </p:nvPicPr>
+        <p:blipFill rotWithShape="1">
+          <a:blip r:embed="rId4"/>
+          <a:srcRect l="2233" t="32381" r="14643" b="54444"/>
+          <a:stretch/>
+        </p:blipFill>
+        <p:spPr>
+          <a:xfrm>
+            <a:off x="498020" y="1078285"/>
+            <a:ext cx="7600951" cy="677636"/>
+          </a:xfrm>
+          <a:prstGeom prst="rect">
+            <a:avLst/>
+          </a:prstGeom>
+        </p:spPr>
+      </p:pic>
+    </p:spTree>
+    <p:extLst>
+      <p:ext uri="{BB962C8B-B14F-4D97-AF65-F5344CB8AC3E}">
+        <p14:creationId xmlns:p14="http://schemas.microsoft.com/office/powerpoint/2010/main" val="359023160"/>
+      </p:ext>
+    </p:extLst>
+  </p:cSld>
+  <p:clrMapOvr>
+    <a:masterClrMapping/>
+  </p:clrMapOvr>
+</p:sld>
+</file>
+
+<file path=ppt/slides/slide27.xml><?xml version="1.0" encoding="utf-8"?>
+<p:sld xmlns:a="http://schemas.openxmlformats.org/drawingml/2006/main" xmlns:r="http://schemas.openxmlformats.org/officeDocument/2006/relationships" xmlns:p="http://schemas.openxmlformats.org/presentationml/2006/main">
+  <p:cSld>
+    <p:spTree>
+      <p:nvGrpSpPr>
+        <p:cNvPr id="1" name="Shape 234"/>
+        <p:cNvGrpSpPr/>
+        <p:nvPr/>
+      </p:nvGrpSpPr>
+      <p:grpSpPr>
+        <a:xfrm>
+          <a:off x="0" y="0"/>
+          <a:ext cx="0" cy="0"/>
+          <a:chOff x="0" y="0"/>
+          <a:chExt cx="0" cy="0"/>
+        </a:xfrm>
+      </p:grpSpPr>
+      <p:sp>
+        <p:nvSpPr>
+          <p:cNvPr id="6" name="Google Shape;197;p32">
+            <a:extLst>
+              <a:ext uri="{FF2B5EF4-FFF2-40B4-BE49-F238E27FC236}">
+                <a16:creationId xmlns:a16="http://schemas.microsoft.com/office/drawing/2014/main" id="{0CAEC0CC-D7D5-10D2-63F6-C6968FBED233}"/>
+              </a:ext>
+            </a:extLst>
+          </p:cNvPr>
+          <p:cNvSpPr txBox="1">
+            <a:spLocks/>
+          </p:cNvSpPr>
+          <p:nvPr/>
+        </p:nvSpPr>
+        <p:spPr>
+          <a:xfrm>
+            <a:off x="351064" y="383175"/>
+            <a:ext cx="8074935" cy="572700"/>
+          </a:xfrm>
+          <a:prstGeom prst="rect">
+            <a:avLst/>
+          </a:prstGeom>
+          <a:noFill/>
+          <a:ln>
+            <a:noFill/>
+          </a:ln>
+        </p:spPr>
+        <p:txBody>
+          <a:bodyPr spcFirstLastPara="1" wrap="square" lIns="91425" tIns="91425" rIns="91425" bIns="91425" anchor="t" anchorCtr="0">
+            <a:noAutofit/>
+          </a:bodyPr>
+          <a:lstStyle>
+            <a:defPPr marR="0" lvl="0" algn="l" rtl="0">
+              <a:lnSpc>
+                <a:spcPct val="100000"/>
+              </a:lnSpc>
+              <a:spcBef>
+                <a:spcPts val="0"/>
+              </a:spcBef>
+              <a:spcAft>
+                <a:spcPts val="0"/>
+              </a:spcAft>
+            </a:defPPr>
+            <a:lvl1pPr marR="0" lvl="0" algn="ctr" rtl="0">
+              <a:lnSpc>
+                <a:spcPct val="100000"/>
+              </a:lnSpc>
+              <a:spcBef>
+                <a:spcPts val="0"/>
+              </a:spcBef>
+              <a:spcAft>
+                <a:spcPts val="0"/>
+              </a:spcAft>
+              <a:buClr>
+                <a:schemeClr val="dk1"/>
+              </a:buClr>
+              <a:buSzPts val="2800"/>
+              <a:buFont typeface="Montserrat"/>
+              <a:buNone/>
+              <a:defRPr sz="2800" b="1" i="0" u="none" strike="noStrike" cap="none">
+                <a:solidFill>
+                  <a:schemeClr val="accent1"/>
+                </a:solidFill>
+                <a:latin typeface="Montserrat"/>
+                <a:ea typeface="Montserrat"/>
+                <a:cs typeface="Montserrat"/>
+                <a:sym typeface="Montserrat"/>
+              </a:defRPr>
+            </a:lvl1pPr>
+            <a:lvl2pPr marR="0" lvl="1" algn="l" rtl="0">
+              <a:lnSpc>
+                <a:spcPct val="100000"/>
+              </a:lnSpc>
+              <a:spcBef>
+                <a:spcPts val="0"/>
+              </a:spcBef>
+              <a:spcAft>
+                <a:spcPts val="0"/>
+              </a:spcAft>
+              <a:buClr>
+                <a:schemeClr val="dk1"/>
+              </a:buClr>
+              <a:buSzPts val="2800"/>
+              <a:buFont typeface="Montserrat"/>
+              <a:buNone/>
+              <a:defRPr sz="2800" b="1" i="0" u="none" strike="noStrike" cap="none">
+                <a:solidFill>
+                  <a:schemeClr val="dk1"/>
+                </a:solidFill>
+                <a:latin typeface="Montserrat"/>
+                <a:ea typeface="Montserrat"/>
+                <a:cs typeface="Montserrat"/>
+                <a:sym typeface="Montserrat"/>
+              </a:defRPr>
+            </a:lvl2pPr>
+            <a:lvl3pPr marR="0" lvl="2" algn="l" rtl="0">
+              <a:lnSpc>
+                <a:spcPct val="100000"/>
+              </a:lnSpc>
+              <a:spcBef>
+                <a:spcPts val="0"/>
+              </a:spcBef>
+              <a:spcAft>
+                <a:spcPts val="0"/>
+              </a:spcAft>
+              <a:buClr>
+                <a:schemeClr val="dk1"/>
+              </a:buClr>
+              <a:buSzPts val="2800"/>
+              <a:buFont typeface="Montserrat"/>
+              <a:buNone/>
+              <a:defRPr sz="2800" b="1" i="0" u="none" strike="noStrike" cap="none">
+                <a:solidFill>
+                  <a:schemeClr val="dk1"/>
+                </a:solidFill>
+                <a:latin typeface="Montserrat"/>
+                <a:ea typeface="Montserrat"/>
+                <a:cs typeface="Montserrat"/>
+                <a:sym typeface="Montserrat"/>
+              </a:defRPr>
+            </a:lvl3pPr>
+            <a:lvl4pPr marR="0" lvl="3" algn="l" rtl="0">
+              <a:lnSpc>
+                <a:spcPct val="100000"/>
+              </a:lnSpc>
+              <a:spcBef>
+                <a:spcPts val="0"/>
+              </a:spcBef>
+              <a:spcAft>
+                <a:spcPts val="0"/>
+              </a:spcAft>
+              <a:buClr>
+                <a:schemeClr val="dk1"/>
+              </a:buClr>
+              <a:buSzPts val="2800"/>
+              <a:buFont typeface="Montserrat"/>
+              <a:buNone/>
+              <a:defRPr sz="2800" b="1" i="0" u="none" strike="noStrike" cap="none">
+                <a:solidFill>
+                  <a:schemeClr val="dk1"/>
+                </a:solidFill>
+                <a:latin typeface="Montserrat"/>
+                <a:ea typeface="Montserrat"/>
+                <a:cs typeface="Montserrat"/>
+                <a:sym typeface="Montserrat"/>
+              </a:defRPr>
+            </a:lvl4pPr>
+            <a:lvl5pPr marR="0" lvl="4" algn="l" rtl="0">
+              <a:lnSpc>
+                <a:spcPct val="100000"/>
+              </a:lnSpc>
+              <a:spcBef>
+                <a:spcPts val="0"/>
+              </a:spcBef>
+              <a:spcAft>
+                <a:spcPts val="0"/>
+              </a:spcAft>
+              <a:buClr>
+                <a:schemeClr val="dk1"/>
+              </a:buClr>
+              <a:buSzPts val="2800"/>
+              <a:buFont typeface="Montserrat"/>
+              <a:buNone/>
+              <a:defRPr sz="2800" b="1" i="0" u="none" strike="noStrike" cap="none">
+                <a:solidFill>
+                  <a:schemeClr val="dk1"/>
+                </a:solidFill>
+                <a:latin typeface="Montserrat"/>
+                <a:ea typeface="Montserrat"/>
+                <a:cs typeface="Montserrat"/>
+                <a:sym typeface="Montserrat"/>
+              </a:defRPr>
+            </a:lvl5pPr>
+            <a:lvl6pPr marR="0" lvl="5" algn="l" rtl="0">
+              <a:lnSpc>
+                <a:spcPct val="100000"/>
+              </a:lnSpc>
+              <a:spcBef>
+                <a:spcPts val="0"/>
+              </a:spcBef>
+              <a:spcAft>
+                <a:spcPts val="0"/>
+              </a:spcAft>
+              <a:buClr>
+                <a:schemeClr val="dk1"/>
+              </a:buClr>
+              <a:buSzPts val="2800"/>
+              <a:buFont typeface="Montserrat"/>
+              <a:buNone/>
+              <a:defRPr sz="2800" b="1" i="0" u="none" strike="noStrike" cap="none">
+                <a:solidFill>
+                  <a:schemeClr val="dk1"/>
+                </a:solidFill>
+                <a:latin typeface="Montserrat"/>
+                <a:ea typeface="Montserrat"/>
+                <a:cs typeface="Montserrat"/>
+                <a:sym typeface="Montserrat"/>
+              </a:defRPr>
+            </a:lvl6pPr>
+            <a:lvl7pPr marR="0" lvl="6" algn="l" rtl="0">
+              <a:lnSpc>
+                <a:spcPct val="100000"/>
+              </a:lnSpc>
+              <a:spcBef>
+                <a:spcPts val="0"/>
+              </a:spcBef>
+              <a:spcAft>
+                <a:spcPts val="0"/>
+              </a:spcAft>
+              <a:buClr>
+                <a:schemeClr val="dk1"/>
+              </a:buClr>
+              <a:buSzPts val="2800"/>
+              <a:buFont typeface="Montserrat"/>
+              <a:buNone/>
+              <a:defRPr sz="2800" b="1" i="0" u="none" strike="noStrike" cap="none">
+                <a:solidFill>
+                  <a:schemeClr val="dk1"/>
+                </a:solidFill>
+                <a:latin typeface="Montserrat"/>
+                <a:ea typeface="Montserrat"/>
+                <a:cs typeface="Montserrat"/>
+                <a:sym typeface="Montserrat"/>
+              </a:defRPr>
+            </a:lvl7pPr>
+            <a:lvl8pPr marR="0" lvl="7" algn="l" rtl="0">
+              <a:lnSpc>
+                <a:spcPct val="100000"/>
+              </a:lnSpc>
+              <a:spcBef>
+                <a:spcPts val="0"/>
+              </a:spcBef>
+              <a:spcAft>
+                <a:spcPts val="0"/>
+              </a:spcAft>
+              <a:buClr>
+                <a:schemeClr val="dk1"/>
+              </a:buClr>
+              <a:buSzPts val="2800"/>
+              <a:buFont typeface="Montserrat"/>
+              <a:buNone/>
+              <a:defRPr sz="2800" b="1" i="0" u="none" strike="noStrike" cap="none">
+                <a:solidFill>
+                  <a:schemeClr val="dk1"/>
+                </a:solidFill>
+                <a:latin typeface="Montserrat"/>
+                <a:ea typeface="Montserrat"/>
+                <a:cs typeface="Montserrat"/>
+                <a:sym typeface="Montserrat"/>
+              </a:defRPr>
+            </a:lvl8pPr>
+            <a:lvl9pPr marR="0" lvl="8" algn="l" rtl="0">
+              <a:lnSpc>
+                <a:spcPct val="100000"/>
+              </a:lnSpc>
+              <a:spcBef>
+                <a:spcPts val="0"/>
+              </a:spcBef>
+              <a:spcAft>
+                <a:spcPts val="0"/>
+              </a:spcAft>
+              <a:buClr>
+                <a:schemeClr val="dk1"/>
+              </a:buClr>
+              <a:buSzPts val="2800"/>
+              <a:buFont typeface="Montserrat"/>
+              <a:buNone/>
+              <a:defRPr sz="2800" b="1" i="0" u="none" strike="noStrike" cap="none">
+                <a:solidFill>
+                  <a:schemeClr val="dk1"/>
+                </a:solidFill>
+                <a:latin typeface="Montserrat"/>
+                <a:ea typeface="Montserrat"/>
+                <a:cs typeface="Montserrat"/>
+                <a:sym typeface="Montserrat"/>
+              </a:defRPr>
+            </a:lvl9pPr>
+          </a:lstStyle>
+          <a:p>
+            <a:pPr rtl="1"/>
+            <a:r>
+              <a:rPr lang="ar-SY" sz="3000" dirty="0">
+                <a:latin typeface="Dubai" panose="020B0503030403030204" pitchFamily="34" charset="-78"/>
+                <a:cs typeface="Dubai" panose="020B0503030403030204" pitchFamily="34" charset="-78"/>
+              </a:rPr>
+              <a:t>اختبارات النظام البرمجي (خدمة إدارة عمليات النظام)</a:t>
+            </a:r>
+            <a:br>
+              <a:rPr lang="ar-SY" sz="2000" dirty="0">
+                <a:latin typeface="Dubai" panose="020B0503030403030204" pitchFamily="34" charset="-78"/>
+                <a:cs typeface="Dubai" panose="020B0503030403030204" pitchFamily="34" charset="-78"/>
+              </a:rPr>
+            </a:br>
+            <a:endParaRPr lang="ar-SY" sz="2000" b="0" dirty="0">
+              <a:latin typeface="Dubai" panose="020B0503030403030204" pitchFamily="34" charset="-78"/>
+              <a:cs typeface="Dubai" panose="020B0503030403030204" pitchFamily="34" charset="-78"/>
+            </a:endParaRPr>
+          </a:p>
+        </p:txBody>
+      </p:sp>
+      <p:sp>
+        <p:nvSpPr>
+          <p:cNvPr id="2" name="TextBox 1">
+            <a:extLst>
+              <a:ext uri="{FF2B5EF4-FFF2-40B4-BE49-F238E27FC236}">
+                <a16:creationId xmlns:a16="http://schemas.microsoft.com/office/drawing/2014/main" id="{C988C231-A1D4-BFD9-C65D-9189FD233FD8}"/>
+              </a:ext>
+            </a:extLst>
+          </p:cNvPr>
+          <p:cNvSpPr txBox="1"/>
+          <p:nvPr/>
+        </p:nvSpPr>
+        <p:spPr>
+          <a:xfrm>
+            <a:off x="8425999" y="4848605"/>
+            <a:ext cx="718001" cy="307777"/>
+          </a:xfrm>
+          <a:prstGeom prst="rect">
+            <a:avLst/>
+          </a:prstGeom>
+          <a:noFill/>
+        </p:spPr>
+        <p:txBody>
+          <a:bodyPr wrap="square" rtlCol="0">
+            <a:spAutoFit/>
+          </a:bodyPr>
+          <a:lstStyle/>
+          <a:p>
+            <a:r>
+              <a:rPr lang="en-US" b="1" dirty="0"/>
+              <a:t>38/41</a:t>
+            </a:r>
+          </a:p>
+        </p:txBody>
+      </p:sp>
+      <p:pic>
+        <p:nvPicPr>
+          <p:cNvPr id="5" name="Picture 4">
+            <a:extLst>
+              <a:ext uri="{FF2B5EF4-FFF2-40B4-BE49-F238E27FC236}">
+                <a16:creationId xmlns:a16="http://schemas.microsoft.com/office/drawing/2014/main" id="{D71F319D-318C-BB79-7650-5BF0528C0183}"/>
+              </a:ext>
+            </a:extLst>
+          </p:cNvPr>
+          <p:cNvPicPr>
+            <a:picLocks noChangeAspect="1"/>
+          </p:cNvPicPr>
+          <p:nvPr/>
+        </p:nvPicPr>
+        <p:blipFill rotWithShape="1">
+          <a:blip r:embed="rId3"/>
+          <a:srcRect l="2767" t="67143" r="7853" b="16031"/>
+          <a:stretch/>
+        </p:blipFill>
+        <p:spPr>
+          <a:xfrm>
+            <a:off x="351064" y="1628608"/>
+            <a:ext cx="8172907" cy="865415"/>
+          </a:xfrm>
+          <a:prstGeom prst="rect">
+            <a:avLst/>
+          </a:prstGeom>
+        </p:spPr>
+      </p:pic>
+      <p:pic>
+        <p:nvPicPr>
+          <p:cNvPr id="9" name="Picture 8">
+            <a:extLst>
+              <a:ext uri="{FF2B5EF4-FFF2-40B4-BE49-F238E27FC236}">
+                <a16:creationId xmlns:a16="http://schemas.microsoft.com/office/drawing/2014/main" id="{08C81039-FF7B-9CF4-5775-8888EF0EF4EF}"/>
+              </a:ext>
+            </a:extLst>
+          </p:cNvPr>
+          <p:cNvPicPr>
+            <a:picLocks noChangeAspect="1"/>
+          </p:cNvPicPr>
+          <p:nvPr/>
+        </p:nvPicPr>
+        <p:blipFill rotWithShape="1">
+          <a:blip r:embed="rId4"/>
+          <a:srcRect l="3839" t="67778" r="6780" b="15396"/>
+          <a:stretch/>
+        </p:blipFill>
+        <p:spPr>
+          <a:xfrm>
+            <a:off x="351063" y="2808512"/>
+            <a:ext cx="8172907" cy="865415"/>
+          </a:xfrm>
+          <a:prstGeom prst="rect">
+            <a:avLst/>
+          </a:prstGeom>
+        </p:spPr>
+      </p:pic>
+    </p:spTree>
+    <p:extLst>
+      <p:ext uri="{BB962C8B-B14F-4D97-AF65-F5344CB8AC3E}">
+        <p14:creationId xmlns:p14="http://schemas.microsoft.com/office/powerpoint/2010/main" val="712276956"/>
+      </p:ext>
+    </p:extLst>
+  </p:cSld>
+  <p:clrMapOvr>
+    <a:masterClrMapping/>
+  </p:clrMapOvr>
+</p:sld>
+</file>
+
+<file path=ppt/slides/slide28.xml><?xml version="1.0" encoding="utf-8"?>
+<p:sld xmlns:a="http://schemas.openxmlformats.org/drawingml/2006/main" xmlns:r="http://schemas.openxmlformats.org/officeDocument/2006/relationships" xmlns:p="http://schemas.openxmlformats.org/presentationml/2006/main">
+  <p:cSld>
+    <p:spTree>
+      <p:nvGrpSpPr>
+        <p:cNvPr id="1" name="Shape 234"/>
+        <p:cNvGrpSpPr/>
+        <p:nvPr/>
+      </p:nvGrpSpPr>
+      <p:grpSpPr>
+        <a:xfrm>
+          <a:off x="0" y="0"/>
+          <a:ext cx="0" cy="0"/>
+          <a:chOff x="0" y="0"/>
+          <a:chExt cx="0" cy="0"/>
+        </a:xfrm>
+      </p:grpSpPr>
+      <p:sp>
+        <p:nvSpPr>
+          <p:cNvPr id="6" name="Google Shape;197;p32">
+            <a:extLst>
+              <a:ext uri="{FF2B5EF4-FFF2-40B4-BE49-F238E27FC236}">
+                <a16:creationId xmlns:a16="http://schemas.microsoft.com/office/drawing/2014/main" id="{0CAEC0CC-D7D5-10D2-63F6-C6968FBED233}"/>
+              </a:ext>
+            </a:extLst>
+          </p:cNvPr>
+          <p:cNvSpPr txBox="1">
+            <a:spLocks/>
+          </p:cNvSpPr>
+          <p:nvPr/>
+        </p:nvSpPr>
+        <p:spPr>
+          <a:xfrm>
+            <a:off x="351064" y="383175"/>
+            <a:ext cx="8074935" cy="572700"/>
+          </a:xfrm>
+          <a:prstGeom prst="rect">
+            <a:avLst/>
+          </a:prstGeom>
+          <a:noFill/>
+          <a:ln>
+            <a:noFill/>
+          </a:ln>
+        </p:spPr>
+        <p:txBody>
+          <a:bodyPr spcFirstLastPara="1" wrap="square" lIns="91425" tIns="91425" rIns="91425" bIns="91425" anchor="t" anchorCtr="0">
+            <a:noAutofit/>
+          </a:bodyPr>
+          <a:lstStyle>
+            <a:defPPr marR="0" lvl="0" algn="l" rtl="0">
+              <a:lnSpc>
+                <a:spcPct val="100000"/>
+              </a:lnSpc>
+              <a:spcBef>
+                <a:spcPts val="0"/>
+              </a:spcBef>
+              <a:spcAft>
+                <a:spcPts val="0"/>
+              </a:spcAft>
+            </a:defPPr>
+            <a:lvl1pPr marR="0" lvl="0" algn="ctr" rtl="0">
+              <a:lnSpc>
+                <a:spcPct val="100000"/>
+              </a:lnSpc>
+              <a:spcBef>
+                <a:spcPts val="0"/>
+              </a:spcBef>
+              <a:spcAft>
+                <a:spcPts val="0"/>
+              </a:spcAft>
+              <a:buClr>
+                <a:schemeClr val="dk1"/>
+              </a:buClr>
+              <a:buSzPts val="2800"/>
+              <a:buFont typeface="Montserrat"/>
+              <a:buNone/>
+              <a:defRPr sz="2800" b="1" i="0" u="none" strike="noStrike" cap="none">
+                <a:solidFill>
+                  <a:schemeClr val="accent1"/>
+                </a:solidFill>
+                <a:latin typeface="Montserrat"/>
+                <a:ea typeface="Montserrat"/>
+                <a:cs typeface="Montserrat"/>
+                <a:sym typeface="Montserrat"/>
+              </a:defRPr>
+            </a:lvl1pPr>
+            <a:lvl2pPr marR="0" lvl="1" algn="l" rtl="0">
+              <a:lnSpc>
+                <a:spcPct val="100000"/>
+              </a:lnSpc>
+              <a:spcBef>
+                <a:spcPts val="0"/>
+              </a:spcBef>
+              <a:spcAft>
+                <a:spcPts val="0"/>
+              </a:spcAft>
+              <a:buClr>
+                <a:schemeClr val="dk1"/>
+              </a:buClr>
+              <a:buSzPts val="2800"/>
+              <a:buFont typeface="Montserrat"/>
+              <a:buNone/>
+              <a:defRPr sz="2800" b="1" i="0" u="none" strike="noStrike" cap="none">
+                <a:solidFill>
+                  <a:schemeClr val="dk1"/>
+                </a:solidFill>
+                <a:latin typeface="Montserrat"/>
+                <a:ea typeface="Montserrat"/>
+                <a:cs typeface="Montserrat"/>
+                <a:sym typeface="Montserrat"/>
+              </a:defRPr>
+            </a:lvl2pPr>
+            <a:lvl3pPr marR="0" lvl="2" algn="l" rtl="0">
+              <a:lnSpc>
+                <a:spcPct val="100000"/>
+              </a:lnSpc>
+              <a:spcBef>
+                <a:spcPts val="0"/>
+              </a:spcBef>
+              <a:spcAft>
+                <a:spcPts val="0"/>
+              </a:spcAft>
+              <a:buClr>
+                <a:schemeClr val="dk1"/>
+              </a:buClr>
+              <a:buSzPts val="2800"/>
+              <a:buFont typeface="Montserrat"/>
+              <a:buNone/>
+              <a:defRPr sz="2800" b="1" i="0" u="none" strike="noStrike" cap="none">
+                <a:solidFill>
+                  <a:schemeClr val="dk1"/>
+                </a:solidFill>
+                <a:latin typeface="Montserrat"/>
+                <a:ea typeface="Montserrat"/>
+                <a:cs typeface="Montserrat"/>
+                <a:sym typeface="Montserrat"/>
+              </a:defRPr>
+            </a:lvl3pPr>
+            <a:lvl4pPr marR="0" lvl="3" algn="l" rtl="0">
+              <a:lnSpc>
+                <a:spcPct val="100000"/>
+              </a:lnSpc>
+              <a:spcBef>
+                <a:spcPts val="0"/>
+              </a:spcBef>
+              <a:spcAft>
+                <a:spcPts val="0"/>
+              </a:spcAft>
+              <a:buClr>
+                <a:schemeClr val="dk1"/>
+              </a:buClr>
+              <a:buSzPts val="2800"/>
+              <a:buFont typeface="Montserrat"/>
+              <a:buNone/>
+              <a:defRPr sz="2800" b="1" i="0" u="none" strike="noStrike" cap="none">
+                <a:solidFill>
+                  <a:schemeClr val="dk1"/>
+                </a:solidFill>
+                <a:latin typeface="Montserrat"/>
+                <a:ea typeface="Montserrat"/>
+                <a:cs typeface="Montserrat"/>
+                <a:sym typeface="Montserrat"/>
+              </a:defRPr>
+            </a:lvl4pPr>
+            <a:lvl5pPr marR="0" lvl="4" algn="l" rtl="0">
+              <a:lnSpc>
+                <a:spcPct val="100000"/>
+              </a:lnSpc>
+              <a:spcBef>
+                <a:spcPts val="0"/>
+              </a:spcBef>
+              <a:spcAft>
+                <a:spcPts val="0"/>
+              </a:spcAft>
+              <a:buClr>
+                <a:schemeClr val="dk1"/>
+              </a:buClr>
+              <a:buSzPts val="2800"/>
+              <a:buFont typeface="Montserrat"/>
+              <a:buNone/>
+              <a:defRPr sz="2800" b="1" i="0" u="none" strike="noStrike" cap="none">
+                <a:solidFill>
+                  <a:schemeClr val="dk1"/>
+                </a:solidFill>
+                <a:latin typeface="Montserrat"/>
+                <a:ea typeface="Montserrat"/>
+                <a:cs typeface="Montserrat"/>
+                <a:sym typeface="Montserrat"/>
+              </a:defRPr>
+            </a:lvl5pPr>
+            <a:lvl6pPr marR="0" lvl="5" algn="l" rtl="0">
+              <a:lnSpc>
+                <a:spcPct val="100000"/>
+              </a:lnSpc>
+              <a:spcBef>
+                <a:spcPts val="0"/>
+              </a:spcBef>
+              <a:spcAft>
+                <a:spcPts val="0"/>
+              </a:spcAft>
+              <a:buClr>
+                <a:schemeClr val="dk1"/>
+              </a:buClr>
+              <a:buSzPts val="2800"/>
+              <a:buFont typeface="Montserrat"/>
+              <a:buNone/>
+              <a:defRPr sz="2800" b="1" i="0" u="none" strike="noStrike" cap="none">
+                <a:solidFill>
+                  <a:schemeClr val="dk1"/>
+                </a:solidFill>
+                <a:latin typeface="Montserrat"/>
+                <a:ea typeface="Montserrat"/>
+                <a:cs typeface="Montserrat"/>
+                <a:sym typeface="Montserrat"/>
+              </a:defRPr>
+            </a:lvl6pPr>
+            <a:lvl7pPr marR="0" lvl="6" algn="l" rtl="0">
+              <a:lnSpc>
+                <a:spcPct val="100000"/>
+              </a:lnSpc>
+              <a:spcBef>
+                <a:spcPts val="0"/>
+              </a:spcBef>
+              <a:spcAft>
+                <a:spcPts val="0"/>
+              </a:spcAft>
+              <a:buClr>
+                <a:schemeClr val="dk1"/>
+              </a:buClr>
+              <a:buSzPts val="2800"/>
+              <a:buFont typeface="Montserrat"/>
+              <a:buNone/>
+              <a:defRPr sz="2800" b="1" i="0" u="none" strike="noStrike" cap="none">
+                <a:solidFill>
+                  <a:schemeClr val="dk1"/>
+                </a:solidFill>
+                <a:latin typeface="Montserrat"/>
+                <a:ea typeface="Montserrat"/>
+                <a:cs typeface="Montserrat"/>
+                <a:sym typeface="Montserrat"/>
+              </a:defRPr>
+            </a:lvl7pPr>
+            <a:lvl8pPr marR="0" lvl="7" algn="l" rtl="0">
+              <a:lnSpc>
+                <a:spcPct val="100000"/>
+              </a:lnSpc>
+              <a:spcBef>
+                <a:spcPts val="0"/>
+              </a:spcBef>
+              <a:spcAft>
+                <a:spcPts val="0"/>
+              </a:spcAft>
+              <a:buClr>
+                <a:schemeClr val="dk1"/>
+              </a:buClr>
+              <a:buSzPts val="2800"/>
+              <a:buFont typeface="Montserrat"/>
+              <a:buNone/>
+              <a:defRPr sz="2800" b="1" i="0" u="none" strike="noStrike" cap="none">
+                <a:solidFill>
+                  <a:schemeClr val="dk1"/>
+                </a:solidFill>
+                <a:latin typeface="Montserrat"/>
+                <a:ea typeface="Montserrat"/>
+                <a:cs typeface="Montserrat"/>
+                <a:sym typeface="Montserrat"/>
+              </a:defRPr>
+            </a:lvl8pPr>
+            <a:lvl9pPr marR="0" lvl="8" algn="l" rtl="0">
+              <a:lnSpc>
+                <a:spcPct val="100000"/>
+              </a:lnSpc>
+              <a:spcBef>
+                <a:spcPts val="0"/>
+              </a:spcBef>
+              <a:spcAft>
+                <a:spcPts val="0"/>
+              </a:spcAft>
+              <a:buClr>
+                <a:schemeClr val="dk1"/>
+              </a:buClr>
+              <a:buSzPts val="2800"/>
+              <a:buFont typeface="Montserrat"/>
+              <a:buNone/>
+              <a:defRPr sz="2800" b="1" i="0" u="none" strike="noStrike" cap="none">
+                <a:solidFill>
+                  <a:schemeClr val="dk1"/>
+                </a:solidFill>
+                <a:latin typeface="Montserrat"/>
+                <a:ea typeface="Montserrat"/>
+                <a:cs typeface="Montserrat"/>
+                <a:sym typeface="Montserrat"/>
+              </a:defRPr>
+            </a:lvl9pPr>
+          </a:lstStyle>
+          <a:p>
+            <a:pPr rtl="1"/>
+            <a:r>
+              <a:rPr lang="ar-SY" sz="3000" dirty="0">
+                <a:latin typeface="Dubai" panose="020B0503030403030204" pitchFamily="34" charset="-78"/>
+                <a:cs typeface="Dubai" panose="020B0503030403030204" pitchFamily="34" charset="-78"/>
+              </a:rPr>
+              <a:t>اختبارات النظام البرمجي (خدمة تخزين الموارد)</a:t>
+            </a:r>
+            <a:br>
+              <a:rPr lang="ar-SY" sz="2000" dirty="0">
+                <a:latin typeface="Dubai" panose="020B0503030403030204" pitchFamily="34" charset="-78"/>
+                <a:cs typeface="Dubai" panose="020B0503030403030204" pitchFamily="34" charset="-78"/>
+              </a:rPr>
+            </a:br>
+            <a:endParaRPr lang="ar-SY" sz="2000" b="0" dirty="0">
+              <a:latin typeface="Dubai" panose="020B0503030403030204" pitchFamily="34" charset="-78"/>
+              <a:cs typeface="Dubai" panose="020B0503030403030204" pitchFamily="34" charset="-78"/>
+            </a:endParaRPr>
+          </a:p>
+        </p:txBody>
+      </p:sp>
+      <p:sp>
+        <p:nvSpPr>
+          <p:cNvPr id="2" name="TextBox 1">
+            <a:extLst>
+              <a:ext uri="{FF2B5EF4-FFF2-40B4-BE49-F238E27FC236}">
+                <a16:creationId xmlns:a16="http://schemas.microsoft.com/office/drawing/2014/main" id="{C988C231-A1D4-BFD9-C65D-9189FD233FD8}"/>
+              </a:ext>
+            </a:extLst>
+          </p:cNvPr>
+          <p:cNvSpPr txBox="1"/>
+          <p:nvPr/>
+        </p:nvSpPr>
+        <p:spPr>
+          <a:xfrm>
+            <a:off x="8425999" y="4848605"/>
+            <a:ext cx="718001" cy="307777"/>
+          </a:xfrm>
+          <a:prstGeom prst="rect">
+            <a:avLst/>
+          </a:prstGeom>
+          <a:noFill/>
+        </p:spPr>
+        <p:txBody>
+          <a:bodyPr wrap="square" rtlCol="0">
+            <a:spAutoFit/>
+          </a:bodyPr>
+          <a:lstStyle/>
+          <a:p>
+            <a:r>
+              <a:rPr lang="en-US" b="1" dirty="0"/>
+              <a:t>38/41</a:t>
+            </a:r>
+          </a:p>
+        </p:txBody>
+      </p:sp>
+      <p:pic>
+        <p:nvPicPr>
+          <p:cNvPr id="10242" name="Picture 2" descr="GitHub - grafana/k6: A modern load testing tool, using Go and ...">
+            <a:extLst>
+              <a:ext uri="{FF2B5EF4-FFF2-40B4-BE49-F238E27FC236}">
+                <a16:creationId xmlns:a16="http://schemas.microsoft.com/office/drawing/2014/main" id="{D462B10C-F88E-470D-0A7E-150A89BE8993}"/>
+              </a:ext>
+            </a:extLst>
+          </p:cNvPr>
+          <p:cNvPicPr>
+            <a:picLocks noChangeAspect="1" noChangeArrowheads="1"/>
+          </p:cNvPicPr>
+          <p:nvPr/>
+        </p:nvPicPr>
+        <p:blipFill>
+          <a:blip r:embed="rId3">
+            <a:extLst>
+              <a:ext uri="{28A0092B-C50C-407E-A947-70E740481C1C}">
+                <a14:useLocalDpi xmlns:a14="http://schemas.microsoft.com/office/drawing/2010/main" val="0"/>
+              </a:ext>
+            </a:extLst>
+          </a:blip>
+          <a:srcRect/>
+          <a:stretch>
+            <a:fillRect/>
+          </a:stretch>
+        </p:blipFill>
+        <p:spPr bwMode="auto">
+          <a:xfrm>
+            <a:off x="6135689" y="3146429"/>
+            <a:ext cx="2649310" cy="1207281"/>
+          </a:xfrm>
+          <a:prstGeom prst="rect">
+            <a:avLst/>
+          </a:prstGeom>
+          <a:noFill/>
+          <a:extLst>
+            <a:ext uri="{909E8E84-426E-40DD-AFC4-6F175D3DCCD1}">
+              <a14:hiddenFill xmlns:a14="http://schemas.microsoft.com/office/drawing/2010/main">
+                <a:solidFill>
+                  <a:srgbClr val="FFFFFF"/>
+                </a:solidFill>
+              </a14:hiddenFill>
+            </a:ext>
+          </a:extLst>
+        </p:spPr>
+      </p:pic>
+      <p:sp>
+        <p:nvSpPr>
+          <p:cNvPr id="4" name="TextBox 3">
+            <a:extLst>
+              <a:ext uri="{FF2B5EF4-FFF2-40B4-BE49-F238E27FC236}">
+                <a16:creationId xmlns:a16="http://schemas.microsoft.com/office/drawing/2014/main" id="{B162307A-A9D1-38DB-7D13-95643B1D3898}"/>
+              </a:ext>
+            </a:extLst>
+          </p:cNvPr>
+          <p:cNvSpPr txBox="1"/>
+          <p:nvPr/>
+        </p:nvSpPr>
+        <p:spPr>
+          <a:xfrm>
+            <a:off x="6067465" y="1754289"/>
+            <a:ext cx="1731555" cy="338554"/>
+          </a:xfrm>
+          <a:prstGeom prst="rect">
+            <a:avLst/>
+          </a:prstGeom>
+          <a:noFill/>
+        </p:spPr>
+        <p:txBody>
+          <a:bodyPr wrap="square" rtlCol="0">
+            <a:spAutoFit/>
+          </a:bodyPr>
+          <a:lstStyle/>
+          <a:p>
+            <a:pPr algn="ctr" rtl="1"/>
+            <a:r>
+              <a:rPr lang="ar-SY" sz="1600" b="1" dirty="0">
+                <a:latin typeface="Dubai" panose="020B0503030403030204" pitchFamily="34" charset="-78"/>
+                <a:cs typeface="Dubai" panose="020B0503030403030204" pitchFamily="34" charset="-78"/>
+              </a:rPr>
+              <a:t>خصائص الاختبار</a:t>
+            </a:r>
+            <a:endParaRPr lang="en-US" sz="1600" b="1" dirty="0">
+              <a:latin typeface="Dubai" panose="020B0503030403030204" pitchFamily="34" charset="-78"/>
+              <a:cs typeface="Dubai" panose="020B0503030403030204" pitchFamily="34" charset="-78"/>
+            </a:endParaRPr>
+          </a:p>
+        </p:txBody>
+      </p:sp>
+      <p:sp>
+        <p:nvSpPr>
+          <p:cNvPr id="7" name="TextBox 6">
+            <a:extLst>
+              <a:ext uri="{FF2B5EF4-FFF2-40B4-BE49-F238E27FC236}">
+                <a16:creationId xmlns:a16="http://schemas.microsoft.com/office/drawing/2014/main" id="{D5AAF632-5A93-D014-2346-83D786DDA90A}"/>
+              </a:ext>
+            </a:extLst>
+          </p:cNvPr>
+          <p:cNvSpPr txBox="1"/>
+          <p:nvPr/>
+        </p:nvSpPr>
+        <p:spPr>
+          <a:xfrm>
+            <a:off x="3000374" y="2239294"/>
+            <a:ext cx="4390432" cy="830997"/>
+          </a:xfrm>
+          <a:prstGeom prst="rect">
+            <a:avLst/>
+          </a:prstGeom>
+          <a:noFill/>
+        </p:spPr>
+        <p:txBody>
+          <a:bodyPr wrap="square" rtlCol="0">
+            <a:spAutoFit/>
+          </a:bodyPr>
+          <a:lstStyle/>
+          <a:p>
+            <a:pPr marL="285750" indent="-285750" algn="r" rtl="1">
+              <a:buFont typeface="Arial" panose="020B0604020202020204" pitchFamily="34" charset="0"/>
+              <a:buChar char="•"/>
+            </a:pPr>
+            <a:r>
+              <a:rPr lang="ar-SY" sz="1600" dirty="0">
+                <a:latin typeface="Dubai" panose="020B0503030403030204" pitchFamily="34" charset="-78"/>
+                <a:cs typeface="Dubai" panose="020B0503030403030204" pitchFamily="34" charset="-78"/>
+              </a:rPr>
+              <a:t>تحوي قاعدة المعطيات على 15 مليون وثيقة.</a:t>
+            </a:r>
+          </a:p>
+          <a:p>
+            <a:pPr marL="285750" indent="-285750" algn="r" rtl="1">
+              <a:buFont typeface="Arial" panose="020B0604020202020204" pitchFamily="34" charset="0"/>
+              <a:buChar char="•"/>
+            </a:pPr>
+            <a:r>
+              <a:rPr lang="ar-SY" sz="1600" dirty="0">
+                <a:latin typeface="Dubai" panose="020B0503030403030204" pitchFamily="34" charset="-78"/>
+                <a:cs typeface="Dubai" panose="020B0503030403030204" pitchFamily="34" charset="-78"/>
+              </a:rPr>
+              <a:t>نوع الطلب الذي سيتم الاختبار عليه هو </a:t>
+            </a:r>
+            <a:r>
+              <a:rPr lang="en-US" sz="1600" dirty="0">
+                <a:latin typeface="Dubai" panose="020B0503030403030204" pitchFamily="34" charset="-78"/>
+                <a:cs typeface="Dubai" panose="020B0503030403030204" pitchFamily="34" charset="-78"/>
+              </a:rPr>
+              <a:t>Get</a:t>
+            </a:r>
+            <a:r>
+              <a:rPr lang="ar-SY" sz="1600" dirty="0">
+                <a:latin typeface="Dubai" panose="020B0503030403030204" pitchFamily="34" charset="-78"/>
+                <a:cs typeface="Dubai" panose="020B0503030403030204" pitchFamily="34" charset="-78"/>
+              </a:rPr>
+              <a:t>.</a:t>
+            </a:r>
+          </a:p>
+          <a:p>
+            <a:pPr marL="285750" indent="-285750" algn="r" rtl="1">
+              <a:buFont typeface="Arial" panose="020B0604020202020204" pitchFamily="34" charset="0"/>
+              <a:buChar char="•"/>
+            </a:pPr>
+            <a:endParaRPr lang="en-US" sz="1600" dirty="0">
+              <a:latin typeface="Dubai" panose="020B0503030403030204" pitchFamily="34" charset="-78"/>
+              <a:cs typeface="Dubai" panose="020B0503030403030204" pitchFamily="34" charset="-78"/>
+            </a:endParaRPr>
+          </a:p>
+        </p:txBody>
+      </p:sp>
+      <p:pic>
+        <p:nvPicPr>
+          <p:cNvPr id="8" name="Picture 2">
+            <a:extLst>
+              <a:ext uri="{FF2B5EF4-FFF2-40B4-BE49-F238E27FC236}">
+                <a16:creationId xmlns:a16="http://schemas.microsoft.com/office/drawing/2014/main" id="{09A49411-1256-8AC7-C24B-0C7E90F3627C}"/>
+              </a:ext>
+            </a:extLst>
+          </p:cNvPr>
+          <p:cNvPicPr>
+            <a:picLocks noChangeAspect="1" noChangeArrowheads="1"/>
+          </p:cNvPicPr>
+          <p:nvPr/>
+        </p:nvPicPr>
+        <p:blipFill>
+          <a:blip r:embed="rId4">
+            <a:extLst>
+              <a:ext uri="{28A0092B-C50C-407E-A947-70E740481C1C}">
+                <a14:useLocalDpi xmlns:a14="http://schemas.microsoft.com/office/drawing/2010/main" val="0"/>
+              </a:ext>
+            </a:extLst>
+          </a:blip>
+          <a:srcRect/>
+          <a:stretch>
+            <a:fillRect/>
+          </a:stretch>
+        </p:blipFill>
+        <p:spPr bwMode="auto">
+          <a:xfrm>
+            <a:off x="715619" y="955875"/>
+            <a:ext cx="1800904" cy="3655971"/>
+          </a:xfrm>
+          <a:prstGeom prst="rect">
+            <a:avLst/>
+          </a:prstGeom>
+          <a:noFill/>
+          <a:extLst>
+            <a:ext uri="{909E8E84-426E-40DD-AFC4-6F175D3DCCD1}">
+              <a14:hiddenFill xmlns:a14="http://schemas.microsoft.com/office/drawing/2010/main">
+                <a:solidFill>
+                  <a:srgbClr val="FFFFFF"/>
+                </a:solidFill>
+              </a14:hiddenFill>
+            </a:ext>
+          </a:extLst>
+        </p:spPr>
+      </p:pic>
+    </p:spTree>
+    <p:extLst>
+      <p:ext uri="{BB962C8B-B14F-4D97-AF65-F5344CB8AC3E}">
+        <p14:creationId xmlns:p14="http://schemas.microsoft.com/office/powerpoint/2010/main" val="2803075975"/>
+      </p:ext>
+    </p:extLst>
+  </p:cSld>
+  <p:clrMapOvr>
+    <a:masterClrMapping/>
+  </p:clrMapOvr>
+</p:sld>
+</file>
+
+<file path=ppt/slides/slide29.xml><?xml version="1.0" encoding="utf-8"?>
+<p:sld xmlns:a="http://schemas.openxmlformats.org/drawingml/2006/main" xmlns:r="http://schemas.openxmlformats.org/officeDocument/2006/relationships" xmlns:p="http://schemas.openxmlformats.org/presentationml/2006/main">
+  <p:cSld>
+    <p:spTree>
+      <p:nvGrpSpPr>
+        <p:cNvPr id="1" name="Shape 234"/>
+        <p:cNvGrpSpPr/>
+        <p:nvPr/>
+      </p:nvGrpSpPr>
+      <p:grpSpPr>
+        <a:xfrm>
+          <a:off x="0" y="0"/>
+          <a:ext cx="0" cy="0"/>
+          <a:chOff x="0" y="0"/>
+          <a:chExt cx="0" cy="0"/>
+        </a:xfrm>
+      </p:grpSpPr>
+      <p:sp>
+        <p:nvSpPr>
+          <p:cNvPr id="6" name="Google Shape;197;p32">
+            <a:extLst>
+              <a:ext uri="{FF2B5EF4-FFF2-40B4-BE49-F238E27FC236}">
+                <a16:creationId xmlns:a16="http://schemas.microsoft.com/office/drawing/2014/main" id="{0CAEC0CC-D7D5-10D2-63F6-C6968FBED233}"/>
+              </a:ext>
+            </a:extLst>
+          </p:cNvPr>
+          <p:cNvSpPr txBox="1">
+            <a:spLocks/>
+          </p:cNvSpPr>
+          <p:nvPr/>
+        </p:nvSpPr>
+        <p:spPr>
+          <a:xfrm>
+            <a:off x="351064" y="383175"/>
+            <a:ext cx="8074935" cy="572700"/>
+          </a:xfrm>
+          <a:prstGeom prst="rect">
+            <a:avLst/>
+          </a:prstGeom>
+          <a:noFill/>
+          <a:ln>
+            <a:noFill/>
+          </a:ln>
+        </p:spPr>
+        <p:txBody>
+          <a:bodyPr spcFirstLastPara="1" wrap="square" lIns="91425" tIns="91425" rIns="91425" bIns="91425" anchor="t" anchorCtr="0">
+            <a:noAutofit/>
+          </a:bodyPr>
+          <a:lstStyle>
+            <a:defPPr marR="0" lvl="0" algn="l" rtl="0">
+              <a:lnSpc>
+                <a:spcPct val="100000"/>
+              </a:lnSpc>
+              <a:spcBef>
+                <a:spcPts val="0"/>
+              </a:spcBef>
+              <a:spcAft>
+                <a:spcPts val="0"/>
+              </a:spcAft>
+            </a:defPPr>
+            <a:lvl1pPr marR="0" lvl="0" algn="ctr" rtl="0">
+              <a:lnSpc>
+                <a:spcPct val="100000"/>
+              </a:lnSpc>
+              <a:spcBef>
+                <a:spcPts val="0"/>
+              </a:spcBef>
+              <a:spcAft>
+                <a:spcPts val="0"/>
+              </a:spcAft>
+              <a:buClr>
+                <a:schemeClr val="dk1"/>
+              </a:buClr>
+              <a:buSzPts val="2800"/>
+              <a:buFont typeface="Montserrat"/>
+              <a:buNone/>
+              <a:defRPr sz="2800" b="1" i="0" u="none" strike="noStrike" cap="none">
+                <a:solidFill>
+                  <a:schemeClr val="accent1"/>
+                </a:solidFill>
+                <a:latin typeface="Montserrat"/>
+                <a:ea typeface="Montserrat"/>
+                <a:cs typeface="Montserrat"/>
+                <a:sym typeface="Montserrat"/>
+              </a:defRPr>
+            </a:lvl1pPr>
+            <a:lvl2pPr marR="0" lvl="1" algn="l" rtl="0">
+              <a:lnSpc>
+                <a:spcPct val="100000"/>
+              </a:lnSpc>
+              <a:spcBef>
+                <a:spcPts val="0"/>
+              </a:spcBef>
+              <a:spcAft>
+                <a:spcPts val="0"/>
+              </a:spcAft>
+              <a:buClr>
+                <a:schemeClr val="dk1"/>
+              </a:buClr>
+              <a:buSzPts val="2800"/>
+              <a:buFont typeface="Montserrat"/>
+              <a:buNone/>
+              <a:defRPr sz="2800" b="1" i="0" u="none" strike="noStrike" cap="none">
+                <a:solidFill>
+                  <a:schemeClr val="dk1"/>
+                </a:solidFill>
+                <a:latin typeface="Montserrat"/>
+                <a:ea typeface="Montserrat"/>
+                <a:cs typeface="Montserrat"/>
+                <a:sym typeface="Montserrat"/>
+              </a:defRPr>
+            </a:lvl2pPr>
+            <a:lvl3pPr marR="0" lvl="2" algn="l" rtl="0">
+              <a:lnSpc>
+                <a:spcPct val="100000"/>
+              </a:lnSpc>
+              <a:spcBef>
+                <a:spcPts val="0"/>
+              </a:spcBef>
+              <a:spcAft>
+                <a:spcPts val="0"/>
+              </a:spcAft>
+              <a:buClr>
+                <a:schemeClr val="dk1"/>
+              </a:buClr>
+              <a:buSzPts val="2800"/>
+              <a:buFont typeface="Montserrat"/>
+              <a:buNone/>
+              <a:defRPr sz="2800" b="1" i="0" u="none" strike="noStrike" cap="none">
+                <a:solidFill>
+                  <a:schemeClr val="dk1"/>
+                </a:solidFill>
+                <a:latin typeface="Montserrat"/>
+                <a:ea typeface="Montserrat"/>
+                <a:cs typeface="Montserrat"/>
+                <a:sym typeface="Montserrat"/>
+              </a:defRPr>
+            </a:lvl3pPr>
+            <a:lvl4pPr marR="0" lvl="3" algn="l" rtl="0">
+              <a:lnSpc>
+                <a:spcPct val="100000"/>
+              </a:lnSpc>
+              <a:spcBef>
+                <a:spcPts val="0"/>
+              </a:spcBef>
+              <a:spcAft>
+                <a:spcPts val="0"/>
+              </a:spcAft>
+              <a:buClr>
+                <a:schemeClr val="dk1"/>
+              </a:buClr>
+              <a:buSzPts val="2800"/>
+              <a:buFont typeface="Montserrat"/>
+              <a:buNone/>
+              <a:defRPr sz="2800" b="1" i="0" u="none" strike="noStrike" cap="none">
+                <a:solidFill>
+                  <a:schemeClr val="dk1"/>
+                </a:solidFill>
+                <a:latin typeface="Montserrat"/>
+                <a:ea typeface="Montserrat"/>
+                <a:cs typeface="Montserrat"/>
+                <a:sym typeface="Montserrat"/>
+              </a:defRPr>
+            </a:lvl4pPr>
+            <a:lvl5pPr marR="0" lvl="4" algn="l" rtl="0">
+              <a:lnSpc>
+                <a:spcPct val="100000"/>
+              </a:lnSpc>
+              <a:spcBef>
+                <a:spcPts val="0"/>
+              </a:spcBef>
+              <a:spcAft>
+                <a:spcPts val="0"/>
+              </a:spcAft>
+              <a:buClr>
+                <a:schemeClr val="dk1"/>
+              </a:buClr>
+              <a:buSzPts val="2800"/>
+              <a:buFont typeface="Montserrat"/>
+              <a:buNone/>
+              <a:defRPr sz="2800" b="1" i="0" u="none" strike="noStrike" cap="none">
+                <a:solidFill>
+                  <a:schemeClr val="dk1"/>
+                </a:solidFill>
+                <a:latin typeface="Montserrat"/>
+                <a:ea typeface="Montserrat"/>
+                <a:cs typeface="Montserrat"/>
+                <a:sym typeface="Montserrat"/>
+              </a:defRPr>
+            </a:lvl5pPr>
+            <a:lvl6pPr marR="0" lvl="5" algn="l" rtl="0">
+              <a:lnSpc>
+                <a:spcPct val="100000"/>
+              </a:lnSpc>
+              <a:spcBef>
+                <a:spcPts val="0"/>
+              </a:spcBef>
+              <a:spcAft>
+                <a:spcPts val="0"/>
+              </a:spcAft>
+              <a:buClr>
+                <a:schemeClr val="dk1"/>
+              </a:buClr>
+              <a:buSzPts val="2800"/>
+              <a:buFont typeface="Montserrat"/>
+              <a:buNone/>
+              <a:defRPr sz="2800" b="1" i="0" u="none" strike="noStrike" cap="none">
+                <a:solidFill>
+                  <a:schemeClr val="dk1"/>
+                </a:solidFill>
+                <a:latin typeface="Montserrat"/>
+                <a:ea typeface="Montserrat"/>
+                <a:cs typeface="Montserrat"/>
+                <a:sym typeface="Montserrat"/>
+              </a:defRPr>
+            </a:lvl6pPr>
+            <a:lvl7pPr marR="0" lvl="6" algn="l" rtl="0">
+              <a:lnSpc>
+                <a:spcPct val="100000"/>
+              </a:lnSpc>
+              <a:spcBef>
+                <a:spcPts val="0"/>
+              </a:spcBef>
+              <a:spcAft>
+                <a:spcPts val="0"/>
+              </a:spcAft>
+              <a:buClr>
+                <a:schemeClr val="dk1"/>
+              </a:buClr>
+              <a:buSzPts val="2800"/>
+              <a:buFont typeface="Montserrat"/>
+              <a:buNone/>
+              <a:defRPr sz="2800" b="1" i="0" u="none" strike="noStrike" cap="none">
+                <a:solidFill>
+                  <a:schemeClr val="dk1"/>
+                </a:solidFill>
+                <a:latin typeface="Montserrat"/>
+                <a:ea typeface="Montserrat"/>
+                <a:cs typeface="Montserrat"/>
+                <a:sym typeface="Montserrat"/>
+              </a:defRPr>
+            </a:lvl7pPr>
+            <a:lvl8pPr marR="0" lvl="7" algn="l" rtl="0">
+              <a:lnSpc>
+                <a:spcPct val="100000"/>
+              </a:lnSpc>
+              <a:spcBef>
+                <a:spcPts val="0"/>
+              </a:spcBef>
+              <a:spcAft>
+                <a:spcPts val="0"/>
+              </a:spcAft>
+              <a:buClr>
+                <a:schemeClr val="dk1"/>
+              </a:buClr>
+              <a:buSzPts val="2800"/>
+              <a:buFont typeface="Montserrat"/>
+              <a:buNone/>
+              <a:defRPr sz="2800" b="1" i="0" u="none" strike="noStrike" cap="none">
+                <a:solidFill>
+                  <a:schemeClr val="dk1"/>
+                </a:solidFill>
+                <a:latin typeface="Montserrat"/>
+                <a:ea typeface="Montserrat"/>
+                <a:cs typeface="Montserrat"/>
+                <a:sym typeface="Montserrat"/>
+              </a:defRPr>
+            </a:lvl8pPr>
+            <a:lvl9pPr marR="0" lvl="8" algn="l" rtl="0">
+              <a:lnSpc>
+                <a:spcPct val="100000"/>
+              </a:lnSpc>
+              <a:spcBef>
+                <a:spcPts val="0"/>
+              </a:spcBef>
+              <a:spcAft>
+                <a:spcPts val="0"/>
+              </a:spcAft>
+              <a:buClr>
+                <a:schemeClr val="dk1"/>
+              </a:buClr>
+              <a:buSzPts val="2800"/>
+              <a:buFont typeface="Montserrat"/>
+              <a:buNone/>
+              <a:defRPr sz="2800" b="1" i="0" u="none" strike="noStrike" cap="none">
+                <a:solidFill>
+                  <a:schemeClr val="dk1"/>
+                </a:solidFill>
+                <a:latin typeface="Montserrat"/>
+                <a:ea typeface="Montserrat"/>
+                <a:cs typeface="Montserrat"/>
+                <a:sym typeface="Montserrat"/>
+              </a:defRPr>
+            </a:lvl9pPr>
+          </a:lstStyle>
+          <a:p>
+            <a:pPr rtl="1"/>
+            <a:r>
+              <a:rPr lang="ar-SY" sz="3000" dirty="0">
+                <a:latin typeface="Dubai" panose="020B0503030403030204" pitchFamily="34" charset="-78"/>
+                <a:cs typeface="Dubai" panose="020B0503030403030204" pitchFamily="34" charset="-78"/>
+              </a:rPr>
+              <a:t>اختبارات النظام البرمجي (خدمة تخزين الموارد)</a:t>
+            </a:r>
+            <a:br>
+              <a:rPr lang="ar-SY" sz="2000" dirty="0">
+                <a:latin typeface="Dubai" panose="020B0503030403030204" pitchFamily="34" charset="-78"/>
+                <a:cs typeface="Dubai" panose="020B0503030403030204" pitchFamily="34" charset="-78"/>
+              </a:rPr>
+            </a:br>
+            <a:endParaRPr lang="ar-SY" sz="2000" b="0" dirty="0">
+              <a:latin typeface="Dubai" panose="020B0503030403030204" pitchFamily="34" charset="-78"/>
+              <a:cs typeface="Dubai" panose="020B0503030403030204" pitchFamily="34" charset="-78"/>
+            </a:endParaRPr>
+          </a:p>
+        </p:txBody>
+      </p:sp>
+      <p:sp>
+        <p:nvSpPr>
+          <p:cNvPr id="2" name="TextBox 1">
+            <a:extLst>
+              <a:ext uri="{FF2B5EF4-FFF2-40B4-BE49-F238E27FC236}">
+                <a16:creationId xmlns:a16="http://schemas.microsoft.com/office/drawing/2014/main" id="{C988C231-A1D4-BFD9-C65D-9189FD233FD8}"/>
+              </a:ext>
+            </a:extLst>
+          </p:cNvPr>
+          <p:cNvSpPr txBox="1"/>
+          <p:nvPr/>
+        </p:nvSpPr>
+        <p:spPr>
+          <a:xfrm>
+            <a:off x="8425999" y="4848605"/>
+            <a:ext cx="718001" cy="307777"/>
+          </a:xfrm>
+          <a:prstGeom prst="rect">
+            <a:avLst/>
+          </a:prstGeom>
+          <a:noFill/>
+        </p:spPr>
+        <p:txBody>
+          <a:bodyPr wrap="square" rtlCol="0">
+            <a:spAutoFit/>
+          </a:bodyPr>
+          <a:lstStyle/>
+          <a:p>
+            <a:r>
+              <a:rPr lang="en-US" b="1" dirty="0"/>
+              <a:t>38/41</a:t>
+            </a:r>
+          </a:p>
+        </p:txBody>
+      </p:sp>
+      <p:pic>
+        <p:nvPicPr>
+          <p:cNvPr id="10242" name="Picture 2" descr="GitHub - grafana/k6: A modern load testing tool, using Go and ...">
+            <a:extLst>
+              <a:ext uri="{FF2B5EF4-FFF2-40B4-BE49-F238E27FC236}">
+                <a16:creationId xmlns:a16="http://schemas.microsoft.com/office/drawing/2014/main" id="{D462B10C-F88E-470D-0A7E-150A89BE8993}"/>
+              </a:ext>
+            </a:extLst>
+          </p:cNvPr>
+          <p:cNvPicPr>
+            <a:picLocks noChangeAspect="1" noChangeArrowheads="1"/>
+          </p:cNvPicPr>
+          <p:nvPr/>
+        </p:nvPicPr>
+        <p:blipFill>
+          <a:blip r:embed="rId3">
+            <a:extLst>
+              <a:ext uri="{28A0092B-C50C-407E-A947-70E740481C1C}">
+                <a14:useLocalDpi xmlns:a14="http://schemas.microsoft.com/office/drawing/2010/main" val="0"/>
+              </a:ext>
+            </a:extLst>
+          </a:blip>
+          <a:srcRect/>
+          <a:stretch>
+            <a:fillRect/>
+          </a:stretch>
+        </p:blipFill>
+        <p:spPr bwMode="auto">
+          <a:xfrm>
+            <a:off x="6135689" y="3146429"/>
+            <a:ext cx="2649310" cy="1207281"/>
+          </a:xfrm>
+          <a:prstGeom prst="rect">
+            <a:avLst/>
+          </a:prstGeom>
+          <a:noFill/>
+          <a:extLst>
+            <a:ext uri="{909E8E84-426E-40DD-AFC4-6F175D3DCCD1}">
+              <a14:hiddenFill xmlns:a14="http://schemas.microsoft.com/office/drawing/2010/main">
+                <a:solidFill>
+                  <a:srgbClr val="FFFFFF"/>
+                </a:solidFill>
+              </a14:hiddenFill>
+            </a:ext>
+          </a:extLst>
+        </p:spPr>
+      </p:pic>
+      <p:sp>
+        <p:nvSpPr>
+          <p:cNvPr id="4" name="TextBox 3">
+            <a:extLst>
+              <a:ext uri="{FF2B5EF4-FFF2-40B4-BE49-F238E27FC236}">
+                <a16:creationId xmlns:a16="http://schemas.microsoft.com/office/drawing/2014/main" id="{B162307A-A9D1-38DB-7D13-95643B1D3898}"/>
+              </a:ext>
+            </a:extLst>
+          </p:cNvPr>
+          <p:cNvSpPr txBox="1"/>
+          <p:nvPr/>
+        </p:nvSpPr>
+        <p:spPr>
+          <a:xfrm>
+            <a:off x="6067465" y="1754289"/>
+            <a:ext cx="1731555" cy="338554"/>
+          </a:xfrm>
+          <a:prstGeom prst="rect">
+            <a:avLst/>
+          </a:prstGeom>
+          <a:noFill/>
+        </p:spPr>
+        <p:txBody>
+          <a:bodyPr wrap="square" rtlCol="0">
+            <a:spAutoFit/>
+          </a:bodyPr>
+          <a:lstStyle/>
+          <a:p>
+            <a:pPr algn="ctr" rtl="1"/>
+            <a:r>
+              <a:rPr lang="ar-SY" sz="1600" b="1" dirty="0">
+                <a:latin typeface="Dubai" panose="020B0503030403030204" pitchFamily="34" charset="-78"/>
+                <a:cs typeface="Dubai" panose="020B0503030403030204" pitchFamily="34" charset="-78"/>
+              </a:rPr>
+              <a:t>خصائص الاختبار</a:t>
+            </a:r>
+            <a:endParaRPr lang="en-US" sz="1600" b="1" dirty="0">
+              <a:latin typeface="Dubai" panose="020B0503030403030204" pitchFamily="34" charset="-78"/>
+              <a:cs typeface="Dubai" panose="020B0503030403030204" pitchFamily="34" charset="-78"/>
+            </a:endParaRPr>
+          </a:p>
+        </p:txBody>
+      </p:sp>
+      <p:sp>
+        <p:nvSpPr>
+          <p:cNvPr id="7" name="TextBox 6">
+            <a:extLst>
+              <a:ext uri="{FF2B5EF4-FFF2-40B4-BE49-F238E27FC236}">
+                <a16:creationId xmlns:a16="http://schemas.microsoft.com/office/drawing/2014/main" id="{D5AAF632-5A93-D014-2346-83D786DDA90A}"/>
+              </a:ext>
+            </a:extLst>
+          </p:cNvPr>
+          <p:cNvSpPr txBox="1"/>
+          <p:nvPr/>
+        </p:nvSpPr>
+        <p:spPr>
+          <a:xfrm>
+            <a:off x="3000374" y="2239294"/>
+            <a:ext cx="4390432" cy="830997"/>
+          </a:xfrm>
+          <a:prstGeom prst="rect">
+            <a:avLst/>
+          </a:prstGeom>
+          <a:noFill/>
+        </p:spPr>
+        <p:txBody>
+          <a:bodyPr wrap="square" rtlCol="0">
+            <a:spAutoFit/>
+          </a:bodyPr>
+          <a:lstStyle/>
+          <a:p>
+            <a:pPr marL="285750" indent="-285750" algn="r" rtl="1">
+              <a:buFont typeface="Arial" panose="020B0604020202020204" pitchFamily="34" charset="0"/>
+              <a:buChar char="•"/>
+            </a:pPr>
+            <a:r>
+              <a:rPr lang="ar-SY" sz="1600" dirty="0">
+                <a:latin typeface="Dubai" panose="020B0503030403030204" pitchFamily="34" charset="-78"/>
+                <a:cs typeface="Dubai" panose="020B0503030403030204" pitchFamily="34" charset="-78"/>
+              </a:rPr>
+              <a:t>تحوي قاعدة المعطيات على 15 مليون وثيقة.</a:t>
+            </a:r>
+          </a:p>
+          <a:p>
+            <a:pPr marL="285750" indent="-285750" algn="r" rtl="1">
+              <a:buFont typeface="Arial" panose="020B0604020202020204" pitchFamily="34" charset="0"/>
+              <a:buChar char="•"/>
+            </a:pPr>
+            <a:r>
+              <a:rPr lang="ar-SY" sz="1600" dirty="0">
+                <a:latin typeface="Dubai" panose="020B0503030403030204" pitchFamily="34" charset="-78"/>
+                <a:cs typeface="Dubai" panose="020B0503030403030204" pitchFamily="34" charset="-78"/>
+              </a:rPr>
+              <a:t>نوع الطلب الذي سيتم الاختبار عليه هو </a:t>
+            </a:r>
+            <a:r>
+              <a:rPr lang="en-US" sz="1600" dirty="0">
+                <a:latin typeface="Dubai" panose="020B0503030403030204" pitchFamily="34" charset="-78"/>
+                <a:cs typeface="Dubai" panose="020B0503030403030204" pitchFamily="34" charset="-78"/>
+              </a:rPr>
+              <a:t>Get</a:t>
+            </a:r>
+            <a:r>
+              <a:rPr lang="ar-SY" sz="1600" dirty="0">
+                <a:latin typeface="Dubai" panose="020B0503030403030204" pitchFamily="34" charset="-78"/>
+                <a:cs typeface="Dubai" panose="020B0503030403030204" pitchFamily="34" charset="-78"/>
+              </a:rPr>
+              <a:t>.</a:t>
+            </a:r>
+          </a:p>
+          <a:p>
+            <a:pPr marL="285750" indent="-285750" algn="r" rtl="1">
+              <a:buFont typeface="Arial" panose="020B0604020202020204" pitchFamily="34" charset="0"/>
+              <a:buChar char="•"/>
+            </a:pPr>
+            <a:endParaRPr lang="en-US" sz="1600" dirty="0">
+              <a:latin typeface="Dubai" panose="020B0503030403030204" pitchFamily="34" charset="-78"/>
+              <a:cs typeface="Dubai" panose="020B0503030403030204" pitchFamily="34" charset="-78"/>
+            </a:endParaRPr>
+          </a:p>
+        </p:txBody>
+      </p:sp>
+      <p:pic>
+        <p:nvPicPr>
+          <p:cNvPr id="8" name="Picture 2">
+            <a:extLst>
+              <a:ext uri="{FF2B5EF4-FFF2-40B4-BE49-F238E27FC236}">
+                <a16:creationId xmlns:a16="http://schemas.microsoft.com/office/drawing/2014/main" id="{09A49411-1256-8AC7-C24B-0C7E90F3627C}"/>
+              </a:ext>
+            </a:extLst>
+          </p:cNvPr>
+          <p:cNvPicPr>
+            <a:picLocks noChangeAspect="1" noChangeArrowheads="1"/>
+          </p:cNvPicPr>
+          <p:nvPr/>
+        </p:nvPicPr>
+        <p:blipFill>
+          <a:blip r:embed="rId4">
+            <a:extLst>
+              <a:ext uri="{28A0092B-C50C-407E-A947-70E740481C1C}">
+                <a14:useLocalDpi xmlns:a14="http://schemas.microsoft.com/office/drawing/2010/main" val="0"/>
+              </a:ext>
+            </a:extLst>
+          </a:blip>
+          <a:srcRect/>
+          <a:stretch>
+            <a:fillRect/>
+          </a:stretch>
+        </p:blipFill>
+        <p:spPr bwMode="auto">
+          <a:xfrm>
+            <a:off x="715619" y="955875"/>
+            <a:ext cx="1800904" cy="3655971"/>
+          </a:xfrm>
+          <a:prstGeom prst="rect">
+            <a:avLst/>
+          </a:prstGeom>
+          <a:noFill/>
+          <a:extLst>
+            <a:ext uri="{909E8E84-426E-40DD-AFC4-6F175D3DCCD1}">
+              <a14:hiddenFill xmlns:a14="http://schemas.microsoft.com/office/drawing/2010/main">
+                <a:solidFill>
+                  <a:srgbClr val="FFFFFF"/>
+                </a:solidFill>
+              </a14:hiddenFill>
+            </a:ext>
+          </a:extLst>
+        </p:spPr>
+      </p:pic>
+    </p:spTree>
+    <p:extLst>
+      <p:ext uri="{BB962C8B-B14F-4D97-AF65-F5344CB8AC3E}">
+        <p14:creationId xmlns:p14="http://schemas.microsoft.com/office/powerpoint/2010/main" val="1122871636"/>
+      </p:ext>
+    </p:extLst>
+  </p:cSld>
+  <p:clrMapOvr>
+    <a:masterClrMapping/>
+  </p:clrMapOvr>
+</p:sld>
+</file>
+
+<file path=ppt/slides/slide3.xml><?xml version="1.0" encoding="utf-8"?>
+<p:sld xmlns:a="http://schemas.openxmlformats.org/drawingml/2006/main" xmlns:r="http://schemas.openxmlformats.org/officeDocument/2006/relationships" xmlns:p="http://schemas.openxmlformats.org/presentationml/2006/main">
+  <p:cSld>
+    <p:spTree>
+      <p:nvGrpSpPr>
+        <p:cNvPr id="1" name="Shape 221"/>
+        <p:cNvGrpSpPr/>
+        <p:nvPr/>
+      </p:nvGrpSpPr>
+      <p:grpSpPr>
+        <a:xfrm>
+          <a:off x="0" y="0"/>
+          <a:ext cx="0" cy="0"/>
+          <a:chOff x="0" y="0"/>
+          <a:chExt cx="0" cy="0"/>
+        </a:xfrm>
+      </p:grpSpPr>
+      <p:sp>
+        <p:nvSpPr>
+          <p:cNvPr id="222" name="Google Shape;222;p34"/>
+          <p:cNvSpPr txBox="1">
+            <a:spLocks noGrp="1"/>
+          </p:cNvSpPr>
+          <p:nvPr>
+            <p:ph type="title"/>
+          </p:nvPr>
+        </p:nvSpPr>
+        <p:spPr>
+          <a:xfrm>
+            <a:off x="3968425" y="2227050"/>
+            <a:ext cx="4462500" cy="841800"/>
+          </a:xfrm>
+          <a:prstGeom prst="rect">
+            <a:avLst/>
+          </a:prstGeom>
+        </p:spPr>
+        <p:txBody>
+          <a:bodyPr spcFirstLastPara="1" wrap="square" lIns="91425" tIns="91425" rIns="91425" bIns="91425" anchor="ctr" anchorCtr="0">
+            <a:noAutofit/>
+          </a:bodyPr>
+          <a:lstStyle/>
+          <a:p>
+            <a:pPr marL="0" lvl="0" indent="0" algn="r" rtl="0">
+              <a:spcBef>
+                <a:spcPts val="0"/>
+              </a:spcBef>
+              <a:spcAft>
+                <a:spcPts val="0"/>
+              </a:spcAft>
+              <a:buNone/>
+            </a:pPr>
+            <a:r>
+              <a:rPr lang="ar-SY" sz="4000" dirty="0">
+                <a:latin typeface="Dubai" panose="020B0503030403030204" pitchFamily="34" charset="-78"/>
+                <a:cs typeface="Dubai" panose="020B0503030403030204" pitchFamily="34" charset="-78"/>
+              </a:rPr>
+              <a:t>مقدمة</a:t>
+            </a:r>
+            <a:endParaRPr sz="4000" dirty="0">
+              <a:latin typeface="Dubai" panose="020B0503030403030204" pitchFamily="34" charset="-78"/>
+              <a:cs typeface="Dubai" panose="020B0503030403030204" pitchFamily="34" charset="-78"/>
+            </a:endParaRPr>
+          </a:p>
+        </p:txBody>
+      </p:sp>
+      <p:sp>
+        <p:nvSpPr>
+          <p:cNvPr id="224" name="Google Shape;224;p34"/>
+          <p:cNvSpPr txBox="1">
+            <a:spLocks noGrp="1"/>
+          </p:cNvSpPr>
+          <p:nvPr>
+            <p:ph type="title" idx="2"/>
+          </p:nvPr>
+        </p:nvSpPr>
+        <p:spPr>
+          <a:xfrm>
+            <a:off x="3968350" y="1262325"/>
+            <a:ext cx="4462500" cy="1141800"/>
+          </a:xfrm>
+          <a:prstGeom prst="rect">
+            <a:avLst/>
+          </a:prstGeom>
+        </p:spPr>
+        <p:txBody>
+          <a:bodyPr spcFirstLastPara="1" wrap="square" lIns="91425" tIns="91425" rIns="91425" bIns="91425" anchor="b" anchorCtr="0">
+            <a:noAutofit/>
+          </a:bodyPr>
+          <a:lstStyle/>
+          <a:p>
+            <a:pPr marL="0" lvl="0" indent="0" algn="r" rtl="0">
+              <a:spcBef>
+                <a:spcPts val="0"/>
+              </a:spcBef>
+              <a:spcAft>
+                <a:spcPts val="0"/>
+              </a:spcAft>
+              <a:buNone/>
+            </a:pPr>
+            <a:r>
+              <a:rPr lang="en" dirty="0">
+                <a:latin typeface="Dubai" panose="020B0503030403030204" pitchFamily="34" charset="-78"/>
+                <a:cs typeface="Dubai" panose="020B0503030403030204" pitchFamily="34" charset="-78"/>
+              </a:rPr>
+              <a:t>01</a:t>
+            </a:r>
+            <a:endParaRPr dirty="0">
+              <a:latin typeface="Dubai" panose="020B0503030403030204" pitchFamily="34" charset="-78"/>
+              <a:cs typeface="Dubai" panose="020B0503030403030204" pitchFamily="34" charset="-78"/>
+            </a:endParaRPr>
+          </a:p>
+        </p:txBody>
+      </p:sp>
+    </p:spTree>
+    <p:extLst>
+      <p:ext uri="{BB962C8B-B14F-4D97-AF65-F5344CB8AC3E}">
+        <p14:creationId xmlns:p14="http://schemas.microsoft.com/office/powerpoint/2010/main" val="1561757489"/>
+      </p:ext>
+    </p:extLst>
+  </p:cSld>
+  <p:clrMapOvr>
+    <a:masterClrMapping/>
+  </p:clrMapOvr>
+</p:sld>
+</file>
+
+<file path=ppt/slides/slide30.xml><?xml version="1.0" encoding="utf-8"?>
+<p:sld xmlns:a="http://schemas.openxmlformats.org/drawingml/2006/main" xmlns:r="http://schemas.openxmlformats.org/officeDocument/2006/relationships" xmlns:p="http://schemas.openxmlformats.org/presentationml/2006/main">
+  <p:cSld>
+    <p:spTree>
+      <p:nvGrpSpPr>
+        <p:cNvPr id="1" name="Shape 221"/>
+        <p:cNvGrpSpPr/>
+        <p:nvPr/>
+      </p:nvGrpSpPr>
+      <p:grpSpPr>
+        <a:xfrm>
+          <a:off x="0" y="0"/>
+          <a:ext cx="0" cy="0"/>
+          <a:chOff x="0" y="0"/>
+          <a:chExt cx="0" cy="0"/>
+        </a:xfrm>
+      </p:grpSpPr>
+      <p:sp>
+        <p:nvSpPr>
+          <p:cNvPr id="222" name="Google Shape;222;p34"/>
+          <p:cNvSpPr txBox="1">
+            <a:spLocks noGrp="1"/>
+          </p:cNvSpPr>
+          <p:nvPr>
+            <p:ph type="title"/>
+          </p:nvPr>
+        </p:nvSpPr>
+        <p:spPr>
+          <a:xfrm>
+            <a:off x="3330222" y="2575051"/>
+            <a:ext cx="5100628" cy="1383030"/>
+          </a:xfrm>
+          <a:prstGeom prst="rect">
+            <a:avLst/>
+          </a:prstGeom>
+        </p:spPr>
+        <p:txBody>
+          <a:bodyPr spcFirstLastPara="1" wrap="square" lIns="91425" tIns="91425" rIns="91425" bIns="91425" anchor="ctr" anchorCtr="0">
+            <a:noAutofit/>
+          </a:bodyPr>
+          <a:lstStyle/>
+          <a:p>
+            <a:pPr marL="0" lvl="0" indent="0" algn="r" rtl="0">
+              <a:spcBef>
+                <a:spcPts val="0"/>
+              </a:spcBef>
+              <a:spcAft>
+                <a:spcPts val="0"/>
+              </a:spcAft>
+              <a:buNone/>
+            </a:pPr>
+            <a:r>
+              <a:rPr lang="ar-SY" sz="4000" dirty="0">
+                <a:latin typeface="Dubai" panose="020B0503030403030204" pitchFamily="34" charset="-78"/>
+                <a:cs typeface="Dubai" panose="020B0503030403030204" pitchFamily="34" charset="-78"/>
+              </a:rPr>
+              <a:t>الخاتمة والآفاق المستقبليّة</a:t>
+            </a:r>
+            <a:br>
+              <a:rPr lang="ar-SY" sz="4000" dirty="0">
+                <a:latin typeface="Dubai" panose="020B0503030403030204" pitchFamily="34" charset="-78"/>
+                <a:cs typeface="Dubai" panose="020B0503030403030204" pitchFamily="34" charset="-78"/>
+              </a:rPr>
+            </a:br>
+            <a:br>
+              <a:rPr lang="ar-SY" sz="2000" dirty="0">
+                <a:latin typeface="Dubai" panose="020B0503030403030204" pitchFamily="34" charset="-78"/>
+                <a:cs typeface="Dubai" panose="020B0503030403030204" pitchFamily="34" charset="-78"/>
+              </a:rPr>
+            </a:br>
+            <a:endParaRPr lang="ar-SY" sz="2500" dirty="0">
+              <a:latin typeface="Dubai" panose="020B0503030403030204" pitchFamily="34" charset="-78"/>
+              <a:cs typeface="Dubai" panose="020B0503030403030204" pitchFamily="34" charset="-78"/>
+            </a:endParaRPr>
+          </a:p>
+        </p:txBody>
+      </p:sp>
+      <p:sp>
+        <p:nvSpPr>
+          <p:cNvPr id="224" name="Google Shape;224;p34"/>
+          <p:cNvSpPr txBox="1">
+            <a:spLocks noGrp="1"/>
+          </p:cNvSpPr>
+          <p:nvPr>
+            <p:ph type="title" idx="2"/>
+          </p:nvPr>
+        </p:nvSpPr>
+        <p:spPr>
+          <a:xfrm>
+            <a:off x="3968350" y="1262325"/>
+            <a:ext cx="4462500" cy="1141800"/>
+          </a:xfrm>
+          <a:prstGeom prst="rect">
+            <a:avLst/>
+          </a:prstGeom>
+        </p:spPr>
+        <p:txBody>
+          <a:bodyPr spcFirstLastPara="1" wrap="square" lIns="91425" tIns="91425" rIns="91425" bIns="91425" anchor="b" anchorCtr="0">
+            <a:noAutofit/>
+          </a:bodyPr>
+          <a:lstStyle/>
+          <a:p>
+            <a:pPr marL="0" lvl="0" indent="0" algn="r" rtl="0">
+              <a:spcBef>
+                <a:spcPts val="0"/>
+              </a:spcBef>
+              <a:spcAft>
+                <a:spcPts val="0"/>
+              </a:spcAft>
+              <a:buNone/>
+            </a:pPr>
+            <a:r>
+              <a:rPr lang="en" dirty="0">
+                <a:latin typeface="Dubai" panose="020B0503030403030204" pitchFamily="34" charset="-78"/>
+                <a:cs typeface="Dubai" panose="020B0503030403030204" pitchFamily="34" charset="-78"/>
+              </a:rPr>
+              <a:t>0</a:t>
+            </a:r>
+            <a:r>
+              <a:rPr lang="en-US" dirty="0">
+                <a:latin typeface="Dubai" panose="020B0503030403030204" pitchFamily="34" charset="-78"/>
+                <a:cs typeface="Dubai" panose="020B0503030403030204" pitchFamily="34" charset="-78"/>
+              </a:rPr>
+              <a:t>5</a:t>
+            </a:r>
+            <a:endParaRPr dirty="0">
+              <a:latin typeface="Dubai" panose="020B0503030403030204" pitchFamily="34" charset="-78"/>
+              <a:cs typeface="Dubai" panose="020B0503030403030204" pitchFamily="34" charset="-78"/>
+            </a:endParaRPr>
+          </a:p>
+        </p:txBody>
+      </p:sp>
+    </p:spTree>
+    <p:extLst>
+      <p:ext uri="{BB962C8B-B14F-4D97-AF65-F5344CB8AC3E}">
+        <p14:creationId xmlns:p14="http://schemas.microsoft.com/office/powerpoint/2010/main" val="32523606"/>
+      </p:ext>
+    </p:extLst>
+  </p:cSld>
+  <p:clrMapOvr>
+    <a:masterClrMapping/>
+  </p:clrMapOvr>
+</p:sld>
+</file>
+
+<file path=ppt/slides/slide31.xml><?xml version="1.0" encoding="utf-8"?>
 <p:sld xmlns:a="http://schemas.openxmlformats.org/drawingml/2006/main" xmlns:r="http://schemas.openxmlformats.org/officeDocument/2006/relationships" xmlns:p="http://schemas.openxmlformats.org/presentationml/2006/main">
   <p:cSld>
     <p:spTree>
@@ -20801,7 +27020,7 @@
 </p:sld>
 </file>
 
-<file path=ppt/slides/slide21.xml><?xml version="1.0" encoding="utf-8"?>
+<file path=ppt/slides/slide32.xml><?xml version="1.0" encoding="utf-8"?>
 <p:sld xmlns:a="http://schemas.openxmlformats.org/drawingml/2006/main" xmlns:r="http://schemas.openxmlformats.org/officeDocument/2006/relationships" xmlns:p="http://schemas.openxmlformats.org/presentationml/2006/main">
   <p:cSld>
     <p:spTree>
@@ -21147,7 +27366,7 @@
 </p:sld>
 </file>
 
-<file path=ppt/slides/slide22.xml><?xml version="1.0" encoding="utf-8"?>
+<file path=ppt/slides/slide33.xml><?xml version="1.0" encoding="utf-8"?>
 <p:sld xmlns:a="http://schemas.openxmlformats.org/drawingml/2006/main" xmlns:r="http://schemas.openxmlformats.org/officeDocument/2006/relationships" xmlns:p="http://schemas.openxmlformats.org/presentationml/2006/main">
   <p:cSld>
     <p:spTree>
@@ -21458,132 +27677,6 @@
     <p:extLst>
       <p:ext uri="{BB962C8B-B14F-4D97-AF65-F5344CB8AC3E}">
         <p14:creationId xmlns:p14="http://schemas.microsoft.com/office/powerpoint/2010/main" val="3488165136"/>
-      </p:ext>
-    </p:extLst>
-  </p:cSld>
-  <p:clrMapOvr>
-    <a:masterClrMapping/>
-  </p:clrMapOvr>
-</p:sld>
-</file>
-
-<file path=ppt/slides/slide3.xml><?xml version="1.0" encoding="utf-8"?>
-<p:sld xmlns:a="http://schemas.openxmlformats.org/drawingml/2006/main" xmlns:r="http://schemas.openxmlformats.org/officeDocument/2006/relationships" xmlns:p="http://schemas.openxmlformats.org/presentationml/2006/main">
-  <p:cSld>
-    <p:spTree>
-      <p:nvGrpSpPr>
-        <p:cNvPr id="1" name="Shape 221"/>
-        <p:cNvGrpSpPr/>
-        <p:nvPr/>
-      </p:nvGrpSpPr>
-      <p:grpSpPr>
-        <a:xfrm>
-          <a:off x="0" y="0"/>
-          <a:ext cx="0" cy="0"/>
-          <a:chOff x="0" y="0"/>
-          <a:chExt cx="0" cy="0"/>
-        </a:xfrm>
-      </p:grpSpPr>
-      <p:sp>
-        <p:nvSpPr>
-          <p:cNvPr id="222" name="Google Shape;222;p34"/>
-          <p:cNvSpPr txBox="1">
-            <a:spLocks noGrp="1"/>
-          </p:cNvSpPr>
-          <p:nvPr>
-            <p:ph type="title"/>
-          </p:nvPr>
-        </p:nvSpPr>
-        <p:spPr>
-          <a:xfrm>
-            <a:off x="3968425" y="2227050"/>
-            <a:ext cx="4462500" cy="841800"/>
-          </a:xfrm>
-          <a:prstGeom prst="rect">
-            <a:avLst/>
-          </a:prstGeom>
-        </p:spPr>
-        <p:txBody>
-          <a:bodyPr spcFirstLastPara="1" wrap="square" lIns="91425" tIns="91425" rIns="91425" bIns="91425" anchor="ctr" anchorCtr="0">
-            <a:noAutofit/>
-          </a:bodyPr>
-          <a:lstStyle/>
-          <a:p>
-            <a:pPr marL="0" lvl="0" indent="0" algn="r" rtl="0">
-              <a:spcBef>
-                <a:spcPts val="0"/>
-              </a:spcBef>
-              <a:spcAft>
-                <a:spcPts val="0"/>
-              </a:spcAft>
-              <a:buNone/>
-            </a:pPr>
-            <a:r>
-              <a:rPr lang="ar-SY" sz="4000" dirty="0">
-                <a:latin typeface="Dubai" panose="020B0503030403030204" pitchFamily="34" charset="-78"/>
-                <a:cs typeface="Dubai" panose="020B0503030403030204" pitchFamily="34" charset="-78"/>
-              </a:rPr>
-              <a:t>مقدمة</a:t>
-            </a:r>
-            <a:endParaRPr sz="4000" dirty="0">
-              <a:latin typeface="Dubai" panose="020B0503030403030204" pitchFamily="34" charset="-78"/>
-              <a:cs typeface="Dubai" panose="020B0503030403030204" pitchFamily="34" charset="-78"/>
-            </a:endParaRPr>
-          </a:p>
-        </p:txBody>
-      </p:sp>
-      <p:sp>
-        <p:nvSpPr>
-          <p:cNvPr id="224" name="Google Shape;224;p34"/>
-          <p:cNvSpPr txBox="1">
-            <a:spLocks noGrp="1"/>
-          </p:cNvSpPr>
-          <p:nvPr>
-            <p:ph type="title" idx="2"/>
-          </p:nvPr>
-        </p:nvSpPr>
-        <p:spPr>
-          <a:xfrm>
-            <a:off x="3968350" y="1262325"/>
-            <a:ext cx="4462500" cy="1141800"/>
-          </a:xfrm>
-          <a:prstGeom prst="rect">
-            <a:avLst/>
-          </a:prstGeom>
-        </p:spPr>
-        <p:txBody>
-          <a:bodyPr spcFirstLastPara="1" wrap="square" lIns="91425" tIns="91425" rIns="91425" bIns="91425" anchor="b" anchorCtr="0">
-            <a:noAutofit/>
-          </a:bodyPr>
-          <a:lstStyle/>
-          <a:p>
-            <a:pPr marL="0" lvl="0" indent="0" algn="r" rtl="0">
-              <a:spcBef>
-                <a:spcPts val="0"/>
-              </a:spcBef>
-              <a:spcAft>
-                <a:spcPts val="0"/>
-              </a:spcAft>
-              <a:buNone/>
-            </a:pPr>
-            <a:r>
-              <a:rPr lang="en" dirty="0">
-                <a:latin typeface="Dubai" panose="020B0503030403030204" pitchFamily="34" charset="-78"/>
-                <a:cs typeface="Dubai" panose="020B0503030403030204" pitchFamily="34" charset="-78"/>
-              </a:rPr>
-              <a:t>01</a:t>
-            </a:r>
-            <a:endParaRPr dirty="0">
-              <a:latin typeface="Dubai" panose="020B0503030403030204" pitchFamily="34" charset="-78"/>
-              <a:cs typeface="Dubai" panose="020B0503030403030204" pitchFamily="34" charset="-78"/>
-            </a:endParaRPr>
-          </a:p>
-        </p:txBody>
-      </p:sp>
-    </p:spTree>
-    <p:extLst>
-      <p:ext uri="{BB962C8B-B14F-4D97-AF65-F5344CB8AC3E}">
-        <p14:creationId xmlns:p14="http://schemas.microsoft.com/office/powerpoint/2010/main" val="1561757489"/>
       </p:ext>
     </p:extLst>
   </p:cSld>
